--- a/Годовой проект.pptx
+++ b/Годовой проект.pptx
@@ -8,14 +8,14 @@
     <p:sldId id="256" r:id="rId2"/>
     <p:sldId id="257" r:id="rId3"/>
     <p:sldId id="270" r:id="rId4"/>
-    <p:sldId id="258" r:id="rId5"/>
-    <p:sldId id="259" r:id="rId6"/>
-    <p:sldId id="263" r:id="rId7"/>
-    <p:sldId id="261" r:id="rId8"/>
-    <p:sldId id="265" r:id="rId9"/>
-    <p:sldId id="268" r:id="rId10"/>
-    <p:sldId id="273" r:id="rId11"/>
-    <p:sldId id="269" r:id="rId12"/>
+    <p:sldId id="259" r:id="rId5"/>
+    <p:sldId id="263" r:id="rId6"/>
+    <p:sldId id="261" r:id="rId7"/>
+    <p:sldId id="265" r:id="rId8"/>
+    <p:sldId id="268" r:id="rId9"/>
+    <p:sldId id="273" r:id="rId10"/>
+    <p:sldId id="269" r:id="rId11"/>
+    <p:sldId id="258" r:id="rId12"/>
     <p:sldId id="272" r:id="rId13"/>
     <p:sldId id="276" r:id="rId14"/>
     <p:sldId id="275" r:id="rId15"/>
@@ -127,7 +127,6 @@
             <p14:sldId id="256"/>
             <p14:sldId id="257"/>
             <p14:sldId id="270"/>
-            <p14:sldId id="258"/>
             <p14:sldId id="259"/>
             <p14:sldId id="263"/>
             <p14:sldId id="261"/>
@@ -135,6 +134,7 @@
             <p14:sldId id="268"/>
             <p14:sldId id="273"/>
             <p14:sldId id="269"/>
+            <p14:sldId id="258"/>
             <p14:sldId id="272"/>
             <p14:sldId id="276"/>
             <p14:sldId id="275"/>
@@ -321,7 +321,7 @@
             <a:fld id="{87DE6118-2437-4B30-8E3C-4D2BE6020583}" type="datetimeFigureOut">
               <a:rPr lang="en-US" dirty="0"/>
               <a:pPr/>
-              <a:t>4/1/2021</a:t>
+              <a:t>4/12/2021</a:t>
             </a:fld>
             <a:endParaRPr lang="en-US" dirty="0"/>
           </a:p>
@@ -647,7 +647,7 @@
           <a:p>
             <a:fld id="{87DE6118-2437-4B30-8E3C-4D2BE6020583}" type="datetimeFigureOut">
               <a:rPr lang="en-US" dirty="0"/>
-              <a:t>4/1/2021</a:t>
+              <a:t>4/12/2021</a:t>
             </a:fld>
             <a:endParaRPr lang="en-US" dirty="0"/>
           </a:p>
@@ -822,7 +822,7 @@
           <a:p>
             <a:fld id="{87DE6118-2437-4B30-8E3C-4D2BE6020583}" type="datetimeFigureOut">
               <a:rPr lang="en-US" dirty="0"/>
-              <a:t>4/1/2021</a:t>
+              <a:t>4/12/2021</a:t>
             </a:fld>
             <a:endParaRPr lang="en-US" dirty="0"/>
           </a:p>
@@ -987,7 +987,7 @@
           <a:p>
             <a:fld id="{87DE6118-2437-4B30-8E3C-4D2BE6020583}" type="datetimeFigureOut">
               <a:rPr lang="en-US" dirty="0"/>
-              <a:t>4/1/2021</a:t>
+              <a:t>4/12/2021</a:t>
             </a:fld>
             <a:endParaRPr lang="en-US" dirty="0"/>
           </a:p>
@@ -1260,7 +1260,7 @@
             <a:fld id="{87DE6118-2437-4B30-8E3C-4D2BE6020583}" type="datetimeFigureOut">
               <a:rPr lang="en-US" dirty="0"/>
               <a:pPr/>
-              <a:t>4/1/2021</a:t>
+              <a:t>4/12/2021</a:t>
             </a:fld>
             <a:endParaRPr lang="en-US" dirty="0"/>
           </a:p>
@@ -1650,7 +1650,7 @@
           <a:p>
             <a:fld id="{87DE6118-2437-4B30-8E3C-4D2BE6020583}" type="datetimeFigureOut">
               <a:rPr lang="en-US" dirty="0"/>
-              <a:t>4/1/2021</a:t>
+              <a:t>4/12/2021</a:t>
             </a:fld>
             <a:endParaRPr lang="en-US" dirty="0"/>
           </a:p>
@@ -2122,7 +2122,7 @@
           <a:p>
             <a:fld id="{87DE6118-2437-4B30-8E3C-4D2BE6020583}" type="datetimeFigureOut">
               <a:rPr lang="en-US" dirty="0"/>
-              <a:t>4/1/2021</a:t>
+              <a:t>4/12/2021</a:t>
             </a:fld>
             <a:endParaRPr lang="en-US" dirty="0"/>
           </a:p>
@@ -2235,7 +2235,7 @@
           <a:p>
             <a:fld id="{87DE6118-2437-4B30-8E3C-4D2BE6020583}" type="datetimeFigureOut">
               <a:rPr lang="en-US" dirty="0"/>
-              <a:t>4/1/2021</a:t>
+              <a:t>4/12/2021</a:t>
             </a:fld>
             <a:endParaRPr lang="en-US" dirty="0"/>
           </a:p>
@@ -2325,7 +2325,7 @@
           <a:p>
             <a:fld id="{87DE6118-2437-4B30-8E3C-4D2BE6020583}" type="datetimeFigureOut">
               <a:rPr lang="en-US" dirty="0"/>
-              <a:t>4/1/2021</a:t>
+              <a:t>4/12/2021</a:t>
             </a:fld>
             <a:endParaRPr lang="en-US" dirty="0"/>
           </a:p>
@@ -2667,7 +2667,7 @@
             <a:fld id="{87DE6118-2437-4B30-8E3C-4D2BE6020583}" type="datetimeFigureOut">
               <a:rPr lang="en-US" dirty="0"/>
               <a:pPr/>
-              <a:t>4/1/2021</a:t>
+              <a:t>4/12/2021</a:t>
             </a:fld>
             <a:endParaRPr lang="en-US" dirty="0"/>
           </a:p>
@@ -3052,7 +3052,7 @@
             <a:fld id="{87DE6118-2437-4B30-8E3C-4D2BE6020583}" type="datetimeFigureOut">
               <a:rPr lang="en-US" dirty="0"/>
               <a:pPr/>
-              <a:t>4/1/2021</a:t>
+              <a:t>4/12/2021</a:t>
             </a:fld>
             <a:endParaRPr lang="en-US" dirty="0"/>
           </a:p>
@@ -3327,7 +3327,7 @@
             <a:fld id="{87DE6118-2437-4B30-8E3C-4D2BE6020583}" type="datetimeFigureOut">
               <a:rPr lang="en-US" dirty="0"/>
               <a:pPr/>
-              <a:t>4/1/2021</a:t>
+              <a:t>4/12/2021</a:t>
             </a:fld>
             <a:endParaRPr lang="en-US" dirty="0"/>
           </a:p>
@@ -3946,6 +3946,13 @@
   <p:transition spd="slow">
     <p:push dir="u"/>
   </p:transition>
+  <p:timing>
+    <p:tnLst>
+      <p:par>
+        <p:cTn id="1" dur="indefinite" restart="never" nodeType="tmRoot"/>
+      </p:par>
+    </p:tnLst>
+  </p:timing>
 </p:sld>
 </file>
 
@@ -3971,649 +3978,6 @@
           <p:cNvPr id="2" name="Заголовок 1">
             <a:extLst>
               <a:ext uri="{FF2B5EF4-FFF2-40B4-BE49-F238E27FC236}">
-                <a16:creationId xmlns:a16="http://schemas.microsoft.com/office/drawing/2014/main" id="{CECE1ADE-8A3A-4746-807B-37F4EF200795}"/>
-              </a:ext>
-            </a:extLst>
-          </p:cNvPr>
-          <p:cNvSpPr>
-            <a:spLocks noGrp="1"/>
-          </p:cNvSpPr>
-          <p:nvPr>
-            <p:ph type="title"/>
-          </p:nvPr>
-        </p:nvSpPr>
-        <p:spPr>
-          <a:xfrm>
-            <a:off x="1611297" y="0"/>
-            <a:ext cx="9601200" cy="1485900"/>
-          </a:xfrm>
-        </p:spPr>
-        <p:txBody>
-          <a:bodyPr/>
-          <a:lstStyle/>
-          <a:p>
-            <a:r>
-              <a:rPr lang="ru-RU" dirty="0"/>
-              <a:t>Проверка корректности работы </a:t>
-            </a:r>
-          </a:p>
-        </p:txBody>
-      </p:sp>
-      <p:sp>
-        <p:nvSpPr>
-          <p:cNvPr id="3" name="Объект 2">
-            <a:extLst>
-              <a:ext uri="{FF2B5EF4-FFF2-40B4-BE49-F238E27FC236}">
-                <a16:creationId xmlns:a16="http://schemas.microsoft.com/office/drawing/2014/main" id="{2CDFDABD-2D7D-45EC-A06A-5705C7E01A58}"/>
-              </a:ext>
-            </a:extLst>
-          </p:cNvPr>
-          <p:cNvSpPr>
-            <a:spLocks noGrp="1"/>
-          </p:cNvSpPr>
-          <p:nvPr>
-            <p:ph idx="1"/>
-          </p:nvPr>
-        </p:nvSpPr>
-        <p:spPr>
-          <a:xfrm>
-            <a:off x="1371600" y="1287262"/>
-            <a:ext cx="4301231" cy="1935332"/>
-          </a:xfrm>
-        </p:spPr>
-        <p:txBody>
-          <a:bodyPr/>
-          <a:lstStyle/>
-          <a:p>
-            <a:pPr marL="0" indent="0">
-              <a:buNone/>
-            </a:pPr>
-            <a:r>
-              <a:rPr lang="ru-RU" dirty="0"/>
-              <a:t>Ввод ограничен размерами панели </a:t>
-            </a:r>
-          </a:p>
-          <a:p>
-            <a:pPr marL="0" indent="0">
-              <a:buNone/>
-            </a:pPr>
-            <a:r>
-              <a:rPr lang="ru-RU" dirty="0"/>
-              <a:t>Есть проверка вводимых данных</a:t>
-            </a:r>
-          </a:p>
-        </p:txBody>
-      </p:sp>
-      <p:sp>
-        <p:nvSpPr>
-          <p:cNvPr id="5" name="Прямоугольник 4">
-            <a:extLst>
-              <a:ext uri="{FF2B5EF4-FFF2-40B4-BE49-F238E27FC236}">
-                <a16:creationId xmlns:a16="http://schemas.microsoft.com/office/drawing/2014/main" id="{EEABCEE6-EED0-4E07-A196-9CE1E014F900}"/>
-              </a:ext>
-            </a:extLst>
-          </p:cNvPr>
-          <p:cNvSpPr/>
-          <p:nvPr/>
-        </p:nvSpPr>
-        <p:spPr>
-          <a:xfrm>
-            <a:off x="6209931" y="2325950"/>
-            <a:ext cx="4456590" cy="2769833"/>
-          </a:xfrm>
-          <a:prstGeom prst="rect">
-            <a:avLst/>
-          </a:prstGeom>
-          <a:solidFill>
-            <a:srgbClr val="BD71EB"/>
-          </a:solidFill>
-        </p:spPr>
-        <p:style>
-          <a:lnRef idx="2">
-            <a:schemeClr val="accent1">
-              <a:shade val="50000"/>
-            </a:schemeClr>
-          </a:lnRef>
-          <a:fillRef idx="1">
-            <a:schemeClr val="accent1"/>
-          </a:fillRef>
-          <a:effectRef idx="0">
-            <a:schemeClr val="accent1"/>
-          </a:effectRef>
-          <a:fontRef idx="minor">
-            <a:schemeClr val="lt1"/>
-          </a:fontRef>
-        </p:style>
-        <p:txBody>
-          <a:bodyPr rtlCol="0" anchor="ctr"/>
-          <a:lstStyle/>
-          <a:p>
-            <a:pPr algn="ctr"/>
-            <a:endParaRPr lang="ru-RU"/>
-          </a:p>
-        </p:txBody>
-      </p:sp>
-      <p:sp>
-        <p:nvSpPr>
-          <p:cNvPr id="6" name="Прямоугольник 5">
-            <a:extLst>
-              <a:ext uri="{FF2B5EF4-FFF2-40B4-BE49-F238E27FC236}">
-                <a16:creationId xmlns:a16="http://schemas.microsoft.com/office/drawing/2014/main" id="{C79434C4-DA93-4C89-8E4E-29EAF11DA2A2}"/>
-              </a:ext>
-            </a:extLst>
-          </p:cNvPr>
-          <p:cNvSpPr/>
-          <p:nvPr/>
-        </p:nvSpPr>
-        <p:spPr>
-          <a:xfrm>
-            <a:off x="2600557" y="4337420"/>
-            <a:ext cx="1687358" cy="369332"/>
-          </a:xfrm>
-          <a:prstGeom prst="rect">
-            <a:avLst/>
-          </a:prstGeom>
-          <a:solidFill>
-            <a:schemeClr val="bg1"/>
-          </a:solidFill>
-        </p:spPr>
-        <p:style>
-          <a:lnRef idx="2">
-            <a:schemeClr val="accent1">
-              <a:shade val="50000"/>
-            </a:schemeClr>
-          </a:lnRef>
-          <a:fillRef idx="1">
-            <a:schemeClr val="accent1"/>
-          </a:fillRef>
-          <a:effectRef idx="0">
-            <a:schemeClr val="accent1"/>
-          </a:effectRef>
-          <a:fontRef idx="minor">
-            <a:schemeClr val="lt1"/>
-          </a:fontRef>
-        </p:style>
-        <p:txBody>
-          <a:bodyPr rtlCol="0" anchor="ctr"/>
-          <a:lstStyle/>
-          <a:p>
-            <a:pPr algn="ctr"/>
-            <a:endParaRPr lang="ru-RU"/>
-          </a:p>
-        </p:txBody>
-      </p:sp>
-      <p:sp>
-        <p:nvSpPr>
-          <p:cNvPr id="7" name="Стрелка: влево 6">
-            <a:extLst>
-              <a:ext uri="{FF2B5EF4-FFF2-40B4-BE49-F238E27FC236}">
-                <a16:creationId xmlns:a16="http://schemas.microsoft.com/office/drawing/2014/main" id="{60EE90B5-FCBC-4469-93CE-D25759B5A455}"/>
-              </a:ext>
-            </a:extLst>
-          </p:cNvPr>
-          <p:cNvSpPr/>
-          <p:nvPr/>
-        </p:nvSpPr>
-        <p:spPr>
-          <a:xfrm rot="18739153">
-            <a:off x="3417903" y="3535732"/>
-            <a:ext cx="1447061" cy="324036"/>
-          </a:xfrm>
-          <a:prstGeom prst="leftArrow">
-            <a:avLst/>
-          </a:prstGeom>
-          <a:solidFill>
-            <a:schemeClr val="accent2">
-              <a:lumMod val="60000"/>
-              <a:lumOff val="40000"/>
-            </a:schemeClr>
-          </a:solidFill>
-        </p:spPr>
-        <p:style>
-          <a:lnRef idx="2">
-            <a:schemeClr val="accent1">
-              <a:shade val="50000"/>
-            </a:schemeClr>
-          </a:lnRef>
-          <a:fillRef idx="1">
-            <a:schemeClr val="accent1"/>
-          </a:fillRef>
-          <a:effectRef idx="0">
-            <a:schemeClr val="accent1"/>
-          </a:effectRef>
-          <a:fontRef idx="minor">
-            <a:schemeClr val="lt1"/>
-          </a:fontRef>
-        </p:style>
-        <p:txBody>
-          <a:bodyPr rtlCol="0" anchor="ctr"/>
-          <a:lstStyle/>
-          <a:p>
-            <a:pPr algn="ctr"/>
-            <a:endParaRPr lang="ru-RU"/>
-          </a:p>
-        </p:txBody>
-      </p:sp>
-      <p:sp>
-        <p:nvSpPr>
-          <p:cNvPr id="8" name="TextBox 7">
-            <a:extLst>
-              <a:ext uri="{FF2B5EF4-FFF2-40B4-BE49-F238E27FC236}">
-                <a16:creationId xmlns:a16="http://schemas.microsoft.com/office/drawing/2014/main" id="{0345086C-76C7-43C9-9C59-838BE4ABFAC4}"/>
-              </a:ext>
-            </a:extLst>
-          </p:cNvPr>
-          <p:cNvSpPr txBox="1"/>
-          <p:nvPr/>
-        </p:nvSpPr>
-        <p:spPr>
-          <a:xfrm>
-            <a:off x="4416640" y="2790918"/>
-            <a:ext cx="1198486" cy="369332"/>
-          </a:xfrm>
-          <a:prstGeom prst="rect">
-            <a:avLst/>
-          </a:prstGeom>
-          <a:noFill/>
-        </p:spPr>
-        <p:txBody>
-          <a:bodyPr wrap="square" rtlCol="0">
-            <a:spAutoFit/>
-          </a:bodyPr>
-          <a:lstStyle/>
-          <a:p>
-            <a:r>
-              <a:rPr lang="ru-RU" dirty="0"/>
-              <a:t>Только </a:t>
-            </a:r>
-            <a:r>
-              <a:rPr lang="en-US" dirty="0"/>
-              <a:t>int</a:t>
-            </a:r>
-            <a:endParaRPr lang="ru-RU" dirty="0"/>
-          </a:p>
-        </p:txBody>
-      </p:sp>
-      <p:sp>
-        <p:nvSpPr>
-          <p:cNvPr id="9" name="TextBox 8">
-            <a:extLst>
-              <a:ext uri="{FF2B5EF4-FFF2-40B4-BE49-F238E27FC236}">
-                <a16:creationId xmlns:a16="http://schemas.microsoft.com/office/drawing/2014/main" id="{4ABFBF93-9D8F-4D6E-80BB-0E5E465DB257}"/>
-              </a:ext>
-            </a:extLst>
-          </p:cNvPr>
-          <p:cNvSpPr txBox="1"/>
-          <p:nvPr/>
-        </p:nvSpPr>
-        <p:spPr>
-          <a:xfrm>
-            <a:off x="1100230" y="4341813"/>
-            <a:ext cx="1500327" cy="369332"/>
-          </a:xfrm>
-          <a:prstGeom prst="rect">
-            <a:avLst/>
-          </a:prstGeom>
-          <a:noFill/>
-        </p:spPr>
-        <p:txBody>
-          <a:bodyPr wrap="square" rtlCol="0">
-            <a:spAutoFit/>
-          </a:bodyPr>
-          <a:lstStyle/>
-          <a:p>
-            <a:r>
-              <a:rPr lang="ru-RU" dirty="0"/>
-              <a:t>Введите Х</a:t>
-            </a:r>
-          </a:p>
-        </p:txBody>
-      </p:sp>
-      <p:cxnSp>
-        <p:nvCxnSpPr>
-          <p:cNvPr id="11" name="Прямая соединительная линия 10">
-            <a:extLst>
-              <a:ext uri="{FF2B5EF4-FFF2-40B4-BE49-F238E27FC236}">
-                <a16:creationId xmlns:a16="http://schemas.microsoft.com/office/drawing/2014/main" id="{ACFC4687-0114-487C-A2CF-59BF5584CC2D}"/>
-              </a:ext>
-            </a:extLst>
-          </p:cNvPr>
-          <p:cNvCxnSpPr/>
-          <p:nvPr/>
-        </p:nvCxnSpPr>
-        <p:spPr>
-          <a:xfrm>
-            <a:off x="10715348" y="2325950"/>
-            <a:ext cx="1216240" cy="0"/>
-          </a:xfrm>
-          <a:prstGeom prst="line">
-            <a:avLst/>
-          </a:prstGeom>
-        </p:spPr>
-        <p:style>
-          <a:lnRef idx="1">
-            <a:schemeClr val="accent1"/>
-          </a:lnRef>
-          <a:fillRef idx="0">
-            <a:schemeClr val="accent1"/>
-          </a:fillRef>
-          <a:effectRef idx="0">
-            <a:schemeClr val="accent1"/>
-          </a:effectRef>
-          <a:fontRef idx="minor">
-            <a:schemeClr val="tx1"/>
-          </a:fontRef>
-        </p:style>
-      </p:cxnSp>
-      <p:cxnSp>
-        <p:nvCxnSpPr>
-          <p:cNvPr id="13" name="Прямая соединительная линия 12">
-            <a:extLst>
-              <a:ext uri="{FF2B5EF4-FFF2-40B4-BE49-F238E27FC236}">
-                <a16:creationId xmlns:a16="http://schemas.microsoft.com/office/drawing/2014/main" id="{8835261C-2D78-4E53-9582-2E2B911463EE}"/>
-              </a:ext>
-            </a:extLst>
-          </p:cNvPr>
-          <p:cNvCxnSpPr/>
-          <p:nvPr/>
-        </p:nvCxnSpPr>
-        <p:spPr>
-          <a:xfrm>
-            <a:off x="10715348" y="5095783"/>
-            <a:ext cx="1216240" cy="0"/>
-          </a:xfrm>
-          <a:prstGeom prst="line">
-            <a:avLst/>
-          </a:prstGeom>
-        </p:spPr>
-        <p:style>
-          <a:lnRef idx="1">
-            <a:schemeClr val="accent1"/>
-          </a:lnRef>
-          <a:fillRef idx="0">
-            <a:schemeClr val="accent1"/>
-          </a:fillRef>
-          <a:effectRef idx="0">
-            <a:schemeClr val="accent1"/>
-          </a:effectRef>
-          <a:fontRef idx="minor">
-            <a:schemeClr val="tx1"/>
-          </a:fontRef>
-        </p:style>
-      </p:cxnSp>
-      <p:cxnSp>
-        <p:nvCxnSpPr>
-          <p:cNvPr id="15" name="Прямая соединительная линия 14">
-            <a:extLst>
-              <a:ext uri="{FF2B5EF4-FFF2-40B4-BE49-F238E27FC236}">
-                <a16:creationId xmlns:a16="http://schemas.microsoft.com/office/drawing/2014/main" id="{F273227A-BA5A-4C2F-9916-6059026B3985}"/>
-              </a:ext>
-            </a:extLst>
-          </p:cNvPr>
-          <p:cNvCxnSpPr/>
-          <p:nvPr/>
-        </p:nvCxnSpPr>
-        <p:spPr>
-          <a:xfrm>
-            <a:off x="6209931" y="5095783"/>
-            <a:ext cx="0" cy="870011"/>
-          </a:xfrm>
-          <a:prstGeom prst="line">
-            <a:avLst/>
-          </a:prstGeom>
-        </p:spPr>
-        <p:style>
-          <a:lnRef idx="1">
-            <a:schemeClr val="accent1"/>
-          </a:lnRef>
-          <a:fillRef idx="0">
-            <a:schemeClr val="accent1"/>
-          </a:fillRef>
-          <a:effectRef idx="0">
-            <a:schemeClr val="accent1"/>
-          </a:effectRef>
-          <a:fontRef idx="minor">
-            <a:schemeClr val="tx1"/>
-          </a:fontRef>
-        </p:style>
-      </p:cxnSp>
-      <p:cxnSp>
-        <p:nvCxnSpPr>
-          <p:cNvPr id="17" name="Прямая соединительная линия 16">
-            <a:extLst>
-              <a:ext uri="{FF2B5EF4-FFF2-40B4-BE49-F238E27FC236}">
-                <a16:creationId xmlns:a16="http://schemas.microsoft.com/office/drawing/2014/main" id="{603F179A-C76D-4B00-9C5B-1290087BF6FF}"/>
-              </a:ext>
-            </a:extLst>
-          </p:cNvPr>
-          <p:cNvCxnSpPr/>
-          <p:nvPr/>
-        </p:nvCxnSpPr>
-        <p:spPr>
-          <a:xfrm>
-            <a:off x="10666521" y="5095783"/>
-            <a:ext cx="0" cy="887767"/>
-          </a:xfrm>
-          <a:prstGeom prst="line">
-            <a:avLst/>
-          </a:prstGeom>
-        </p:spPr>
-        <p:style>
-          <a:lnRef idx="1">
-            <a:schemeClr val="accent1"/>
-          </a:lnRef>
-          <a:fillRef idx="0">
-            <a:schemeClr val="accent1"/>
-          </a:fillRef>
-          <a:effectRef idx="0">
-            <a:schemeClr val="accent1"/>
-          </a:effectRef>
-          <a:fontRef idx="minor">
-            <a:schemeClr val="tx1"/>
-          </a:fontRef>
-        </p:style>
-      </p:cxnSp>
-      <p:cxnSp>
-        <p:nvCxnSpPr>
-          <p:cNvPr id="19" name="Прямая со стрелкой 18">
-            <a:extLst>
-              <a:ext uri="{FF2B5EF4-FFF2-40B4-BE49-F238E27FC236}">
-                <a16:creationId xmlns:a16="http://schemas.microsoft.com/office/drawing/2014/main" id="{18AE8931-C66A-4795-BAC4-F8F2CAB0F249}"/>
-              </a:ext>
-            </a:extLst>
-          </p:cNvPr>
-          <p:cNvCxnSpPr>
-            <a:cxnSpLocks/>
-          </p:cNvCxnSpPr>
-          <p:nvPr/>
-        </p:nvCxnSpPr>
-        <p:spPr>
-          <a:xfrm>
-            <a:off x="11323468" y="2325950"/>
-            <a:ext cx="0" cy="2769833"/>
-          </a:xfrm>
-          <a:prstGeom prst="straightConnector1">
-            <a:avLst/>
-          </a:prstGeom>
-          <a:ln>
-            <a:headEnd type="triangle"/>
-            <a:tailEnd type="triangle"/>
-          </a:ln>
-        </p:spPr>
-        <p:style>
-          <a:lnRef idx="1">
-            <a:schemeClr val="accent1"/>
-          </a:lnRef>
-          <a:fillRef idx="0">
-            <a:schemeClr val="accent1"/>
-          </a:fillRef>
-          <a:effectRef idx="0">
-            <a:schemeClr val="accent1"/>
-          </a:effectRef>
-          <a:fontRef idx="minor">
-            <a:schemeClr val="tx1"/>
-          </a:fontRef>
-        </p:style>
-      </p:cxnSp>
-      <p:cxnSp>
-        <p:nvCxnSpPr>
-          <p:cNvPr id="23" name="Прямая со стрелкой 22">
-            <a:extLst>
-              <a:ext uri="{FF2B5EF4-FFF2-40B4-BE49-F238E27FC236}">
-                <a16:creationId xmlns:a16="http://schemas.microsoft.com/office/drawing/2014/main" id="{6486013A-3CCB-4CA3-9E06-C39435D0D202}"/>
-              </a:ext>
-            </a:extLst>
-          </p:cNvPr>
-          <p:cNvCxnSpPr/>
-          <p:nvPr/>
-        </p:nvCxnSpPr>
-        <p:spPr>
-          <a:xfrm>
-            <a:off x="6209931" y="5539666"/>
-            <a:ext cx="4456590" cy="0"/>
-          </a:xfrm>
-          <a:prstGeom prst="straightConnector1">
-            <a:avLst/>
-          </a:prstGeom>
-          <a:ln>
-            <a:headEnd type="triangle"/>
-            <a:tailEnd type="triangle"/>
-          </a:ln>
-        </p:spPr>
-        <p:style>
-          <a:lnRef idx="1">
-            <a:schemeClr val="accent1"/>
-          </a:lnRef>
-          <a:fillRef idx="0">
-            <a:schemeClr val="accent1"/>
-          </a:fillRef>
-          <a:effectRef idx="0">
-            <a:schemeClr val="accent1"/>
-          </a:effectRef>
-          <a:fontRef idx="minor">
-            <a:schemeClr val="tx1"/>
-          </a:fontRef>
-        </p:style>
-      </p:cxnSp>
-      <p:sp>
-        <p:nvSpPr>
-          <p:cNvPr id="24" name="TextBox 23">
-            <a:extLst>
-              <a:ext uri="{FF2B5EF4-FFF2-40B4-BE49-F238E27FC236}">
-                <a16:creationId xmlns:a16="http://schemas.microsoft.com/office/drawing/2014/main" id="{AD3FEB10-9CD7-4072-8E09-7E9BFB8259F2}"/>
-              </a:ext>
-            </a:extLst>
-          </p:cNvPr>
-          <p:cNvSpPr txBox="1"/>
-          <p:nvPr/>
-        </p:nvSpPr>
-        <p:spPr>
-          <a:xfrm>
-            <a:off x="8078680" y="5530788"/>
-            <a:ext cx="1491449" cy="369332"/>
-          </a:xfrm>
-          <a:prstGeom prst="rect">
-            <a:avLst/>
-          </a:prstGeom>
-          <a:noFill/>
-        </p:spPr>
-        <p:txBody>
-          <a:bodyPr wrap="square" rtlCol="0">
-            <a:spAutoFit/>
-          </a:bodyPr>
-          <a:lstStyle/>
-          <a:p>
-            <a:r>
-              <a:rPr lang="en-US" dirty="0"/>
-              <a:t>width</a:t>
-            </a:r>
-            <a:endParaRPr lang="ru-RU" dirty="0"/>
-          </a:p>
-        </p:txBody>
-      </p:sp>
-      <p:sp>
-        <p:nvSpPr>
-          <p:cNvPr id="25" name="TextBox 24">
-            <a:extLst>
-              <a:ext uri="{FF2B5EF4-FFF2-40B4-BE49-F238E27FC236}">
-                <a16:creationId xmlns:a16="http://schemas.microsoft.com/office/drawing/2014/main" id="{8531DD12-ED06-46C6-A04A-A589AE925807}"/>
-              </a:ext>
-            </a:extLst>
-          </p:cNvPr>
-          <p:cNvSpPr txBox="1"/>
-          <p:nvPr/>
-        </p:nvSpPr>
-        <p:spPr>
-          <a:xfrm rot="16200000">
-            <a:off x="11042056" y="3557472"/>
-            <a:ext cx="932155" cy="369332"/>
-          </a:xfrm>
-          <a:prstGeom prst="rect">
-            <a:avLst/>
-          </a:prstGeom>
-          <a:noFill/>
-        </p:spPr>
-        <p:txBody>
-          <a:bodyPr wrap="square" rtlCol="0">
-            <a:spAutoFit/>
-          </a:bodyPr>
-          <a:lstStyle/>
-          <a:p>
-            <a:r>
-              <a:rPr lang="en-US" dirty="0"/>
-              <a:t>height</a:t>
-            </a:r>
-            <a:endParaRPr lang="ru-RU" dirty="0"/>
-          </a:p>
-        </p:txBody>
-      </p:sp>
-    </p:spTree>
-    <p:extLst>
-      <p:ext uri="{BB962C8B-B14F-4D97-AF65-F5344CB8AC3E}">
-        <p14:creationId xmlns:p14="http://schemas.microsoft.com/office/powerpoint/2010/main" val="3675188200"/>
-      </p:ext>
-    </p:extLst>
-  </p:cSld>
-  <p:clrMapOvr>
-    <a:masterClrMapping/>
-  </p:clrMapOvr>
-  <mc:AlternateContent xmlns:mc="http://schemas.openxmlformats.org/markup-compatibility/2006" xmlns:p14="http://schemas.microsoft.com/office/powerpoint/2010/main">
-    <mc:Choice Requires="p14">
-      <p:transition spd="slow" p14:dur="3400">
-        <p14:reveal/>
-      </p:transition>
-    </mc:Choice>
-    <mc:Fallback xmlns="">
-      <p:transition spd="slow">
-        <p:fade/>
-      </p:transition>
-    </mc:Fallback>
-  </mc:AlternateContent>
-</p:sld>
-</file>
-
-<file path=ppt/slides/slide11.xml><?xml version="1.0" encoding="utf-8"?>
-<p:sld xmlns:a="http://schemas.openxmlformats.org/drawingml/2006/main" xmlns:r="http://schemas.openxmlformats.org/officeDocument/2006/relationships" xmlns:p="http://schemas.openxmlformats.org/presentationml/2006/main">
-  <p:cSld>
-    <p:spTree>
-      <p:nvGrpSpPr>
-        <p:cNvPr id="1" name=""/>
-        <p:cNvGrpSpPr/>
-        <p:nvPr/>
-      </p:nvGrpSpPr>
-      <p:grpSpPr>
-        <a:xfrm>
-          <a:off x="0" y="0"/>
-          <a:ext cx="0" cy="0"/>
-          <a:chOff x="0" y="0"/>
-          <a:chExt cx="0" cy="0"/>
-        </a:xfrm>
-      </p:grpSpPr>
-      <p:sp>
-        <p:nvSpPr>
-          <p:cNvPr id="2" name="Заголовок 1">
-            <a:extLst>
-              <a:ext uri="{FF2B5EF4-FFF2-40B4-BE49-F238E27FC236}">
                 <a16:creationId xmlns:a16="http://schemas.microsoft.com/office/drawing/2014/main" id="{84FD5444-9FE6-4B94-94A2-B621CE3FCFE9}"/>
               </a:ext>
             </a:extLst>
@@ -4660,7 +4024,7 @@
           <a:blip r:embed="rId2">
             <a:extLst>
               <a:ext uri="{96DAC541-7B7A-43D3-8B79-37D633B846F1}">
-                <asvg:svgBlip xmlns:asvg="http://schemas.microsoft.com/office/drawing/2016/SVG/main" r:embed="rId3"/>
+                <asvg:svgBlip xmlns="" xmlns:asvg="http://schemas.microsoft.com/office/drawing/2016/SVG/main" r:embed="rId3"/>
               </a:ext>
             </a:extLst>
           </a:blip>
@@ -4756,421 +4120,17 @@
   <p:transition spd="slow">
     <p:wipe/>
   </p:transition>
+  <p:timing>
+    <p:tnLst>
+      <p:par>
+        <p:cTn id="1" dur="indefinite" restart="never" nodeType="tmRoot"/>
+      </p:par>
+    </p:tnLst>
+  </p:timing>
 </p:sld>
 </file>
 
-<file path=ppt/slides/slide12.xml><?xml version="1.0" encoding="utf-8"?>
-<p:sld xmlns:a="http://schemas.openxmlformats.org/drawingml/2006/main" xmlns:r="http://schemas.openxmlformats.org/officeDocument/2006/relationships" xmlns:p="http://schemas.openxmlformats.org/presentationml/2006/main">
-  <p:cSld>
-    <p:bg>
-      <p:bgPr>
-        <a:solidFill>
-          <a:schemeClr val="bg2"/>
-        </a:solidFill>
-        <a:effectLst/>
-      </p:bgPr>
-    </p:bg>
-    <p:spTree>
-      <p:nvGrpSpPr>
-        <p:cNvPr id="1" name=""/>
-        <p:cNvGrpSpPr/>
-        <p:nvPr/>
-      </p:nvGrpSpPr>
-      <p:grpSpPr>
-        <a:xfrm>
-          <a:off x="0" y="0"/>
-          <a:ext cx="0" cy="0"/>
-          <a:chOff x="0" y="0"/>
-          <a:chExt cx="0" cy="0"/>
-        </a:xfrm>
-      </p:grpSpPr>
-      <p:sp useBgFill="1">
-        <p:nvSpPr>
-          <p:cNvPr id="8" name="Rectangle 7">
-            <a:extLst>
-              <a:ext uri="{FF2B5EF4-FFF2-40B4-BE49-F238E27FC236}">
-                <a16:creationId xmlns:a16="http://schemas.microsoft.com/office/drawing/2014/main" id="{7C159B63-C56D-4E4E-8B07-40A1346DC926}"/>
-              </a:ext>
-              <a:ext uri="{C183D7F6-B498-43B3-948B-1728B52AA6E4}">
-                <adec:decorative xmlns:adec="http://schemas.microsoft.com/office/drawing/2017/decorative" val="1"/>
-              </a:ext>
-            </a:extLst>
-          </p:cNvPr>
-          <p:cNvSpPr>
-            <a:spLocks noGrp="1" noRot="1" noChangeAspect="1" noMove="1" noResize="1" noEditPoints="1" noAdjustHandles="1" noChangeArrowheads="1" noChangeShapeType="1" noTextEdit="1"/>
-          </p:cNvSpPr>
-          <p:nvPr>
-            <p:extLst>
-              <p:ext uri="{386F3935-93C4-4BCD-93E2-E3B085C9AB24}">
-                <p16:designElem xmlns:p16="http://schemas.microsoft.com/office/powerpoint/2015/main" val="1"/>
-              </p:ext>
-            </p:extLst>
-          </p:nvPr>
-        </p:nvSpPr>
-        <p:spPr bwMode="grayWhite">
-          <a:xfrm>
-            <a:off x="0" y="0"/>
-            <a:ext cx="12192000" cy="6858000"/>
-          </a:xfrm>
-          <a:prstGeom prst="rect">
-            <a:avLst/>
-          </a:prstGeom>
-          <a:ln>
-            <a:noFill/>
-          </a:ln>
-        </p:spPr>
-        <p:style>
-          <a:lnRef idx="2">
-            <a:schemeClr val="accent1">
-              <a:shade val="50000"/>
-            </a:schemeClr>
-          </a:lnRef>
-          <a:fillRef idx="1">
-            <a:schemeClr val="accent1"/>
-          </a:fillRef>
-          <a:effectRef idx="0">
-            <a:schemeClr val="accent1"/>
-          </a:effectRef>
-          <a:fontRef idx="minor">
-            <a:schemeClr val="lt1"/>
-          </a:fontRef>
-        </p:style>
-        <p:txBody>
-          <a:bodyPr rtlCol="0" anchor="ctr"/>
-          <a:lstStyle/>
-          <a:p>
-            <a:pPr algn="ctr"/>
-            <a:endParaRPr lang="en-US"/>
-          </a:p>
-        </p:txBody>
-      </p:sp>
-      <p:sp>
-        <p:nvSpPr>
-          <p:cNvPr id="2" name="Заголовок 1">
-            <a:extLst>
-              <a:ext uri="{FF2B5EF4-FFF2-40B4-BE49-F238E27FC236}">
-                <a16:creationId xmlns:a16="http://schemas.microsoft.com/office/drawing/2014/main" id="{565818D0-20A1-41A7-AB12-66BB87B28C93}"/>
-              </a:ext>
-            </a:extLst>
-          </p:cNvPr>
-          <p:cNvSpPr>
-            <a:spLocks noGrp="1"/>
-          </p:cNvSpPr>
-          <p:nvPr>
-            <p:ph type="title"/>
-          </p:nvPr>
-        </p:nvSpPr>
-        <p:spPr>
-          <a:xfrm>
-            <a:off x="1020612" y="581621"/>
-            <a:ext cx="3523938" cy="6067754"/>
-          </a:xfrm>
-        </p:spPr>
-        <p:txBody>
-          <a:bodyPr>
-            <a:normAutofit/>
-          </a:bodyPr>
-          <a:lstStyle/>
-          <a:p>
-            <a:r>
-              <a:rPr lang="ru-RU" dirty="0"/>
-              <a:t>Постановка задачи </a:t>
-            </a:r>
-          </a:p>
-        </p:txBody>
-      </p:sp>
-      <p:sp>
-        <p:nvSpPr>
-          <p:cNvPr id="10" name="Rectangle 9">
-            <a:extLst>
-              <a:ext uri="{FF2B5EF4-FFF2-40B4-BE49-F238E27FC236}">
-                <a16:creationId xmlns:a16="http://schemas.microsoft.com/office/drawing/2014/main" id="{27DEF201-077E-444A-A3F0-66E14253572F}"/>
-              </a:ext>
-              <a:ext uri="{C183D7F6-B498-43B3-948B-1728B52AA6E4}">
-                <adec:decorative xmlns:adec="http://schemas.microsoft.com/office/drawing/2017/decorative" val="1"/>
-              </a:ext>
-            </a:extLst>
-          </p:cNvPr>
-          <p:cNvSpPr>
-            <a:spLocks noGrp="1" noRot="1" noChangeAspect="1" noMove="1" noResize="1" noEditPoints="1" noAdjustHandles="1" noChangeArrowheads="1" noChangeShapeType="1" noTextEdit="1"/>
-          </p:cNvSpPr>
-          <p:nvPr>
-            <p:extLst>
-              <p:ext uri="{386F3935-93C4-4BCD-93E2-E3B085C9AB24}">
-                <p16:designElem xmlns:p16="http://schemas.microsoft.com/office/powerpoint/2015/main" val="1"/>
-              </p:ext>
-            </p:extLst>
-          </p:nvPr>
-        </p:nvSpPr>
-        <p:spPr>
-          <a:xfrm>
-            <a:off x="478095" y="376"/>
-            <a:ext cx="228600" cy="6858000"/>
-          </a:xfrm>
-          <a:prstGeom prst="rect">
-            <a:avLst/>
-          </a:prstGeom>
-          <a:solidFill>
-            <a:schemeClr val="tx2"/>
-          </a:solidFill>
-          <a:ln>
-            <a:noFill/>
-          </a:ln>
-        </p:spPr>
-        <p:style>
-          <a:lnRef idx="2">
-            <a:schemeClr val="accent1">
-              <a:shade val="50000"/>
-            </a:schemeClr>
-          </a:lnRef>
-          <a:fillRef idx="1">
-            <a:schemeClr val="accent1"/>
-          </a:fillRef>
-          <a:effectRef idx="0">
-            <a:schemeClr val="accent1"/>
-          </a:effectRef>
-          <a:fontRef idx="minor">
-            <a:schemeClr val="lt1"/>
-          </a:fontRef>
-        </p:style>
-      </p:sp>
-      <p:sp>
-        <p:nvSpPr>
-          <p:cNvPr id="3" name="Объект 2">
-            <a:extLst>
-              <a:ext uri="{FF2B5EF4-FFF2-40B4-BE49-F238E27FC236}">
-                <a16:creationId xmlns:a16="http://schemas.microsoft.com/office/drawing/2014/main" id="{2385F0C0-A2DC-43F7-9488-2E875EF09B02}"/>
-              </a:ext>
-            </a:extLst>
-          </p:cNvPr>
-          <p:cNvSpPr>
-            <a:spLocks noGrp="1"/>
-          </p:cNvSpPr>
-          <p:nvPr>
-            <p:ph idx="1"/>
-          </p:nvPr>
-        </p:nvSpPr>
-        <p:spPr>
-          <a:xfrm>
-            <a:off x="6520468" y="521762"/>
-            <a:ext cx="5193437" cy="3093736"/>
-          </a:xfrm>
-        </p:spPr>
-        <p:txBody>
-          <a:bodyPr>
-            <a:normAutofit/>
-          </a:bodyPr>
-          <a:lstStyle/>
-          <a:p>
-            <a:pPr marL="0" indent="0">
-              <a:buNone/>
-            </a:pPr>
-            <a:r>
-              <a:rPr lang="ru-RU" dirty="0"/>
-              <a:t>Управление производится с кнопок клавиатуры</a:t>
-            </a:r>
-          </a:p>
-          <a:p>
-            <a:pPr marL="0" indent="0">
-              <a:buNone/>
-            </a:pPr>
-            <a:r>
-              <a:rPr lang="ru-RU" dirty="0"/>
-              <a:t>Должна быть возможность видеть прогресс в ходе игры</a:t>
-            </a:r>
-          </a:p>
-          <a:p>
-            <a:pPr marL="0" indent="0">
-              <a:buNone/>
-            </a:pPr>
-            <a:r>
-              <a:rPr lang="ru-RU" dirty="0"/>
-              <a:t>Изменение цвета поля и игрового тела</a:t>
-            </a:r>
-          </a:p>
-          <a:p>
-            <a:pPr marL="0" indent="0">
-              <a:buNone/>
-            </a:pPr>
-            <a:r>
-              <a:rPr lang="ru-RU" dirty="0"/>
-              <a:t>Игра должна усложняться со временем </a:t>
-            </a:r>
-          </a:p>
-          <a:p>
-            <a:pPr marL="0" indent="0">
-              <a:buNone/>
-            </a:pPr>
-            <a:r>
-              <a:rPr lang="ru-RU" dirty="0"/>
-              <a:t>Пауза</a:t>
-            </a:r>
-          </a:p>
-        </p:txBody>
-      </p:sp>
-      <p:sp>
-        <p:nvSpPr>
-          <p:cNvPr id="4" name="Стрелка: вправо 3">
-            <a:extLst>
-              <a:ext uri="{FF2B5EF4-FFF2-40B4-BE49-F238E27FC236}">
-                <a16:creationId xmlns:a16="http://schemas.microsoft.com/office/drawing/2014/main" id="{E2357033-DD0C-4C67-9C02-BF9383ABE99E}"/>
-              </a:ext>
-            </a:extLst>
-          </p:cNvPr>
-          <p:cNvSpPr/>
-          <p:nvPr/>
-        </p:nvSpPr>
-        <p:spPr>
-          <a:xfrm rot="8737673" flipV="1">
-            <a:off x="5116969" y="3095422"/>
-            <a:ext cx="1038688" cy="248575"/>
-          </a:xfrm>
-          <a:prstGeom prst="rightArrow">
-            <a:avLst/>
-          </a:prstGeom>
-          <a:solidFill>
-            <a:schemeClr val="accent2">
-              <a:lumMod val="40000"/>
-              <a:lumOff val="60000"/>
-            </a:schemeClr>
-          </a:solidFill>
-        </p:spPr>
-        <p:style>
-          <a:lnRef idx="2">
-            <a:schemeClr val="accent1">
-              <a:shade val="50000"/>
-            </a:schemeClr>
-          </a:lnRef>
-          <a:fillRef idx="1">
-            <a:schemeClr val="accent1"/>
-          </a:fillRef>
-          <a:effectRef idx="0">
-            <a:schemeClr val="accent1"/>
-          </a:effectRef>
-          <a:fontRef idx="minor">
-            <a:schemeClr val="lt1"/>
-          </a:fontRef>
-        </p:style>
-        <p:txBody>
-          <a:bodyPr rtlCol="0" anchor="ctr"/>
-          <a:lstStyle/>
-          <a:p>
-            <a:pPr algn="ctr"/>
-            <a:endParaRPr lang="ru-RU"/>
-          </a:p>
-        </p:txBody>
-      </p:sp>
-      <p:sp>
-        <p:nvSpPr>
-          <p:cNvPr id="5" name="TextBox 4">
-            <a:extLst>
-              <a:ext uri="{FF2B5EF4-FFF2-40B4-BE49-F238E27FC236}">
-                <a16:creationId xmlns:a16="http://schemas.microsoft.com/office/drawing/2014/main" id="{E2291085-1EDC-4A37-9DED-1B4A928F483E}"/>
-              </a:ext>
-            </a:extLst>
-          </p:cNvPr>
-          <p:cNvSpPr txBox="1"/>
-          <p:nvPr/>
-        </p:nvSpPr>
-        <p:spPr>
-          <a:xfrm>
-            <a:off x="1731482" y="3754576"/>
-            <a:ext cx="4110361" cy="1754326"/>
-          </a:xfrm>
-          <a:prstGeom prst="rect">
-            <a:avLst/>
-          </a:prstGeom>
-          <a:noFill/>
-        </p:spPr>
-        <p:txBody>
-          <a:bodyPr wrap="square" rtlCol="0">
-            <a:spAutoFit/>
-          </a:bodyPr>
-          <a:lstStyle/>
-          <a:p>
-            <a:endParaRPr lang="ru-RU" dirty="0"/>
-          </a:p>
-          <a:p>
-            <a:r>
-              <a:rPr lang="ru-RU" dirty="0"/>
-              <a:t>Есть окно с количеством очков </a:t>
-            </a:r>
-          </a:p>
-          <a:p>
-            <a:endParaRPr lang="ru-RU" dirty="0"/>
-          </a:p>
-          <a:p>
-            <a:r>
-              <a:rPr lang="ru-RU" dirty="0"/>
-              <a:t>Ускорение при получение баллов</a:t>
-            </a:r>
-          </a:p>
-          <a:p>
-            <a:endParaRPr lang="ru-RU" dirty="0"/>
-          </a:p>
-          <a:p>
-            <a:r>
-              <a:rPr lang="ru-RU" dirty="0"/>
-              <a:t>Пауза </a:t>
-            </a:r>
-          </a:p>
-        </p:txBody>
-      </p:sp>
-      <p:pic>
-        <p:nvPicPr>
-          <p:cNvPr id="7" name="Рисунок 6">
-            <a:extLst>
-              <a:ext uri="{FF2B5EF4-FFF2-40B4-BE49-F238E27FC236}">
-                <a16:creationId xmlns:a16="http://schemas.microsoft.com/office/drawing/2014/main" id="{FA91F721-0259-4620-BBA1-451E3F275739}"/>
-              </a:ext>
-            </a:extLst>
-          </p:cNvPr>
-          <p:cNvPicPr>
-            <a:picLocks noChangeAspect="1"/>
-          </p:cNvPicPr>
-          <p:nvPr/>
-        </p:nvPicPr>
-        <p:blipFill rotWithShape="1">
-          <a:blip r:embed="rId2"/>
-          <a:srcRect l="38665" t="16570" r="39636" b="44880"/>
-          <a:stretch/>
-        </p:blipFill>
-        <p:spPr>
-          <a:xfrm>
-            <a:off x="7139136" y="3754576"/>
-            <a:ext cx="2645546" cy="2643806"/>
-          </a:xfrm>
-          <a:prstGeom prst="rect">
-            <a:avLst/>
-          </a:prstGeom>
-        </p:spPr>
-      </p:pic>
-    </p:spTree>
-    <p:extLst>
-      <p:ext uri="{BB962C8B-B14F-4D97-AF65-F5344CB8AC3E}">
-        <p14:creationId xmlns:p14="http://schemas.microsoft.com/office/powerpoint/2010/main" val="3748787564"/>
-      </p:ext>
-    </p:extLst>
-  </p:cSld>
-  <p:clrMapOvr>
-    <a:masterClrMapping/>
-  </p:clrMapOvr>
-  <mc:AlternateContent xmlns:mc="http://schemas.openxmlformats.org/markup-compatibility/2006" xmlns:p159="http://schemas.microsoft.com/office/powerpoint/2015/09/main">
-    <mc:Choice Requires="p159">
-      <p:transition xmlns:p14="http://schemas.microsoft.com/office/powerpoint/2010/main" spd="slow" p14:dur="2000">
-        <p159:morph option="byObject"/>
-      </p:transition>
-    </mc:Choice>
-    <mc:Fallback xmlns="">
-      <p:transition spd="slow">
-        <p:fade/>
-      </p:transition>
-    </mc:Fallback>
-  </mc:AlternateContent>
-</p:sld>
-</file>
-
-<file path=ppt/slides/slide13.xml><?xml version="1.0" encoding="utf-8"?>
+<file path=ppt/slides/slide11.xml><?xml version="1.0" encoding="utf-8"?>
 <p:sld xmlns:a="http://schemas.openxmlformats.org/drawingml/2006/main" xmlns:r="http://schemas.openxmlformats.org/officeDocument/2006/relationships" xmlns:p="http://schemas.openxmlformats.org/presentationml/2006/main">
   <p:cSld>
     <p:bg>
@@ -5197,13 +4157,13 @@
       </p:grpSpPr>
       <p:grpSp>
         <p:nvGrpSpPr>
-          <p:cNvPr id="24" name="Group 23">
+          <p:cNvPr id="13" name="Group 12">
             <a:extLst>
               <a:ext uri="{FF2B5EF4-FFF2-40B4-BE49-F238E27FC236}">
-                <a16:creationId xmlns:a16="http://schemas.microsoft.com/office/drawing/2014/main" id="{449BC34D-9C23-4D6D-8213-1F471AF85B3F}"/>
+                <a16:creationId xmlns:a16="http://schemas.microsoft.com/office/drawing/2014/main" id="{57500303-A207-4812-BEB9-51E132FEB73F}"/>
               </a:ext>
               <a:ext uri="{C183D7F6-B498-43B3-948B-1728B52AA6E4}">
-                <adec:decorative xmlns:adec="http://schemas.microsoft.com/office/drawing/2017/decorative" val="1"/>
+                <adec:decorative xmlns="" xmlns:adec="http://schemas.microsoft.com/office/drawing/2017/decorative" val="1"/>
               </a:ext>
             </a:extLst>
           </p:cNvPr>
@@ -5228,13 +4188,13 @@
         </p:grpSpPr>
         <p:sp>
           <p:nvSpPr>
-            <p:cNvPr id="25" name="Freeform 6">
+            <p:cNvPr id="14" name="Freeform 6">
               <a:extLst>
                 <a:ext uri="{FF2B5EF4-FFF2-40B4-BE49-F238E27FC236}">
-                  <a16:creationId xmlns:a16="http://schemas.microsoft.com/office/drawing/2014/main" id="{FA0F5D6C-5025-4D7E-82DD-C2C6FDA1E759}"/>
+                  <a16:creationId xmlns:a16="http://schemas.microsoft.com/office/drawing/2014/main" id="{10118C91-C025-4776-BE95-E9926378E790}"/>
                 </a:ext>
                 <a:ext uri="{C183D7F6-B498-43B3-948B-1728B52AA6E4}">
-                  <adec:decorative xmlns:adec="http://schemas.microsoft.com/office/drawing/2017/decorative" val="1"/>
+                  <adec:decorative xmlns="" xmlns:adec="http://schemas.microsoft.com/office/drawing/2017/decorative" val="1"/>
                 </a:ext>
               </a:extLst>
             </p:cNvPr>
@@ -5299,13 +4259,13 @@
         </p:sp>
         <p:sp>
           <p:nvSpPr>
-            <p:cNvPr id="26" name="Freeform 6">
+            <p:cNvPr id="15" name="Freeform 6">
               <a:extLst>
                 <a:ext uri="{FF2B5EF4-FFF2-40B4-BE49-F238E27FC236}">
-                  <a16:creationId xmlns:a16="http://schemas.microsoft.com/office/drawing/2014/main" id="{E2AF2C17-4AB4-4402-B84B-129EF95D161C}"/>
+                  <a16:creationId xmlns:a16="http://schemas.microsoft.com/office/drawing/2014/main" id="{339174D0-30E8-4BBF-BF81-5DDAC33C0C0E}"/>
                 </a:ext>
                 <a:ext uri="{C183D7F6-B498-43B3-948B-1728B52AA6E4}">
-                  <adec:decorative xmlns:adec="http://schemas.microsoft.com/office/drawing/2017/decorative" val="1"/>
+                  <adec:decorative xmlns="" xmlns:adec="http://schemas.microsoft.com/office/drawing/2017/decorative" val="1"/>
                 </a:ext>
               </a:extLst>
             </p:cNvPr>
@@ -5373,13 +4333,13 @@
       </p:grpSp>
       <p:sp useBgFill="1">
         <p:nvSpPr>
-          <p:cNvPr id="28" name="Rectangle 27">
+          <p:cNvPr id="17" name="Rectangle 16">
             <a:extLst>
               <a:ext uri="{FF2B5EF4-FFF2-40B4-BE49-F238E27FC236}">
-                <a16:creationId xmlns:a16="http://schemas.microsoft.com/office/drawing/2014/main" id="{1F9A0C1C-8ABC-401B-8FE9-AC9327C4C587}"/>
+                <a16:creationId xmlns:a16="http://schemas.microsoft.com/office/drawing/2014/main" id="{7BB74091-09FE-44AF-8325-7FE6E175F727}"/>
               </a:ext>
               <a:ext uri="{C183D7F6-B498-43B3-948B-1728B52AA6E4}">
-                <adec:decorative xmlns:adec="http://schemas.microsoft.com/office/drawing/2017/decorative" val="1"/>
+                <adec:decorative xmlns="" xmlns:adec="http://schemas.microsoft.com/office/drawing/2017/decorative" val="1"/>
               </a:ext>
             </a:extLst>
           </p:cNvPr>
@@ -5398,384 +4358,6 @@
           <a:xfrm>
             <a:off x="0" y="0"/>
             <a:ext cx="12192000" cy="6858000"/>
-          </a:xfrm>
-          <a:prstGeom prst="rect">
-            <a:avLst/>
-          </a:prstGeom>
-          <a:ln>
-            <a:noFill/>
-          </a:ln>
-        </p:spPr>
-        <p:style>
-          <a:lnRef idx="2">
-            <a:schemeClr val="accent1">
-              <a:shade val="50000"/>
-            </a:schemeClr>
-          </a:lnRef>
-          <a:fillRef idx="1001">
-            <a:schemeClr val="lt2"/>
-          </a:fillRef>
-          <a:effectRef idx="0">
-            <a:schemeClr val="accent1"/>
-          </a:effectRef>
-          <a:fontRef idx="minor">
-            <a:schemeClr val="lt1"/>
-          </a:fontRef>
-        </p:style>
-        <p:txBody>
-          <a:bodyPr rtlCol="0" anchor="ctr"/>
-          <a:lstStyle/>
-          <a:p>
-            <a:pPr algn="ctr"/>
-            <a:endParaRPr lang="en-US"/>
-          </a:p>
-        </p:txBody>
-      </p:sp>
-      <p:sp>
-        <p:nvSpPr>
-          <p:cNvPr id="2" name="Заголовок 1">
-            <a:extLst>
-              <a:ext uri="{FF2B5EF4-FFF2-40B4-BE49-F238E27FC236}">
-                <a16:creationId xmlns:a16="http://schemas.microsoft.com/office/drawing/2014/main" id="{236A3AAB-297B-4486-8C4D-4D4CE03AE021}"/>
-              </a:ext>
-            </a:extLst>
-          </p:cNvPr>
-          <p:cNvSpPr>
-            <a:spLocks noGrp="1"/>
-          </p:cNvSpPr>
-          <p:nvPr>
-            <p:ph type="title"/>
-          </p:nvPr>
-        </p:nvSpPr>
-        <p:spPr>
-          <a:xfrm>
-            <a:off x="8154186" y="634028"/>
-            <a:ext cx="3355942" cy="3732835"/>
-          </a:xfrm>
-        </p:spPr>
-        <p:txBody>
-          <a:bodyPr vert="horz" lIns="91440" tIns="45720" rIns="91440" bIns="45720" rtlCol="0" anchor="b">
-            <a:normAutofit/>
-          </a:bodyPr>
-          <a:lstStyle/>
-          <a:p>
-            <a:pPr algn="ctr"/>
-            <a:r>
-              <a:rPr lang="en-US" sz="5100" cap="all"/>
-              <a:t>Структура данных</a:t>
-            </a:r>
-          </a:p>
-        </p:txBody>
-      </p:sp>
-      <p:sp>
-        <p:nvSpPr>
-          <p:cNvPr id="8" name="Объект 7">
-            <a:extLst>
-              <a:ext uri="{FF2B5EF4-FFF2-40B4-BE49-F238E27FC236}">
-                <a16:creationId xmlns:a16="http://schemas.microsoft.com/office/drawing/2014/main" id="{8CA48F82-CF05-48BE-860E-91DA38F2CB93}"/>
-              </a:ext>
-            </a:extLst>
-          </p:cNvPr>
-          <p:cNvSpPr>
-            <a:spLocks noGrp="1"/>
-          </p:cNvSpPr>
-          <p:nvPr>
-            <p:ph idx="1"/>
-          </p:nvPr>
-        </p:nvSpPr>
-        <p:spPr>
-          <a:xfrm>
-            <a:off x="8154186" y="4436462"/>
-            <a:ext cx="3355942" cy="1794656"/>
-          </a:xfrm>
-        </p:spPr>
-        <p:txBody>
-          <a:bodyPr vert="horz" lIns="91440" tIns="45720" rIns="91440" bIns="45720" rtlCol="0">
-            <a:normAutofit/>
-          </a:bodyPr>
-          <a:lstStyle/>
-          <a:p>
-            <a:pPr marL="0" indent="0" algn="ctr">
-              <a:lnSpc>
-                <a:spcPct val="112000"/>
-              </a:lnSpc>
-              <a:spcBef>
-                <a:spcPts val="0"/>
-              </a:spcBef>
-              <a:spcAft>
-                <a:spcPts val="600"/>
-              </a:spcAft>
-              <a:buNone/>
-            </a:pPr>
-            <a:r>
-              <a:rPr lang="en-US" sz="2300" dirty="0" err="1"/>
-              <a:t>Решение</a:t>
-            </a:r>
-            <a:r>
-              <a:rPr lang="en-US" sz="2300" dirty="0"/>
-              <a:t> </a:t>
-            </a:r>
-            <a:r>
-              <a:rPr lang="ru-RU" sz="2300" dirty="0"/>
-              <a:t>второй</a:t>
-            </a:r>
-            <a:r>
-              <a:rPr lang="en-US" sz="2300" dirty="0"/>
-              <a:t> </a:t>
-            </a:r>
-            <a:r>
-              <a:rPr lang="en-US" sz="2300" dirty="0" err="1"/>
-              <a:t>задачи</a:t>
-            </a:r>
-            <a:endParaRPr lang="en-US" sz="2300" dirty="0"/>
-          </a:p>
-        </p:txBody>
-      </p:sp>
-      <p:sp>
-        <p:nvSpPr>
-          <p:cNvPr id="30" name="Freeform 6">
-            <a:extLst>
-              <a:ext uri="{FF2B5EF4-FFF2-40B4-BE49-F238E27FC236}">
-                <a16:creationId xmlns:a16="http://schemas.microsoft.com/office/drawing/2014/main" id="{BA5783C3-2F96-40A7-A24F-30CB07AA3928}"/>
-              </a:ext>
-              <a:ext uri="{C183D7F6-B498-43B3-948B-1728B52AA6E4}">
-                <adec:decorative xmlns:adec="http://schemas.microsoft.com/office/drawing/2017/decorative" val="1"/>
-              </a:ext>
-            </a:extLst>
-          </p:cNvPr>
-          <p:cNvSpPr>
-            <a:spLocks noGrp="1" noRot="1" noChangeAspect="1" noMove="1" noResize="1" noEditPoints="1" noAdjustHandles="1" noChangeArrowheads="1" noChangeShapeType="1" noTextEdit="1"/>
-          </p:cNvSpPr>
-          <p:nvPr>
-            <p:extLst>
-              <p:ext uri="{386F3935-93C4-4BCD-93E2-E3B085C9AB24}">
-                <p16:designElem xmlns:p16="http://schemas.microsoft.com/office/powerpoint/2015/main" val="1"/>
-              </p:ext>
-            </p:extLst>
-          </p:nvPr>
-        </p:nvSpPr>
-        <p:spPr bwMode="auto">
-          <a:xfrm flipH="1" flipV="1">
-            <a:off x="649163" y="634028"/>
-            <a:ext cx="3275668" cy="4408488"/>
-          </a:xfrm>
-          <a:custGeom>
-            <a:avLst/>
-            <a:gdLst/>
-            <a:ahLst/>
-            <a:cxnLst/>
-            <a:rect l="l" t="t" r="r" b="b"/>
-            <a:pathLst>
-              <a:path w="10002" h="10000">
-                <a:moveTo>
-                  <a:pt x="8763" y="0"/>
-                </a:moveTo>
-                <a:lnTo>
-                  <a:pt x="10002" y="0"/>
-                </a:lnTo>
-                <a:lnTo>
-                  <a:pt x="10002" y="10000"/>
-                </a:lnTo>
-                <a:lnTo>
-                  <a:pt x="2" y="10000"/>
-                </a:lnTo>
-                <a:cubicBezTo>
-                  <a:pt x="-2" y="9698"/>
-                  <a:pt x="4" y="9427"/>
-                  <a:pt x="0" y="9125"/>
-                </a:cubicBezTo>
-                <a:lnTo>
-                  <a:pt x="8763" y="9128"/>
-                </a:lnTo>
-                <a:lnTo>
-                  <a:pt x="8763" y="0"/>
-                </a:lnTo>
-                <a:close/>
-              </a:path>
-            </a:pathLst>
-          </a:custGeom>
-          <a:solidFill>
-            <a:schemeClr val="tx2"/>
-          </a:solidFill>
-          <a:ln w="0">
-            <a:noFill/>
-            <a:prstDash val="solid"/>
-            <a:round/>
-            <a:headEnd/>
-            <a:tailEnd/>
-          </a:ln>
-        </p:spPr>
-      </p:sp>
-      <p:sp>
-        <p:nvSpPr>
-          <p:cNvPr id="32" name="Freeform 6">
-            <a:extLst>
-              <a:ext uri="{FF2B5EF4-FFF2-40B4-BE49-F238E27FC236}">
-                <a16:creationId xmlns:a16="http://schemas.microsoft.com/office/drawing/2014/main" id="{A9D08DBA-0326-4C4E-ACFB-576F3ABDD2D0}"/>
-              </a:ext>
-              <a:ext uri="{C183D7F6-B498-43B3-948B-1728B52AA6E4}">
-                <adec:decorative xmlns:adec="http://schemas.microsoft.com/office/drawing/2017/decorative" val="1"/>
-              </a:ext>
-            </a:extLst>
-          </p:cNvPr>
-          <p:cNvSpPr>
-            <a:spLocks noGrp="1" noRot="1" noChangeAspect="1" noMove="1" noResize="1" noEditPoints="1" noAdjustHandles="1" noChangeArrowheads="1" noChangeShapeType="1" noTextEdit="1"/>
-          </p:cNvSpPr>
-          <p:nvPr>
-            <p:extLst>
-              <p:ext uri="{386F3935-93C4-4BCD-93E2-E3B085C9AB24}">
-                <p16:designElem xmlns:p16="http://schemas.microsoft.com/office/powerpoint/2015/main" val="1"/>
-              </p:ext>
-            </p:extLst>
-          </p:nvPr>
-        </p:nvSpPr>
-        <p:spPr bwMode="auto">
-          <a:xfrm>
-            <a:off x="4494670" y="2016617"/>
-            <a:ext cx="3275013" cy="4408488"/>
-          </a:xfrm>
-          <a:custGeom>
-            <a:avLst/>
-            <a:gdLst/>
-            <a:ahLst/>
-            <a:cxnLst/>
-            <a:rect l="l" t="t" r="r" b="b"/>
-            <a:pathLst>
-              <a:path w="10000" h="10000">
-                <a:moveTo>
-                  <a:pt x="8761" y="0"/>
-                </a:moveTo>
-                <a:lnTo>
-                  <a:pt x="10000" y="0"/>
-                </a:lnTo>
-                <a:lnTo>
-                  <a:pt x="10000" y="10000"/>
-                </a:lnTo>
-                <a:lnTo>
-                  <a:pt x="0" y="10000"/>
-                </a:lnTo>
-                <a:lnTo>
-                  <a:pt x="0" y="9126"/>
-                </a:lnTo>
-                <a:lnTo>
-                  <a:pt x="8761" y="9127"/>
-                </a:lnTo>
-                <a:lnTo>
-                  <a:pt x="8761" y="0"/>
-                </a:lnTo>
-                <a:close/>
-              </a:path>
-            </a:pathLst>
-          </a:custGeom>
-          <a:solidFill>
-            <a:schemeClr val="tx2"/>
-          </a:solidFill>
-          <a:ln w="0">
-            <a:noFill/>
-            <a:prstDash val="solid"/>
-            <a:round/>
-            <a:headEnd/>
-            <a:tailEnd/>
-          </a:ln>
-        </p:spPr>
-      </p:sp>
-      <p:pic>
-        <p:nvPicPr>
-          <p:cNvPr id="3" name="Рисунок 2">
-            <a:extLst>
-              <a:ext uri="{FF2B5EF4-FFF2-40B4-BE49-F238E27FC236}">
-                <a16:creationId xmlns:a16="http://schemas.microsoft.com/office/drawing/2014/main" id="{5DAB15F9-05F0-4328-A954-E7E5ED6A4F93}"/>
-              </a:ext>
-            </a:extLst>
-          </p:cNvPr>
-          <p:cNvPicPr>
-            <a:picLocks noChangeAspect="1"/>
-          </p:cNvPicPr>
-          <p:nvPr/>
-        </p:nvPicPr>
-        <p:blipFill rotWithShape="1">
-          <a:blip r:embed="rId2"/>
-          <a:srcRect l="13822" t="37001" r="70101" b="35589"/>
-          <a:stretch/>
-        </p:blipFill>
-        <p:spPr>
-          <a:xfrm>
-            <a:off x="1991722" y="1583722"/>
-            <a:ext cx="4073607" cy="3906940"/>
-          </a:xfrm>
-          <a:prstGeom prst="rect">
-            <a:avLst/>
-          </a:prstGeom>
-        </p:spPr>
-      </p:pic>
-    </p:spTree>
-    <p:extLst>
-      <p:ext uri="{BB962C8B-B14F-4D97-AF65-F5344CB8AC3E}">
-        <p14:creationId xmlns:p14="http://schemas.microsoft.com/office/powerpoint/2010/main" val="1682699775"/>
-      </p:ext>
-    </p:extLst>
-  </p:cSld>
-  <p:clrMapOvr>
-    <a:masterClrMapping/>
-  </p:clrMapOvr>
-  <p:transition spd="slow">
-    <p:randomBar dir="vert"/>
-  </p:transition>
-</p:sld>
-</file>
-
-<file path=ppt/slides/slide14.xml><?xml version="1.0" encoding="utf-8"?>
-<p:sld xmlns:a="http://schemas.openxmlformats.org/drawingml/2006/main" xmlns:r="http://schemas.openxmlformats.org/officeDocument/2006/relationships" xmlns:p="http://schemas.openxmlformats.org/presentationml/2006/main">
-  <p:cSld>
-    <p:bg>
-      <p:bgPr>
-        <a:solidFill>
-          <a:schemeClr val="bg2"/>
-        </a:solidFill>
-        <a:effectLst/>
-      </p:bgPr>
-    </p:bg>
-    <p:spTree>
-      <p:nvGrpSpPr>
-        <p:cNvPr id="1" name=""/>
-        <p:cNvGrpSpPr/>
-        <p:nvPr/>
-      </p:nvGrpSpPr>
-      <p:grpSpPr>
-        <a:xfrm>
-          <a:off x="0" y="0"/>
-          <a:ext cx="0" cy="0"/>
-          <a:chOff x="0" y="0"/>
-          <a:chExt cx="0" cy="0"/>
-        </a:xfrm>
-      </p:grpSpPr>
-      <p:sp useBgFill="1">
-        <p:nvSpPr>
-          <p:cNvPr id="19" name="Rectangle 18">
-            <a:extLst>
-              <a:ext uri="{FF2B5EF4-FFF2-40B4-BE49-F238E27FC236}">
-                <a16:creationId xmlns:a16="http://schemas.microsoft.com/office/drawing/2014/main" id="{48C110B4-D26A-44C6-8576-236CA24E98C1}"/>
-              </a:ext>
-              <a:ext uri="{C183D7F6-B498-43B3-948B-1728B52AA6E4}">
-                <adec:decorative xmlns:adec="http://schemas.microsoft.com/office/drawing/2017/decorative" val="1"/>
-              </a:ext>
-            </a:extLst>
-          </p:cNvPr>
-          <p:cNvSpPr>
-            <a:spLocks noGrp="1" noRot="1" noChangeAspect="1" noMove="1" noResize="1" noEditPoints="1" noAdjustHandles="1" noChangeArrowheads="1" noChangeShapeType="1" noTextEdit="1"/>
-          </p:cNvSpPr>
-          <p:nvPr>
-            <p:extLst>
-              <p:ext uri="{386F3935-93C4-4BCD-93E2-E3B085C9AB24}">
-                <p16:designElem xmlns:p16="http://schemas.microsoft.com/office/powerpoint/2015/main" val="1"/>
-              </p:ext>
-            </p:extLst>
-          </p:nvPr>
-        </p:nvSpPr>
-        <p:spPr>
-          <a:xfrm>
-            <a:off x="0" y="0"/>
-            <a:ext cx="12188952" cy="6858000"/>
           </a:xfrm>
           <a:prstGeom prst="rect">
             <a:avLst/>
@@ -5814,7 +4396,7 @@
           <p:cNvPr id="2" name="Заголовок 1">
             <a:extLst>
               <a:ext uri="{FF2B5EF4-FFF2-40B4-BE49-F238E27FC236}">
-                <a16:creationId xmlns:a16="http://schemas.microsoft.com/office/drawing/2014/main" id="{565818D0-20A1-41A7-AB12-66BB87B28C93}"/>
+                <a16:creationId xmlns:a16="http://schemas.microsoft.com/office/drawing/2014/main" id="{DB315652-5B29-4054-876A-406BA4913978}"/>
               </a:ext>
             </a:extLst>
           </p:cNvPr>
@@ -5827,32 +4409,63 @@
         </p:nvSpPr>
         <p:spPr>
           <a:xfrm>
-            <a:off x="1021750" y="4531058"/>
-            <a:ext cx="4913384" cy="1683474"/>
-          </a:xfrm>
-        </p:spPr>
-        <p:txBody>
-          <a:bodyPr>
+            <a:off x="752858" y="4736961"/>
+            <a:ext cx="10720685" cy="936769"/>
+          </a:xfrm>
+        </p:spPr>
+        <p:txBody>
+          <a:bodyPr vert="horz" lIns="91440" tIns="45720" rIns="91440" bIns="45720" rtlCol="0" anchor="b">
             <a:normAutofit/>
           </a:bodyPr>
           <a:lstStyle/>
           <a:p>
-            <a:r>
-              <a:rPr lang="ru-RU" dirty="0"/>
-              <a:t>Способы решения</a:t>
-            </a:r>
-          </a:p>
-        </p:txBody>
-      </p:sp>
-      <p:sp>
-        <p:nvSpPr>
-          <p:cNvPr id="21" name="Freeform: Shape 20">
+            <a:pPr algn="ctr"/>
+            <a:r>
+              <a:rPr lang="en-US" sz="4800" cap="all"/>
+              <a:t>Постановка задачи</a:t>
+            </a:r>
+          </a:p>
+        </p:txBody>
+      </p:sp>
+      <p:pic>
+        <p:nvPicPr>
+          <p:cNvPr id="6" name="Объект 5">
             <a:extLst>
               <a:ext uri="{FF2B5EF4-FFF2-40B4-BE49-F238E27FC236}">
-                <a16:creationId xmlns:a16="http://schemas.microsoft.com/office/drawing/2014/main" id="{5BFD4DBB-3229-4DF6-A68A-CD91F8325879}"/>
+                <a16:creationId xmlns:a16="http://schemas.microsoft.com/office/drawing/2014/main" id="{E5DCA966-827E-4AE9-BEEA-75E37F0815D3}"/>
+              </a:ext>
+            </a:extLst>
+          </p:cNvPr>
+          <p:cNvPicPr>
+            <a:picLocks noChangeAspect="1"/>
+          </p:cNvPicPr>
+          <p:nvPr/>
+        </p:nvPicPr>
+        <p:blipFill>
+          <a:blip r:embed="rId2"/>
+          <a:stretch>
+            <a:fillRect/>
+          </a:stretch>
+        </p:blipFill>
+        <p:spPr>
+          <a:xfrm>
+            <a:off x="640061" y="138026"/>
+            <a:ext cx="5635775" cy="4255010"/>
+          </a:xfrm>
+          <a:prstGeom prst="rect">
+            <a:avLst/>
+          </a:prstGeom>
+        </p:spPr>
+      </p:pic>
+      <p:sp>
+        <p:nvSpPr>
+          <p:cNvPr id="19" name="Freeform: Shape 18">
+            <a:extLst>
+              <a:ext uri="{FF2B5EF4-FFF2-40B4-BE49-F238E27FC236}">
+                <a16:creationId xmlns:a16="http://schemas.microsoft.com/office/drawing/2014/main" id="{0F30CCEB-94C4-4F72-BA5A-9CEA853022DA}"/>
               </a:ext>
               <a:ext uri="{C183D7F6-B498-43B3-948B-1728B52AA6E4}">
-                <adec:decorative xmlns:adec="http://schemas.microsoft.com/office/drawing/2017/decorative" val="1"/>
+                <adec:decorative xmlns="" xmlns:adec="http://schemas.microsoft.com/office/drawing/2017/decorative" val="1"/>
               </a:ext>
             </a:extLst>
           </p:cNvPr>
@@ -5869,7 +4482,7 @@
         </p:nvSpPr>
         <p:spPr bwMode="auto">
           <a:xfrm flipH="1" flipV="1">
-            <a:off x="434936" y="4030294"/>
+            <a:off x="434936" y="4446551"/>
             <a:ext cx="1957171" cy="1103687"/>
           </a:xfrm>
           <a:custGeom>
@@ -5952,75 +4565,13 @@
       </p:sp>
       <p:sp>
         <p:nvSpPr>
-          <p:cNvPr id="3" name="Объект 2">
+          <p:cNvPr id="21" name="Freeform: Shape 20">
             <a:extLst>
               <a:ext uri="{FF2B5EF4-FFF2-40B4-BE49-F238E27FC236}">
-                <a16:creationId xmlns:a16="http://schemas.microsoft.com/office/drawing/2014/main" id="{2385F0C0-A2DC-43F7-9488-2E875EF09B02}"/>
-              </a:ext>
-            </a:extLst>
-          </p:cNvPr>
-          <p:cNvSpPr>
-            <a:spLocks noGrp="1"/>
-          </p:cNvSpPr>
-          <p:nvPr>
-            <p:ph idx="1"/>
-          </p:nvPr>
-        </p:nvSpPr>
-        <p:spPr>
-          <a:xfrm>
-            <a:off x="6253810" y="4531059"/>
-            <a:ext cx="4718989" cy="1683474"/>
-          </a:xfrm>
-        </p:spPr>
-        <p:txBody>
-          <a:bodyPr>
-            <a:normAutofit/>
-          </a:bodyPr>
-          <a:lstStyle/>
-          <a:p>
-            <a:pPr marL="0" indent="0">
-              <a:buNone/>
-            </a:pPr>
-            <a:r>
-              <a:rPr lang="ru-RU" sz="1500"/>
-              <a:t>Движение- перемещение на 10 по выбранному пути </a:t>
-            </a:r>
-          </a:p>
-          <a:p>
-            <a:pPr marL="0" indent="0">
-              <a:buNone/>
-            </a:pPr>
-            <a:r>
-              <a:rPr lang="ru-RU" sz="1500"/>
-              <a:t>Метод- рисовка игрового тела заново и последующая закраска предыдущего </a:t>
-            </a:r>
-          </a:p>
-          <a:p>
-            <a:pPr marL="0" indent="0">
-              <a:buNone/>
-            </a:pPr>
-            <a:r>
-              <a:rPr lang="ru-RU" sz="1500"/>
-              <a:t>Местоположение объектов, дающих очки генерируется случайно </a:t>
-            </a:r>
-          </a:p>
-          <a:p>
-            <a:pPr marL="0" indent="0">
-              <a:buNone/>
-            </a:pPr>
-            <a:endParaRPr lang="ru-RU" sz="1500"/>
-          </a:p>
-        </p:txBody>
-      </p:sp>
-      <p:sp>
-        <p:nvSpPr>
-          <p:cNvPr id="23" name="Freeform: Shape 22">
-            <a:extLst>
-              <a:ext uri="{FF2B5EF4-FFF2-40B4-BE49-F238E27FC236}">
-                <a16:creationId xmlns:a16="http://schemas.microsoft.com/office/drawing/2014/main" id="{792979E5-1F93-4CE3-975E-3CAEC618BFB3}"/>
+                <a16:creationId xmlns:a16="http://schemas.microsoft.com/office/drawing/2014/main" id="{0DE1A94F-CC8B-4954-97A7-ADD4F300D647}"/>
               </a:ext>
               <a:ext uri="{C183D7F6-B498-43B3-948B-1728B52AA6E4}">
-                <adec:decorative xmlns:adec="http://schemas.microsoft.com/office/drawing/2017/decorative" val="1"/>
+                <adec:decorative xmlns="" xmlns:adec="http://schemas.microsoft.com/office/drawing/2017/decorative" val="1"/>
               </a:ext>
             </a:extLst>
           </p:cNvPr>
@@ -6118,12 +4669,235 @@
           </a:ln>
         </p:spPr>
       </p:sp>
+      <p:sp>
+        <p:nvSpPr>
+          <p:cNvPr id="3" name="TextBox 2">
+            <a:extLst>
+              <a:ext uri="{FF2B5EF4-FFF2-40B4-BE49-F238E27FC236}">
+                <a16:creationId xmlns:a16="http://schemas.microsoft.com/office/drawing/2014/main" id="{8FC07ED4-6091-488B-AE37-6E2485DEAEAF}"/>
+              </a:ext>
+            </a:extLst>
+          </p:cNvPr>
+          <p:cNvSpPr txBox="1"/>
+          <p:nvPr/>
+        </p:nvSpPr>
+        <p:spPr>
+          <a:xfrm>
+            <a:off x="7102136" y="2485748"/>
+            <a:ext cx="4514267" cy="923330"/>
+          </a:xfrm>
+          <a:prstGeom prst="rect">
+            <a:avLst/>
+          </a:prstGeom>
+          <a:noFill/>
+        </p:spPr>
+        <p:txBody>
+          <a:bodyPr wrap="square" rtlCol="0">
+            <a:spAutoFit/>
+          </a:bodyPr>
+          <a:lstStyle/>
+          <a:p>
+            <a:r>
+              <a:rPr lang="ru-RU" dirty="0"/>
+              <a:t>Создание игры по типу змейки</a:t>
+            </a:r>
+          </a:p>
+          <a:p>
+            <a:r>
+              <a:rPr lang="ru-RU" dirty="0"/>
+              <a:t>Т.е. игровое тело должно управляться с клавиатуры</a:t>
+            </a:r>
+          </a:p>
+        </p:txBody>
+      </p:sp>
+      <p:sp>
+        <p:nvSpPr>
+          <p:cNvPr id="8" name="Стрелка: вправо 7">
+            <a:extLst>
+              <a:ext uri="{FF2B5EF4-FFF2-40B4-BE49-F238E27FC236}">
+                <a16:creationId xmlns:a16="http://schemas.microsoft.com/office/drawing/2014/main" id="{724644CF-6515-49E8-B74D-A22DA3359EE9}"/>
+              </a:ext>
+            </a:extLst>
+          </p:cNvPr>
+          <p:cNvSpPr/>
+          <p:nvPr/>
+        </p:nvSpPr>
+        <p:spPr>
+          <a:xfrm rot="9334358">
+            <a:off x="3627543" y="1442434"/>
+            <a:ext cx="2914021" cy="177802"/>
+          </a:xfrm>
+          <a:prstGeom prst="rightArrow">
+            <a:avLst>
+              <a:gd name="adj1" fmla="val 0"/>
+              <a:gd name="adj2" fmla="val 50000"/>
+            </a:avLst>
+          </a:prstGeom>
+        </p:spPr>
+        <p:style>
+          <a:lnRef idx="2">
+            <a:schemeClr val="accent1">
+              <a:shade val="50000"/>
+            </a:schemeClr>
+          </a:lnRef>
+          <a:fillRef idx="1">
+            <a:schemeClr val="accent1"/>
+          </a:fillRef>
+          <a:effectRef idx="0">
+            <a:schemeClr val="accent1"/>
+          </a:effectRef>
+          <a:fontRef idx="minor">
+            <a:schemeClr val="lt1"/>
+          </a:fontRef>
+        </p:style>
+        <p:txBody>
+          <a:bodyPr rtlCol="0" anchor="ctr"/>
+          <a:lstStyle/>
+          <a:p>
+            <a:pPr algn="ctr"/>
+            <a:endParaRPr lang="ru-RU"/>
+          </a:p>
+        </p:txBody>
+      </p:sp>
+      <p:sp>
+        <p:nvSpPr>
+          <p:cNvPr id="9" name="Овал 8">
+            <a:extLst>
+              <a:ext uri="{FF2B5EF4-FFF2-40B4-BE49-F238E27FC236}">
+                <a16:creationId xmlns:a16="http://schemas.microsoft.com/office/drawing/2014/main" id="{C4969652-453E-47AD-858C-142052C24208}"/>
+              </a:ext>
+            </a:extLst>
+          </p:cNvPr>
+          <p:cNvSpPr/>
+          <p:nvPr/>
+        </p:nvSpPr>
+        <p:spPr>
+          <a:xfrm>
+            <a:off x="3278229" y="2183658"/>
+            <a:ext cx="167172" cy="160048"/>
+          </a:xfrm>
+          <a:prstGeom prst="ellipse">
+            <a:avLst/>
+          </a:prstGeom>
+          <a:solidFill>
+            <a:srgbClr val="FF0000"/>
+          </a:solidFill>
+        </p:spPr>
+        <p:style>
+          <a:lnRef idx="2">
+            <a:schemeClr val="accent1">
+              <a:shade val="50000"/>
+            </a:schemeClr>
+          </a:lnRef>
+          <a:fillRef idx="1">
+            <a:schemeClr val="accent1"/>
+          </a:fillRef>
+          <a:effectRef idx="0">
+            <a:schemeClr val="accent1"/>
+          </a:effectRef>
+          <a:fontRef idx="minor">
+            <a:schemeClr val="lt1"/>
+          </a:fontRef>
+        </p:style>
+        <p:txBody>
+          <a:bodyPr rtlCol="0" anchor="ctr"/>
+          <a:lstStyle/>
+          <a:p>
+            <a:pPr algn="ctr"/>
+            <a:endParaRPr lang="ru-RU"/>
+          </a:p>
+        </p:txBody>
+      </p:sp>
+      <p:sp>
+        <p:nvSpPr>
+          <p:cNvPr id="11" name="Овал 10">
+            <a:extLst>
+              <a:ext uri="{FF2B5EF4-FFF2-40B4-BE49-F238E27FC236}">
+                <a16:creationId xmlns:a16="http://schemas.microsoft.com/office/drawing/2014/main" id="{5974482A-8BBE-4FA2-9DB2-C0A331AA6EBA}"/>
+              </a:ext>
+            </a:extLst>
+          </p:cNvPr>
+          <p:cNvSpPr/>
+          <p:nvPr/>
+        </p:nvSpPr>
+        <p:spPr>
+          <a:xfrm>
+            <a:off x="2710868" y="1600761"/>
+            <a:ext cx="174375" cy="169781"/>
+          </a:xfrm>
+          <a:prstGeom prst="ellipse">
+            <a:avLst/>
+          </a:prstGeom>
+          <a:solidFill>
+            <a:srgbClr val="0070C0"/>
+          </a:solidFill>
+        </p:spPr>
+        <p:style>
+          <a:lnRef idx="2">
+            <a:schemeClr val="accent1">
+              <a:shade val="50000"/>
+            </a:schemeClr>
+          </a:lnRef>
+          <a:fillRef idx="1">
+            <a:schemeClr val="accent1"/>
+          </a:fillRef>
+          <a:effectRef idx="0">
+            <a:schemeClr val="accent1"/>
+          </a:effectRef>
+          <a:fontRef idx="minor">
+            <a:schemeClr val="lt1"/>
+          </a:fontRef>
+        </p:style>
+        <p:txBody>
+          <a:bodyPr rtlCol="0" anchor="ctr"/>
+          <a:lstStyle/>
+          <a:p>
+            <a:pPr algn="ctr"/>
+            <a:endParaRPr lang="ru-RU"/>
+          </a:p>
+        </p:txBody>
+      </p:sp>
+      <p:sp>
+        <p:nvSpPr>
+          <p:cNvPr id="12" name="TextBox 11">
+            <a:extLst>
+              <a:ext uri="{FF2B5EF4-FFF2-40B4-BE49-F238E27FC236}">
+                <a16:creationId xmlns:a16="http://schemas.microsoft.com/office/drawing/2014/main" id="{E6909C60-28F3-40D1-AA24-DC33370F8A25}"/>
+              </a:ext>
+            </a:extLst>
+          </p:cNvPr>
+          <p:cNvSpPr txBox="1"/>
+          <p:nvPr/>
+        </p:nvSpPr>
+        <p:spPr>
+          <a:xfrm>
+            <a:off x="6444596" y="715215"/>
+            <a:ext cx="3746376" cy="369332"/>
+          </a:xfrm>
+          <a:prstGeom prst="rect">
+            <a:avLst/>
+          </a:prstGeom>
+          <a:noFill/>
+        </p:spPr>
+        <p:txBody>
+          <a:bodyPr wrap="square" rtlCol="0">
+            <a:spAutoFit/>
+          </a:bodyPr>
+          <a:lstStyle/>
+          <a:p>
+            <a:r>
+              <a:rPr lang="ru-RU" dirty="0"/>
+              <a:t>Игровое тело </a:t>
+            </a:r>
+          </a:p>
+        </p:txBody>
+      </p:sp>
       <p:pic>
         <p:nvPicPr>
-          <p:cNvPr id="12" name="Рисунок 11">
+          <p:cNvPr id="24" name="Рисунок 23" descr="Змея">
             <a:extLst>
               <a:ext uri="{FF2B5EF4-FFF2-40B4-BE49-F238E27FC236}">
-                <a16:creationId xmlns:a16="http://schemas.microsoft.com/office/drawing/2014/main" id="{B953ABA5-1AF1-4AED-B488-77EDC92F9C01}"/>
+                <a16:creationId xmlns:a16="http://schemas.microsoft.com/office/drawing/2014/main" id="{A833C220-02E4-4AAB-9365-514BF123F6E5}"/>
               </a:ext>
             </a:extLst>
           </p:cNvPr>
@@ -6132,15 +4906,58 @@
           </p:cNvPicPr>
           <p:nvPr/>
         </p:nvPicPr>
-        <p:blipFill rotWithShape="1">
-          <a:blip r:embed="rId2"/>
-          <a:srcRect l="6582" t="9816" r="31081" b="8760"/>
-          <a:stretch/>
+        <p:blipFill>
+          <a:blip r:embed="rId3">
+            <a:extLst>
+              <a:ext uri="{96DAC541-7B7A-43D3-8B79-37D633B846F1}">
+                <asvg:svgBlip xmlns="" xmlns:asvg="http://schemas.microsoft.com/office/drawing/2016/SVG/main" r:embed="rId4"/>
+              </a:ext>
+            </a:extLst>
+          </a:blip>
+          <a:stretch>
+            <a:fillRect/>
+          </a:stretch>
         </p:blipFill>
         <p:spPr>
           <a:xfrm>
-            <a:off x="2967601" y="410011"/>
-            <a:ext cx="5732515" cy="3870665"/>
+            <a:off x="1795629" y="4757503"/>
+            <a:ext cx="914400" cy="914400"/>
+          </a:xfrm>
+          <a:prstGeom prst="rect">
+            <a:avLst/>
+          </a:prstGeom>
+        </p:spPr>
+      </p:pic>
+      <p:pic>
+        <p:nvPicPr>
+          <p:cNvPr id="26" name="Рисунок 25" descr="Вопросы">
+            <a:extLst>
+              <a:ext uri="{FF2B5EF4-FFF2-40B4-BE49-F238E27FC236}">
+                <a16:creationId xmlns:a16="http://schemas.microsoft.com/office/drawing/2014/main" id="{73531944-368E-4C3B-954F-476A979D7224}"/>
+              </a:ext>
+            </a:extLst>
+          </p:cNvPr>
+          <p:cNvPicPr>
+            <a:picLocks noChangeAspect="1"/>
+          </p:cNvPicPr>
+          <p:nvPr/>
+        </p:nvPicPr>
+        <p:blipFill>
+          <a:blip r:embed="rId5">
+            <a:extLst>
+              <a:ext uri="{96DAC541-7B7A-43D3-8B79-37D633B846F1}">
+                <asvg:svgBlip xmlns="" xmlns:asvg="http://schemas.microsoft.com/office/drawing/2016/SVG/main" r:embed="rId6"/>
+              </a:ext>
+            </a:extLst>
+          </a:blip>
+          <a:stretch>
+            <a:fillRect/>
+          </a:stretch>
+        </p:blipFill>
+        <p:spPr>
+          <a:xfrm>
+            <a:off x="10466773" y="392533"/>
+            <a:ext cx="960202" cy="960202"/>
           </a:xfrm>
           <a:prstGeom prst="rect">
             <a:avLst/>
@@ -6150,29 +4967,27 @@
     </p:spTree>
     <p:extLst>
       <p:ext uri="{BB962C8B-B14F-4D97-AF65-F5344CB8AC3E}">
-        <p14:creationId xmlns:p14="http://schemas.microsoft.com/office/powerpoint/2010/main" val="3142795146"/>
+        <p14:creationId xmlns:p14="http://schemas.microsoft.com/office/powerpoint/2010/main" val="3522406349"/>
       </p:ext>
     </p:extLst>
   </p:cSld>
   <p:clrMapOvr>
     <a:masterClrMapping/>
   </p:clrMapOvr>
-  <mc:AlternateContent xmlns:mc="http://schemas.openxmlformats.org/markup-compatibility/2006" xmlns:p14="http://schemas.microsoft.com/office/powerpoint/2010/main">
-    <mc:Choice Requires="p14">
-      <p:transition p14:dur="100">
-        <p:cut/>
-      </p:transition>
-    </mc:Choice>
-    <mc:Fallback xmlns="">
-      <p:transition>
-        <p:cut/>
-      </p:transition>
-    </mc:Fallback>
-  </mc:AlternateContent>
+  <p:transition spd="slow">
+    <p:push dir="u"/>
+  </p:transition>
+  <p:timing>
+    <p:tnLst>
+      <p:par>
+        <p:cTn id="1" dur="indefinite" restart="never" nodeType="tmRoot"/>
+      </p:par>
+    </p:tnLst>
+  </p:timing>
 </p:sld>
 </file>
 
-<file path=ppt/slides/slide15.xml><?xml version="1.0" encoding="utf-8"?>
+<file path=ppt/slides/slide12.xml><?xml version="1.0" encoding="utf-8"?>
 <p:sld xmlns:a="http://schemas.openxmlformats.org/drawingml/2006/main" xmlns:r="http://schemas.openxmlformats.org/officeDocument/2006/relationships" xmlns:p="http://schemas.openxmlformats.org/presentationml/2006/main">
   <p:cSld>
     <p:bg>
@@ -6197,223 +5012,39 @@
           <a:chExt cx="0" cy="0"/>
         </a:xfrm>
       </p:grpSpPr>
-      <p:sp>
-        <p:nvSpPr>
-          <p:cNvPr id="2" name="Заголовок 1">
+      <p:sp useBgFill="1">
+        <p:nvSpPr>
+          <p:cNvPr id="8" name="Rectangle 7">
             <a:extLst>
               <a:ext uri="{FF2B5EF4-FFF2-40B4-BE49-F238E27FC236}">
-                <a16:creationId xmlns:a16="http://schemas.microsoft.com/office/drawing/2014/main" id="{CECE1ADE-8A3A-4746-807B-37F4EF200795}"/>
+                <a16:creationId xmlns:a16="http://schemas.microsoft.com/office/drawing/2014/main" id="{7C159B63-C56D-4E4E-8B07-40A1346DC926}"/>
+              </a:ext>
+              <a:ext uri="{C183D7F6-B498-43B3-948B-1728B52AA6E4}">
+                <adec:decorative xmlns="" xmlns:adec="http://schemas.microsoft.com/office/drawing/2017/decorative" val="1"/>
               </a:ext>
             </a:extLst>
           </p:cNvPr>
           <p:cNvSpPr>
-            <a:spLocks noGrp="1"/>
+            <a:spLocks noGrp="1" noRot="1" noChangeAspect="1" noMove="1" noResize="1" noEditPoints="1" noAdjustHandles="1" noChangeArrowheads="1" noChangeShapeType="1" noTextEdit="1"/>
           </p:cNvSpPr>
           <p:nvPr>
-            <p:ph type="title"/>
-          </p:nvPr>
-        </p:nvSpPr>
-        <p:spPr>
-          <a:xfrm>
-            <a:off x="1371599" y="330693"/>
-            <a:ext cx="3282695" cy="1485900"/>
-          </a:xfrm>
-        </p:spPr>
-        <p:txBody>
-          <a:bodyPr>
-            <a:normAutofit/>
-          </a:bodyPr>
-          <a:lstStyle/>
-          <a:p>
-            <a:r>
-              <a:rPr lang="ru-RU" sz="3400" dirty="0"/>
-              <a:t>Проверка корректности работы </a:t>
-            </a:r>
-          </a:p>
-        </p:txBody>
-      </p:sp>
-      <p:sp>
-        <p:nvSpPr>
-          <p:cNvPr id="3" name="Объект 2">
-            <a:extLst>
-              <a:ext uri="{FF2B5EF4-FFF2-40B4-BE49-F238E27FC236}">
-                <a16:creationId xmlns:a16="http://schemas.microsoft.com/office/drawing/2014/main" id="{2CDFDABD-2D7D-45EC-A06A-5705C7E01A58}"/>
-              </a:ext>
-            </a:extLst>
-          </p:cNvPr>
-          <p:cNvSpPr>
-            <a:spLocks noGrp="1"/>
-          </p:cNvSpPr>
-          <p:nvPr>
-            <p:ph idx="1"/>
-          </p:nvPr>
-        </p:nvSpPr>
-        <p:spPr>
-          <a:xfrm>
-            <a:off x="1371599" y="2286000"/>
-            <a:ext cx="4265721" cy="3963880"/>
-          </a:xfrm>
-        </p:spPr>
-        <p:txBody>
-          <a:bodyPr>
-            <a:normAutofit/>
-          </a:bodyPr>
-          <a:lstStyle/>
-          <a:p>
-            <a:pPr marL="0" indent="0">
-              <a:buNone/>
-            </a:pPr>
-            <a:r>
-              <a:rPr lang="ru-RU" dirty="0"/>
-              <a:t>Игра конечна, так как она заканчивается при касание с краем игрового поля</a:t>
-            </a:r>
-          </a:p>
-          <a:p>
-            <a:pPr marL="0" indent="0">
-              <a:buNone/>
-            </a:pPr>
-            <a:endParaRPr lang="ru-RU" dirty="0"/>
-          </a:p>
-          <a:p>
-            <a:pPr marL="0" indent="0">
-              <a:buNone/>
-            </a:pPr>
-            <a:r>
-              <a:rPr lang="ru-RU" dirty="0"/>
-              <a:t>Можно отслеживать свой счет </a:t>
-            </a:r>
-          </a:p>
-          <a:p>
-            <a:pPr marL="0" indent="0">
-              <a:buNone/>
-            </a:pPr>
-            <a:endParaRPr lang="ru-RU" dirty="0"/>
-          </a:p>
-          <a:p>
-            <a:pPr marL="0" indent="0">
-              <a:buNone/>
-            </a:pPr>
-            <a:r>
-              <a:rPr lang="ru-RU" dirty="0"/>
-              <a:t>Есть возможность начать заново</a:t>
-            </a:r>
-          </a:p>
-          <a:p>
-            <a:pPr marL="0" indent="0">
-              <a:buNone/>
-            </a:pPr>
-            <a:endParaRPr lang="ru-RU" dirty="0"/>
-          </a:p>
-          <a:p>
-            <a:pPr marL="0" indent="0">
-              <a:buNone/>
-            </a:pPr>
-            <a:r>
-              <a:rPr lang="ru-RU" dirty="0"/>
-              <a:t>Есть возможность хранения лучшего результата</a:t>
-            </a:r>
-          </a:p>
-        </p:txBody>
-      </p:sp>
-      <p:pic>
-        <p:nvPicPr>
-          <p:cNvPr id="5" name="Рисунок 4">
-            <a:extLst>
-              <a:ext uri="{FF2B5EF4-FFF2-40B4-BE49-F238E27FC236}">
-                <a16:creationId xmlns:a16="http://schemas.microsoft.com/office/drawing/2014/main" id="{E7879CC2-8F0B-40A6-9A4C-EDD2A10F9240}"/>
-              </a:ext>
-            </a:extLst>
-          </p:cNvPr>
-          <p:cNvPicPr>
-            <a:picLocks noChangeAspect="1"/>
-          </p:cNvPicPr>
-          <p:nvPr/>
-        </p:nvPicPr>
-        <p:blipFill rotWithShape="1">
-          <a:blip r:embed="rId2"/>
-          <a:srcRect l="2350" t="6112" r="35449" b="14456"/>
-          <a:stretch/>
-        </p:blipFill>
-        <p:spPr>
-          <a:xfrm>
-            <a:off x="6229165" y="2403629"/>
-            <a:ext cx="5190725" cy="3728622"/>
+            <p:extLst>
+              <p:ext uri="{386F3935-93C4-4BCD-93E2-E3B085C9AB24}">
+                <p16:designElem xmlns:p16="http://schemas.microsoft.com/office/powerpoint/2015/main" val="1"/>
+              </p:ext>
+            </p:extLst>
+          </p:nvPr>
+        </p:nvSpPr>
+        <p:spPr bwMode="grayWhite">
+          <a:xfrm>
+            <a:off x="0" y="0"/>
+            <a:ext cx="12192000" cy="6858000"/>
           </a:xfrm>
           <a:prstGeom prst="rect">
             <a:avLst/>
           </a:prstGeom>
-        </p:spPr>
-      </p:pic>
-      <p:cxnSp>
-        <p:nvCxnSpPr>
-          <p:cNvPr id="7" name="Прямая соединительная линия 6">
-            <a:extLst>
-              <a:ext uri="{FF2B5EF4-FFF2-40B4-BE49-F238E27FC236}">
-                <a16:creationId xmlns:a16="http://schemas.microsoft.com/office/drawing/2014/main" id="{FE2F2F3D-D8E3-4AFA-9AB9-728464C70BE9}"/>
-              </a:ext>
-            </a:extLst>
-          </p:cNvPr>
-          <p:cNvCxnSpPr/>
-          <p:nvPr/>
-        </p:nvCxnSpPr>
-        <p:spPr>
-          <a:xfrm>
-            <a:off x="6729274" y="408373"/>
-            <a:ext cx="0" cy="1136342"/>
-          </a:xfrm>
-          <a:prstGeom prst="line">
-            <a:avLst/>
-          </a:prstGeom>
           <a:ln>
-            <a:solidFill>
-              <a:schemeClr val="tx1"/>
-            </a:solidFill>
-          </a:ln>
-        </p:spPr>
-        <p:style>
-          <a:lnRef idx="1">
-            <a:schemeClr val="accent1"/>
-          </a:lnRef>
-          <a:fillRef idx="0">
-            <a:schemeClr val="accent1"/>
-          </a:fillRef>
-          <a:effectRef idx="0">
-            <a:schemeClr val="accent1"/>
-          </a:effectRef>
-          <a:fontRef idx="minor">
-            <a:schemeClr val="tx1"/>
-          </a:fontRef>
-        </p:style>
-      </p:cxnSp>
-      <p:sp>
-        <p:nvSpPr>
-          <p:cNvPr id="8" name="Овал 7">
-            <a:extLst>
-              <a:ext uri="{FF2B5EF4-FFF2-40B4-BE49-F238E27FC236}">
-                <a16:creationId xmlns:a16="http://schemas.microsoft.com/office/drawing/2014/main" id="{DEFF66E3-B2D9-489B-9EAB-244330B1F832}"/>
-              </a:ext>
-            </a:extLst>
-          </p:cNvPr>
-          <p:cNvSpPr/>
-          <p:nvPr/>
-        </p:nvSpPr>
-        <p:spPr>
-          <a:xfrm>
-            <a:off x="8469420" y="759041"/>
-            <a:ext cx="450364" cy="435006"/>
-          </a:xfrm>
-          <a:prstGeom prst="ellipse">
-            <a:avLst/>
-          </a:prstGeom>
-          <a:solidFill>
-            <a:srgbClr val="FF0000"/>
-          </a:solidFill>
-          <a:ln>
-            <a:solidFill>
-              <a:schemeClr val="accent6">
-                <a:lumMod val="75000"/>
-              </a:schemeClr>
-            </a:solidFill>
+            <a:noFill/>
           </a:ln>
         </p:spPr>
         <p:style>
@@ -6437,66 +5068,325 @@
           <a:lstStyle/>
           <a:p>
             <a:pPr algn="ctr"/>
-            <a:endParaRPr lang="ru-RU"/>
-          </a:p>
-        </p:txBody>
-      </p:sp>
-      <p:cxnSp>
-        <p:nvCxnSpPr>
-          <p:cNvPr id="10" name="Прямая со стрелкой 9">
+            <a:endParaRPr lang="en-US"/>
+          </a:p>
+        </p:txBody>
+      </p:sp>
+      <p:sp>
+        <p:nvSpPr>
+          <p:cNvPr id="2" name="Заголовок 1">
             <a:extLst>
               <a:ext uri="{FF2B5EF4-FFF2-40B4-BE49-F238E27FC236}">
-                <a16:creationId xmlns:a16="http://schemas.microsoft.com/office/drawing/2014/main" id="{87D2D15B-E61C-4F30-9EDB-FA33A4D63F76}"/>
+                <a16:creationId xmlns:a16="http://schemas.microsoft.com/office/drawing/2014/main" id="{565818D0-20A1-41A7-AB12-66BB87B28C93}"/>
               </a:ext>
             </a:extLst>
           </p:cNvPr>
-          <p:cNvCxnSpPr/>
-          <p:nvPr/>
-        </p:nvCxnSpPr>
-        <p:spPr>
-          <a:xfrm flipH="1">
-            <a:off x="7128769" y="976544"/>
-            <a:ext cx="1012054" cy="0"/>
-          </a:xfrm>
-          <a:prstGeom prst="straightConnector1">
+          <p:cNvSpPr>
+            <a:spLocks noGrp="1"/>
+          </p:cNvSpPr>
+          <p:nvPr>
+            <p:ph type="title"/>
+          </p:nvPr>
+        </p:nvSpPr>
+        <p:spPr>
+          <a:xfrm>
+            <a:off x="1020612" y="581621"/>
+            <a:ext cx="3523938" cy="6067754"/>
+          </a:xfrm>
+        </p:spPr>
+        <p:txBody>
+          <a:bodyPr>
+            <a:normAutofit/>
+          </a:bodyPr>
+          <a:lstStyle/>
+          <a:p>
+            <a:r>
+              <a:rPr lang="ru-RU" dirty="0"/>
+              <a:t>Постановка задачи </a:t>
+            </a:r>
+          </a:p>
+        </p:txBody>
+      </p:sp>
+      <p:sp>
+        <p:nvSpPr>
+          <p:cNvPr id="10" name="Rectangle 9">
+            <a:extLst>
+              <a:ext uri="{FF2B5EF4-FFF2-40B4-BE49-F238E27FC236}">
+                <a16:creationId xmlns:a16="http://schemas.microsoft.com/office/drawing/2014/main" id="{27DEF201-077E-444A-A3F0-66E14253572F}"/>
+              </a:ext>
+              <a:ext uri="{C183D7F6-B498-43B3-948B-1728B52AA6E4}">
+                <adec:decorative xmlns="" xmlns:adec="http://schemas.microsoft.com/office/drawing/2017/decorative" val="1"/>
+              </a:ext>
+            </a:extLst>
+          </p:cNvPr>
+          <p:cNvSpPr>
+            <a:spLocks noGrp="1" noRot="1" noChangeAspect="1" noMove="1" noResize="1" noEditPoints="1" noAdjustHandles="1" noChangeArrowheads="1" noChangeShapeType="1" noTextEdit="1"/>
+          </p:cNvSpPr>
+          <p:nvPr>
+            <p:extLst>
+              <p:ext uri="{386F3935-93C4-4BCD-93E2-E3B085C9AB24}">
+                <p16:designElem xmlns:p16="http://schemas.microsoft.com/office/powerpoint/2015/main" val="1"/>
+              </p:ext>
+            </p:extLst>
+          </p:nvPr>
+        </p:nvSpPr>
+        <p:spPr>
+          <a:xfrm>
+            <a:off x="478095" y="376"/>
+            <a:ext cx="228600" cy="6858000"/>
+          </a:xfrm>
+          <a:prstGeom prst="rect">
             <a:avLst/>
           </a:prstGeom>
+          <a:solidFill>
+            <a:schemeClr val="tx2"/>
+          </a:solidFill>
           <a:ln>
-            <a:solidFill>
-              <a:schemeClr val="tx1"/>
-            </a:solidFill>
-            <a:tailEnd type="triangle"/>
+            <a:noFill/>
           </a:ln>
         </p:spPr>
         <p:style>
-          <a:lnRef idx="1">
-            <a:schemeClr val="accent1"/>
+          <a:lnRef idx="2">
+            <a:schemeClr val="accent1">
+              <a:shade val="50000"/>
+            </a:schemeClr>
           </a:lnRef>
-          <a:fillRef idx="0">
+          <a:fillRef idx="1">
             <a:schemeClr val="accent1"/>
           </a:fillRef>
           <a:effectRef idx="0">
             <a:schemeClr val="accent1"/>
           </a:effectRef>
           <a:fontRef idx="minor">
-            <a:schemeClr val="tx1"/>
+            <a:schemeClr val="lt1"/>
           </a:fontRef>
         </p:style>
-      </p:cxnSp>
+      </p:sp>
+      <p:sp>
+        <p:nvSpPr>
+          <p:cNvPr id="3" name="Объект 2">
+            <a:extLst>
+              <a:ext uri="{FF2B5EF4-FFF2-40B4-BE49-F238E27FC236}">
+                <a16:creationId xmlns:a16="http://schemas.microsoft.com/office/drawing/2014/main" id="{2385F0C0-A2DC-43F7-9488-2E875EF09B02}"/>
+              </a:ext>
+            </a:extLst>
+          </p:cNvPr>
+          <p:cNvSpPr>
+            <a:spLocks noGrp="1"/>
+          </p:cNvSpPr>
+          <p:nvPr>
+            <p:ph idx="1"/>
+          </p:nvPr>
+        </p:nvSpPr>
+        <p:spPr>
+          <a:xfrm>
+            <a:off x="6520468" y="521762"/>
+            <a:ext cx="5193437" cy="3093736"/>
+          </a:xfrm>
+        </p:spPr>
+        <p:txBody>
+          <a:bodyPr>
+            <a:normAutofit/>
+          </a:bodyPr>
+          <a:lstStyle/>
+          <a:p>
+            <a:pPr marL="0" indent="0">
+              <a:buNone/>
+            </a:pPr>
+            <a:r>
+              <a:rPr lang="ru-RU" dirty="0"/>
+              <a:t>Управление производится с кнопок клавиатуры</a:t>
+            </a:r>
+          </a:p>
+          <a:p>
+            <a:pPr marL="0" indent="0">
+              <a:buNone/>
+            </a:pPr>
+            <a:r>
+              <a:rPr lang="ru-RU" dirty="0"/>
+              <a:t>Должна быть возможность видеть прогресс в ходе игры</a:t>
+            </a:r>
+          </a:p>
+          <a:p>
+            <a:pPr marL="0" indent="0">
+              <a:buNone/>
+            </a:pPr>
+            <a:r>
+              <a:rPr lang="ru-RU" dirty="0"/>
+              <a:t>Изменение цвета поля и игрового тела</a:t>
+            </a:r>
+          </a:p>
+          <a:p>
+            <a:pPr marL="0" indent="0">
+              <a:buNone/>
+            </a:pPr>
+            <a:r>
+              <a:rPr lang="ru-RU" dirty="0"/>
+              <a:t>Игра должна усложняться со временем </a:t>
+            </a:r>
+          </a:p>
+          <a:p>
+            <a:pPr marL="0" indent="0">
+              <a:buNone/>
+            </a:pPr>
+            <a:r>
+              <a:rPr lang="ru-RU" dirty="0"/>
+              <a:t>Пауза</a:t>
+            </a:r>
+          </a:p>
+        </p:txBody>
+      </p:sp>
+      <p:sp>
+        <p:nvSpPr>
+          <p:cNvPr id="4" name="Стрелка: вправо 3">
+            <a:extLst>
+              <a:ext uri="{FF2B5EF4-FFF2-40B4-BE49-F238E27FC236}">
+                <a16:creationId xmlns:a16="http://schemas.microsoft.com/office/drawing/2014/main" id="{E2357033-DD0C-4C67-9C02-BF9383ABE99E}"/>
+              </a:ext>
+            </a:extLst>
+          </p:cNvPr>
+          <p:cNvSpPr/>
+          <p:nvPr/>
+        </p:nvSpPr>
+        <p:spPr>
+          <a:xfrm rot="8737673" flipV="1">
+            <a:off x="5116969" y="3095422"/>
+            <a:ext cx="1038688" cy="248575"/>
+          </a:xfrm>
+          <a:prstGeom prst="rightArrow">
+            <a:avLst/>
+          </a:prstGeom>
+          <a:solidFill>
+            <a:schemeClr val="accent2">
+              <a:lumMod val="40000"/>
+              <a:lumOff val="60000"/>
+            </a:schemeClr>
+          </a:solidFill>
+        </p:spPr>
+        <p:style>
+          <a:lnRef idx="2">
+            <a:schemeClr val="accent1">
+              <a:shade val="50000"/>
+            </a:schemeClr>
+          </a:lnRef>
+          <a:fillRef idx="1">
+            <a:schemeClr val="accent1"/>
+          </a:fillRef>
+          <a:effectRef idx="0">
+            <a:schemeClr val="accent1"/>
+          </a:effectRef>
+          <a:fontRef idx="minor">
+            <a:schemeClr val="lt1"/>
+          </a:fontRef>
+        </p:style>
+        <p:txBody>
+          <a:bodyPr rtlCol="0" anchor="ctr"/>
+          <a:lstStyle/>
+          <a:p>
+            <a:pPr algn="ctr"/>
+            <a:endParaRPr lang="ru-RU"/>
+          </a:p>
+        </p:txBody>
+      </p:sp>
+      <p:sp>
+        <p:nvSpPr>
+          <p:cNvPr id="5" name="TextBox 4">
+            <a:extLst>
+              <a:ext uri="{FF2B5EF4-FFF2-40B4-BE49-F238E27FC236}">
+                <a16:creationId xmlns:a16="http://schemas.microsoft.com/office/drawing/2014/main" id="{E2291085-1EDC-4A37-9DED-1B4A928F483E}"/>
+              </a:ext>
+            </a:extLst>
+          </p:cNvPr>
+          <p:cNvSpPr txBox="1"/>
+          <p:nvPr/>
+        </p:nvSpPr>
+        <p:spPr>
+          <a:xfrm>
+            <a:off x="1731482" y="3754576"/>
+            <a:ext cx="4110361" cy="1754326"/>
+          </a:xfrm>
+          <a:prstGeom prst="rect">
+            <a:avLst/>
+          </a:prstGeom>
+          <a:noFill/>
+        </p:spPr>
+        <p:txBody>
+          <a:bodyPr wrap="square" rtlCol="0">
+            <a:spAutoFit/>
+          </a:bodyPr>
+          <a:lstStyle/>
+          <a:p>
+            <a:endParaRPr lang="ru-RU" dirty="0"/>
+          </a:p>
+          <a:p>
+            <a:r>
+              <a:rPr lang="ru-RU" dirty="0"/>
+              <a:t>Есть окно с количеством очков </a:t>
+            </a:r>
+          </a:p>
+          <a:p>
+            <a:endParaRPr lang="ru-RU" dirty="0"/>
+          </a:p>
+          <a:p>
+            <a:r>
+              <a:rPr lang="ru-RU" dirty="0"/>
+              <a:t>Ускорение при получение баллов</a:t>
+            </a:r>
+          </a:p>
+          <a:p>
+            <a:endParaRPr lang="ru-RU" dirty="0"/>
+          </a:p>
+          <a:p>
+            <a:r>
+              <a:rPr lang="ru-RU" dirty="0"/>
+              <a:t>Пауза </a:t>
+            </a:r>
+          </a:p>
+        </p:txBody>
+      </p:sp>
+      <p:pic>
+        <p:nvPicPr>
+          <p:cNvPr id="7" name="Рисунок 6">
+            <a:extLst>
+              <a:ext uri="{FF2B5EF4-FFF2-40B4-BE49-F238E27FC236}">
+                <a16:creationId xmlns:a16="http://schemas.microsoft.com/office/drawing/2014/main" id="{FA91F721-0259-4620-BBA1-451E3F275739}"/>
+              </a:ext>
+            </a:extLst>
+          </p:cNvPr>
+          <p:cNvPicPr>
+            <a:picLocks noChangeAspect="1"/>
+          </p:cNvPicPr>
+          <p:nvPr/>
+        </p:nvPicPr>
+        <p:blipFill rotWithShape="1">
+          <a:blip r:embed="rId2"/>
+          <a:srcRect l="38665" t="16570" r="39636" b="44880"/>
+          <a:stretch/>
+        </p:blipFill>
+        <p:spPr>
+          <a:xfrm>
+            <a:off x="7139136" y="3754576"/>
+            <a:ext cx="2645546" cy="2643806"/>
+          </a:xfrm>
+          <a:prstGeom prst="rect">
+            <a:avLst/>
+          </a:prstGeom>
+        </p:spPr>
+      </p:pic>
     </p:spTree>
     <p:extLst>
       <p:ext uri="{BB962C8B-B14F-4D97-AF65-F5344CB8AC3E}">
-        <p14:creationId xmlns:p14="http://schemas.microsoft.com/office/powerpoint/2010/main" val="489020691"/>
+        <p14:creationId xmlns:p14="http://schemas.microsoft.com/office/powerpoint/2010/main" val="3748787564"/>
       </p:ext>
     </p:extLst>
   </p:cSld>
   <p:clrMapOvr>
     <a:masterClrMapping/>
   </p:clrMapOvr>
-  <mc:AlternateContent xmlns:mc="http://schemas.openxmlformats.org/markup-compatibility/2006" xmlns:p14="http://schemas.microsoft.com/office/powerpoint/2010/main">
-    <mc:Choice Requires="p14">
-      <p:transition spd="slow" p14:dur="3400">
-        <p14:reveal/>
+  <mc:AlternateContent xmlns:mc="http://schemas.openxmlformats.org/markup-compatibility/2006" xmlns:p159="http://schemas.microsoft.com/office/powerpoint/2015/09/main">
+    <mc:Choice Requires="p159">
+      <p:transition xmlns:p14="http://schemas.microsoft.com/office/powerpoint/2010/main" spd="slow" p14:dur="2000">
+        <p159:morph option="byObject"/>
       </p:transition>
     </mc:Choice>
     <mc:Fallback xmlns="">
@@ -6505,10 +5395,17 @@
       </p:transition>
     </mc:Fallback>
   </mc:AlternateContent>
+  <p:timing>
+    <p:tnLst>
+      <p:par>
+        <p:cTn id="1" dur="indefinite" restart="never" nodeType="tmRoot"/>
+      </p:par>
+    </p:tnLst>
+  </p:timing>
 </p:sld>
 </file>
 
-<file path=ppt/slides/slide16.xml><?xml version="1.0" encoding="utf-8"?>
+<file path=ppt/slides/slide13.xml><?xml version="1.0" encoding="utf-8"?>
 <p:sld xmlns:a="http://schemas.openxmlformats.org/drawingml/2006/main" xmlns:r="http://schemas.openxmlformats.org/officeDocument/2006/relationships" xmlns:p="http://schemas.openxmlformats.org/presentationml/2006/main">
   <p:cSld>
     <p:bg>
@@ -6535,13 +5432,13 @@
       </p:grpSpPr>
       <p:grpSp>
         <p:nvGrpSpPr>
-          <p:cNvPr id="22" name="Group 21">
+          <p:cNvPr id="24" name="Group 23">
             <a:extLst>
               <a:ext uri="{FF2B5EF4-FFF2-40B4-BE49-F238E27FC236}">
                 <a16:creationId xmlns:a16="http://schemas.microsoft.com/office/drawing/2014/main" id="{449BC34D-9C23-4D6D-8213-1F471AF85B3F}"/>
               </a:ext>
               <a:ext uri="{C183D7F6-B498-43B3-948B-1728B52AA6E4}">
-                <adec:decorative xmlns:adec="http://schemas.microsoft.com/office/drawing/2017/decorative" val="1"/>
+                <adec:decorative xmlns="" xmlns:adec="http://schemas.microsoft.com/office/drawing/2017/decorative" val="1"/>
               </a:ext>
             </a:extLst>
           </p:cNvPr>
@@ -6566,13 +5463,13 @@
         </p:grpSpPr>
         <p:sp>
           <p:nvSpPr>
-            <p:cNvPr id="23" name="Freeform 6">
+            <p:cNvPr id="25" name="Freeform 6">
               <a:extLst>
                 <a:ext uri="{FF2B5EF4-FFF2-40B4-BE49-F238E27FC236}">
                   <a16:creationId xmlns:a16="http://schemas.microsoft.com/office/drawing/2014/main" id="{FA0F5D6C-5025-4D7E-82DD-C2C6FDA1E759}"/>
                 </a:ext>
                 <a:ext uri="{C183D7F6-B498-43B3-948B-1728B52AA6E4}">
-                  <adec:decorative xmlns:adec="http://schemas.microsoft.com/office/drawing/2017/decorative" val="1"/>
+                  <adec:decorative xmlns="" xmlns:adec="http://schemas.microsoft.com/office/drawing/2017/decorative" val="1"/>
                 </a:ext>
               </a:extLst>
             </p:cNvPr>
@@ -6637,13 +5534,13 @@
         </p:sp>
         <p:sp>
           <p:nvSpPr>
-            <p:cNvPr id="24" name="Freeform 6">
+            <p:cNvPr id="26" name="Freeform 6">
               <a:extLst>
                 <a:ext uri="{FF2B5EF4-FFF2-40B4-BE49-F238E27FC236}">
                   <a16:creationId xmlns:a16="http://schemas.microsoft.com/office/drawing/2014/main" id="{E2AF2C17-4AB4-4402-B84B-129EF95D161C}"/>
                 </a:ext>
                 <a:ext uri="{C183D7F6-B498-43B3-948B-1728B52AA6E4}">
-                  <adec:decorative xmlns:adec="http://schemas.microsoft.com/office/drawing/2017/decorative" val="1"/>
+                  <adec:decorative xmlns="" xmlns:adec="http://schemas.microsoft.com/office/drawing/2017/decorative" val="1"/>
                 </a:ext>
               </a:extLst>
             </p:cNvPr>
@@ -6711,13 +5608,13 @@
       </p:grpSp>
       <p:sp useBgFill="1">
         <p:nvSpPr>
-          <p:cNvPr id="26" name="Rectangle 25">
+          <p:cNvPr id="28" name="Rectangle 27">
             <a:extLst>
               <a:ext uri="{FF2B5EF4-FFF2-40B4-BE49-F238E27FC236}">
-                <a16:creationId xmlns:a16="http://schemas.microsoft.com/office/drawing/2014/main" id="{46433AC8-8A78-46AB-B013-07DC9D75258C}"/>
+                <a16:creationId xmlns:a16="http://schemas.microsoft.com/office/drawing/2014/main" id="{1F9A0C1C-8ABC-401B-8FE9-AC9327C4C587}"/>
               </a:ext>
               <a:ext uri="{C183D7F6-B498-43B3-948B-1728B52AA6E4}">
-                <adec:decorative xmlns:adec="http://schemas.microsoft.com/office/drawing/2017/decorative" val="1"/>
+                <adec:decorative xmlns="" xmlns:adec="http://schemas.microsoft.com/office/drawing/2017/decorative" val="1"/>
               </a:ext>
             </a:extLst>
           </p:cNvPr>
@@ -6774,7 +5671,7 @@
           <p:cNvPr id="2" name="Заголовок 1">
             <a:extLst>
               <a:ext uri="{FF2B5EF4-FFF2-40B4-BE49-F238E27FC236}">
-                <a16:creationId xmlns:a16="http://schemas.microsoft.com/office/drawing/2014/main" id="{5CD66DEB-6B6C-4EC1-BC00-F7C012BD2F51}"/>
+                <a16:creationId xmlns:a16="http://schemas.microsoft.com/office/drawing/2014/main" id="{236A3AAB-297B-4486-8C4D-4D4CE03AE021}"/>
               </a:ext>
             </a:extLst>
           </p:cNvPr>
@@ -6787,8 +5684,8 @@
         </p:nvSpPr>
         <p:spPr>
           <a:xfrm>
-            <a:off x="5307291" y="634028"/>
-            <a:ext cx="6221689" cy="3732835"/>
+            <a:off x="8154186" y="634028"/>
+            <a:ext cx="3355942" cy="3732835"/>
           </a:xfrm>
         </p:spPr>
         <p:txBody>
@@ -6799,94 +5696,85 @@
           <a:p>
             <a:pPr algn="ctr"/>
             <a:r>
-              <a:rPr lang="en-US" sz="7200" cap="all"/>
-              <a:t>Спасибо за внимание</a:t>
-            </a:r>
-          </a:p>
-        </p:txBody>
-      </p:sp>
-      <p:sp>
-        <p:nvSpPr>
-          <p:cNvPr id="28" name="Freeform 6">
+              <a:rPr lang="en-US" sz="5100" cap="all"/>
+              <a:t>Структура данных</a:t>
+            </a:r>
+          </a:p>
+        </p:txBody>
+      </p:sp>
+      <p:sp>
+        <p:nvSpPr>
+          <p:cNvPr id="8" name="Объект 7">
             <a:extLst>
               <a:ext uri="{FF2B5EF4-FFF2-40B4-BE49-F238E27FC236}">
-                <a16:creationId xmlns:a16="http://schemas.microsoft.com/office/drawing/2014/main" id="{37E10E69-B2A5-4F8D-A7C0-F958BB7B47C1}"/>
-              </a:ext>
-              <a:ext uri="{C183D7F6-B498-43B3-948B-1728B52AA6E4}">
-                <adec:decorative xmlns:adec="http://schemas.microsoft.com/office/drawing/2017/decorative" val="1"/>
+                <a16:creationId xmlns:a16="http://schemas.microsoft.com/office/drawing/2014/main" id="{8CA48F82-CF05-48BE-860E-91DA38F2CB93}"/>
               </a:ext>
             </a:extLst>
           </p:cNvPr>
           <p:cNvSpPr>
-            <a:spLocks noGrp="1" noRot="1" noChangeAspect="1" noMove="1" noResize="1" noEditPoints="1" noAdjustHandles="1" noChangeArrowheads="1" noChangeShapeType="1" noTextEdit="1"/>
+            <a:spLocks noGrp="1"/>
           </p:cNvSpPr>
           <p:nvPr>
-            <p:extLst>
-              <p:ext uri="{386F3935-93C4-4BCD-93E2-E3B085C9AB24}">
-                <p16:designElem xmlns:p16="http://schemas.microsoft.com/office/powerpoint/2015/main" val="1"/>
-              </p:ext>
-            </p:extLst>
-          </p:nvPr>
-        </p:nvSpPr>
-        <p:spPr bwMode="auto">
-          <a:xfrm>
-            <a:off x="1542142" y="2016617"/>
-            <a:ext cx="3275013" cy="4408488"/>
-          </a:xfrm>
-          <a:custGeom>
-            <a:avLst/>
-            <a:gdLst/>
-            <a:ahLst/>
-            <a:cxnLst/>
-            <a:rect l="l" t="t" r="r" b="b"/>
-            <a:pathLst>
-              <a:path w="10000" h="10000">
-                <a:moveTo>
-                  <a:pt x="8761" y="0"/>
-                </a:moveTo>
-                <a:lnTo>
-                  <a:pt x="10000" y="0"/>
-                </a:lnTo>
-                <a:lnTo>
-                  <a:pt x="10000" y="10000"/>
-                </a:lnTo>
-                <a:lnTo>
-                  <a:pt x="0" y="10000"/>
-                </a:lnTo>
-                <a:lnTo>
-                  <a:pt x="0" y="9126"/>
-                </a:lnTo>
-                <a:lnTo>
-                  <a:pt x="8761" y="9127"/>
-                </a:lnTo>
-                <a:lnTo>
-                  <a:pt x="8761" y="0"/>
-                </a:lnTo>
-                <a:close/>
-              </a:path>
-            </a:pathLst>
-          </a:custGeom>
-          <a:solidFill>
-            <a:schemeClr val="tx2"/>
-          </a:solidFill>
-          <a:ln w="0">
-            <a:noFill/>
-            <a:prstDash val="solid"/>
-            <a:round/>
-            <a:headEnd/>
-            <a:tailEnd/>
-          </a:ln>
-        </p:spPr>
+            <p:ph idx="1"/>
+          </p:nvPr>
+        </p:nvSpPr>
+        <p:spPr>
+          <a:xfrm>
+            <a:off x="8154186" y="4436462"/>
+            <a:ext cx="3355942" cy="1794656"/>
+          </a:xfrm>
+        </p:spPr>
+        <p:txBody>
+          <a:bodyPr vert="horz" lIns="91440" tIns="45720" rIns="91440" bIns="45720" rtlCol="0">
+            <a:normAutofit/>
+          </a:bodyPr>
+          <a:lstStyle/>
+          <a:p>
+            <a:pPr marL="0" indent="0" algn="ctr">
+              <a:lnSpc>
+                <a:spcPct val="112000"/>
+              </a:lnSpc>
+              <a:spcBef>
+                <a:spcPts val="0"/>
+              </a:spcBef>
+              <a:spcAft>
+                <a:spcPts val="600"/>
+              </a:spcAft>
+              <a:buNone/>
+            </a:pPr>
+            <a:r>
+              <a:rPr lang="en-US" sz="2300" dirty="0" err="1"/>
+              <a:t>Решение</a:t>
+            </a:r>
+            <a:r>
+              <a:rPr lang="en-US" sz="2300" dirty="0"/>
+              <a:t> </a:t>
+            </a:r>
+            <a:r>
+              <a:rPr lang="ru-RU" sz="2300" dirty="0"/>
+              <a:t>второй</a:t>
+            </a:r>
+            <a:r>
+              <a:rPr lang="en-US" sz="2300" dirty="0"/>
+              <a:t> </a:t>
+            </a:r>
+            <a:r>
+              <a:rPr lang="en-US" sz="2300" dirty="0" err="1"/>
+              <a:t>задачи</a:t>
+            </a:r>
+            <a:endParaRPr lang="en-US" sz="2300" dirty="0"/>
+          </a:p>
+        </p:txBody>
       </p:sp>
       <p:sp>
         <p:nvSpPr>
           <p:cNvPr id="30" name="Freeform 6">
             <a:extLst>
               <a:ext uri="{FF2B5EF4-FFF2-40B4-BE49-F238E27FC236}">
-                <a16:creationId xmlns:a16="http://schemas.microsoft.com/office/drawing/2014/main" id="{2E4B17F2-7877-4CC5-B6F6-F4147FE7B290}"/>
+                <a16:creationId xmlns:a16="http://schemas.microsoft.com/office/drawing/2014/main" id="{BA5783C3-2F96-40A7-A24F-30CB07AA3928}"/>
               </a:ext>
               <a:ext uri="{C183D7F6-B498-43B3-948B-1728B52AA6E4}">
-                <adec:decorative xmlns:adec="http://schemas.microsoft.com/office/drawing/2017/decorative" val="1"/>
+                <adec:decorative xmlns="" xmlns:adec="http://schemas.microsoft.com/office/drawing/2017/decorative" val="1"/>
               </a:ext>
             </a:extLst>
           </p:cNvPr>
@@ -6953,12 +5841,85 @@
           </a:ln>
         </p:spPr>
       </p:sp>
+      <p:sp>
+        <p:nvSpPr>
+          <p:cNvPr id="32" name="Freeform 6">
+            <a:extLst>
+              <a:ext uri="{FF2B5EF4-FFF2-40B4-BE49-F238E27FC236}">
+                <a16:creationId xmlns:a16="http://schemas.microsoft.com/office/drawing/2014/main" id="{A9D08DBA-0326-4C4E-ACFB-576F3ABDD2D0}"/>
+              </a:ext>
+              <a:ext uri="{C183D7F6-B498-43B3-948B-1728B52AA6E4}">
+                <adec:decorative xmlns="" xmlns:adec="http://schemas.microsoft.com/office/drawing/2017/decorative" val="1"/>
+              </a:ext>
+            </a:extLst>
+          </p:cNvPr>
+          <p:cNvSpPr>
+            <a:spLocks noGrp="1" noRot="1" noChangeAspect="1" noMove="1" noResize="1" noEditPoints="1" noAdjustHandles="1" noChangeArrowheads="1" noChangeShapeType="1" noTextEdit="1"/>
+          </p:cNvSpPr>
+          <p:nvPr>
+            <p:extLst>
+              <p:ext uri="{386F3935-93C4-4BCD-93E2-E3B085C9AB24}">
+                <p16:designElem xmlns:p16="http://schemas.microsoft.com/office/powerpoint/2015/main" val="1"/>
+              </p:ext>
+            </p:extLst>
+          </p:nvPr>
+        </p:nvSpPr>
+        <p:spPr bwMode="auto">
+          <a:xfrm>
+            <a:off x="4494670" y="2016617"/>
+            <a:ext cx="3275013" cy="4408488"/>
+          </a:xfrm>
+          <a:custGeom>
+            <a:avLst/>
+            <a:gdLst/>
+            <a:ahLst/>
+            <a:cxnLst/>
+            <a:rect l="l" t="t" r="r" b="b"/>
+            <a:pathLst>
+              <a:path w="10000" h="10000">
+                <a:moveTo>
+                  <a:pt x="8761" y="0"/>
+                </a:moveTo>
+                <a:lnTo>
+                  <a:pt x="10000" y="0"/>
+                </a:lnTo>
+                <a:lnTo>
+                  <a:pt x="10000" y="10000"/>
+                </a:lnTo>
+                <a:lnTo>
+                  <a:pt x="0" y="10000"/>
+                </a:lnTo>
+                <a:lnTo>
+                  <a:pt x="0" y="9126"/>
+                </a:lnTo>
+                <a:lnTo>
+                  <a:pt x="8761" y="9127"/>
+                </a:lnTo>
+                <a:lnTo>
+                  <a:pt x="8761" y="0"/>
+                </a:lnTo>
+                <a:close/>
+              </a:path>
+            </a:pathLst>
+          </a:custGeom>
+          <a:solidFill>
+            <a:schemeClr val="tx2"/>
+          </a:solidFill>
+          <a:ln w="0">
+            <a:noFill/>
+            <a:prstDash val="solid"/>
+            <a:round/>
+            <a:headEnd/>
+            <a:tailEnd/>
+          </a:ln>
+        </p:spPr>
+      </p:sp>
       <p:pic>
         <p:nvPicPr>
-          <p:cNvPr id="4" name="Рисунок 3" descr="Змея">
+          <p:cNvPr id="3" name="Рисунок 2">
             <a:extLst>
               <a:ext uri="{FF2B5EF4-FFF2-40B4-BE49-F238E27FC236}">
-                <a16:creationId xmlns:a16="http://schemas.microsoft.com/office/drawing/2014/main" id="{1856ED2E-F328-4DCF-8CAC-9EA0656A58BD}"/>
+                <a16:creationId xmlns:a16="http://schemas.microsoft.com/office/drawing/2014/main" id="{5DAB15F9-05F0-4328-A954-E7E5ED6A4F93}"/>
               </a:ext>
             </a:extLst>
           </p:cNvPr>
@@ -6967,97 +5928,45 @@
           </p:cNvPicPr>
           <p:nvPr/>
         </p:nvPicPr>
-        <p:blipFill>
-          <a:blip r:embed="rId2">
-            <a:extLst>
-              <a:ext uri="{96DAC541-7B7A-43D3-8B79-37D633B846F1}">
-                <asvg:svgBlip xmlns:asvg="http://schemas.microsoft.com/office/drawing/2016/SVG/main" r:embed="rId3"/>
-              </a:ext>
-            </a:extLst>
-          </a:blip>
-          <a:stretch>
-            <a:fillRect/>
-          </a:stretch>
+        <p:blipFill rotWithShape="1">
+          <a:blip r:embed="rId2"/>
+          <a:srcRect l="13822" t="37001" r="70101" b="35589"/>
+          <a:stretch/>
         </p:blipFill>
         <p:spPr>
           <a:xfrm>
-            <a:off x="1371403" y="2169078"/>
-            <a:ext cx="2719859" cy="2719859"/>
+            <a:off x="1991722" y="1583722"/>
+            <a:ext cx="4073607" cy="3906940"/>
           </a:xfrm>
           <a:prstGeom prst="rect">
             <a:avLst/>
           </a:prstGeom>
         </p:spPr>
       </p:pic>
-      <p:sp>
-        <p:nvSpPr>
-          <p:cNvPr id="3" name="TextBox 2">
-            <a:extLst>
-              <a:ext uri="{FF2B5EF4-FFF2-40B4-BE49-F238E27FC236}">
-                <a16:creationId xmlns:a16="http://schemas.microsoft.com/office/drawing/2014/main" id="{D68DFCC1-218B-4DFF-ACEC-A7D7D9F8BD89}"/>
-              </a:ext>
-            </a:extLst>
-          </p:cNvPr>
-          <p:cNvSpPr txBox="1"/>
-          <p:nvPr/>
-        </p:nvSpPr>
-        <p:spPr>
-          <a:xfrm>
-            <a:off x="8753382" y="6223972"/>
-            <a:ext cx="3355759" cy="369332"/>
-          </a:xfrm>
-          <a:prstGeom prst="rect">
-            <a:avLst/>
-          </a:prstGeom>
-          <a:noFill/>
-        </p:spPr>
-        <p:txBody>
-          <a:bodyPr wrap="square" rtlCol="0">
-            <a:spAutoFit/>
-          </a:bodyPr>
-          <a:lstStyle/>
-          <a:p>
-            <a:r>
-              <a:rPr lang="ru-RU" dirty="0"/>
-              <a:t>Докладчик</a:t>
-            </a:r>
-            <a:r>
-              <a:rPr lang="en-US" dirty="0"/>
-              <a:t>: </a:t>
-            </a:r>
-            <a:r>
-              <a:rPr lang="ru-RU" dirty="0"/>
-              <a:t>Власова Алла 10-3</a:t>
-            </a:r>
-          </a:p>
-        </p:txBody>
-      </p:sp>
     </p:spTree>
     <p:extLst>
       <p:ext uri="{BB962C8B-B14F-4D97-AF65-F5344CB8AC3E}">
-        <p14:creationId xmlns:p14="http://schemas.microsoft.com/office/powerpoint/2010/main" val="1767930825"/>
+        <p14:creationId xmlns:p14="http://schemas.microsoft.com/office/powerpoint/2010/main" val="1682699775"/>
       </p:ext>
     </p:extLst>
   </p:cSld>
   <p:clrMapOvr>
     <a:masterClrMapping/>
   </p:clrMapOvr>
-  <mc:AlternateContent xmlns:mc="http://schemas.openxmlformats.org/markup-compatibility/2006" xmlns:p159="http://schemas.microsoft.com/office/powerpoint/2015/09/main">
-    <mc:Choice Requires="p159">
-      <p:transition xmlns:p14="http://schemas.microsoft.com/office/powerpoint/2010/main" spd="slow" p14:dur="2000">
-        <p159:morph option="byObject"/>
-      </p:transition>
-    </mc:Choice>
-    <mc:Fallback xmlns="">
-      <p:transition spd="slow">
-        <p:fade/>
-      </p:transition>
-    </mc:Fallback>
-  </mc:AlternateContent>
+  <p:transition spd="slow">
+    <p:randomBar dir="vert"/>
+  </p:transition>
+  <p:timing>
+    <p:tnLst>
+      <p:par>
+        <p:cTn id="1" dur="indefinite" restart="never" nodeType="tmRoot"/>
+      </p:par>
+    </p:tnLst>
+  </p:timing>
 </p:sld>
 </file>
 
-<file path=ppt/slides/slide2.xml><?xml version="1.0" encoding="utf-8"?>
+<file path=ppt/slides/slide14.xml><?xml version="1.0" encoding="utf-8"?>
 <p:sld xmlns:a="http://schemas.openxmlformats.org/drawingml/2006/main" xmlns:r="http://schemas.openxmlformats.org/officeDocument/2006/relationships" xmlns:p="http://schemas.openxmlformats.org/presentationml/2006/main">
   <p:cSld>
     <p:bg>
@@ -7082,21 +5991,21 @@
           <a:chExt cx="0" cy="0"/>
         </a:xfrm>
       </p:grpSpPr>
-      <p:grpSp>
-        <p:nvGrpSpPr>
-          <p:cNvPr id="12" name="Group 11">
+      <p:sp useBgFill="1">
+        <p:nvSpPr>
+          <p:cNvPr id="19" name="Rectangle 18">
             <a:extLst>
               <a:ext uri="{FF2B5EF4-FFF2-40B4-BE49-F238E27FC236}">
-                <a16:creationId xmlns:a16="http://schemas.microsoft.com/office/drawing/2014/main" id="{57500303-A207-4812-BEB9-51E132FEB73F}"/>
+                <a16:creationId xmlns:a16="http://schemas.microsoft.com/office/drawing/2014/main" id="{48C110B4-D26A-44C6-8576-236CA24E98C1}"/>
               </a:ext>
               <a:ext uri="{C183D7F6-B498-43B3-948B-1728B52AA6E4}">
-                <adec:decorative xmlns:adec="http://schemas.microsoft.com/office/drawing/2017/decorative" val="1"/>
+                <adec:decorative xmlns="" xmlns:adec="http://schemas.microsoft.com/office/drawing/2017/decorative" val="1"/>
               </a:ext>
             </a:extLst>
           </p:cNvPr>
-          <p:cNvGrpSpPr>
-            <a:grpSpLocks noGrp="1" noUngrp="1" noRot="1" noChangeAspect="1" noMove="1" noResize="1"/>
-          </p:cNvGrpSpPr>
+          <p:cNvSpPr>
+            <a:spLocks noGrp="1" noRot="1" noChangeAspect="1" noMove="1" noResize="1" noEditPoints="1" noAdjustHandles="1" noChangeArrowheads="1" noChangeShapeType="1" noTextEdit="1"/>
+          </p:cNvSpPr>
           <p:nvPr>
             <p:extLst>
               <p:ext uri="{386F3935-93C4-4BCD-93E2-E3B085C9AB24}">
@@ -7104,187 +6013,11 @@
               </p:ext>
             </p:extLst>
           </p:nvPr>
-        </p:nvGrpSpPr>
-        <p:grpSpPr>
-          <a:xfrm>
-            <a:off x="752858" y="744469"/>
-            <a:ext cx="10674117" cy="5349671"/>
-            <a:chOff x="752858" y="744469"/>
-            <a:chExt cx="10674117" cy="5349671"/>
-          </a:xfrm>
-        </p:grpSpPr>
-        <p:sp>
-          <p:nvSpPr>
-            <p:cNvPr id="13" name="Freeform 6">
-              <a:extLst>
-                <a:ext uri="{FF2B5EF4-FFF2-40B4-BE49-F238E27FC236}">
-                  <a16:creationId xmlns:a16="http://schemas.microsoft.com/office/drawing/2014/main" id="{10118C91-C025-4776-BE95-E9926378E790}"/>
-                </a:ext>
-                <a:ext uri="{C183D7F6-B498-43B3-948B-1728B52AA6E4}">
-                  <adec:decorative xmlns:adec="http://schemas.microsoft.com/office/drawing/2017/decorative" val="1"/>
-                </a:ext>
-              </a:extLst>
-            </p:cNvPr>
-            <p:cNvSpPr/>
-            <p:nvPr>
-              <p:extLst>
-                <p:ext uri="{386F3935-93C4-4BCD-93E2-E3B085C9AB24}">
-                  <p16:designElem xmlns:p16="http://schemas.microsoft.com/office/powerpoint/2015/main" val="1"/>
-                </p:ext>
-              </p:extLst>
-            </p:nvPr>
-          </p:nvSpPr>
-          <p:spPr bwMode="auto">
-            <a:xfrm>
-              <a:off x="8151962" y="1685652"/>
-              <a:ext cx="3275013" cy="4408488"/>
-            </a:xfrm>
-            <a:custGeom>
-              <a:avLst/>
-              <a:gdLst/>
-              <a:ahLst/>
-              <a:cxnLst/>
-              <a:rect l="l" t="t" r="r" b="b"/>
-              <a:pathLst>
-                <a:path w="10000" h="10000">
-                  <a:moveTo>
-                    <a:pt x="8761" y="0"/>
-                  </a:moveTo>
-                  <a:lnTo>
-                    <a:pt x="10000" y="0"/>
-                  </a:lnTo>
-                  <a:lnTo>
-                    <a:pt x="10000" y="10000"/>
-                  </a:lnTo>
-                  <a:lnTo>
-                    <a:pt x="0" y="10000"/>
-                  </a:lnTo>
-                  <a:lnTo>
-                    <a:pt x="0" y="9126"/>
-                  </a:lnTo>
-                  <a:lnTo>
-                    <a:pt x="8761" y="9127"/>
-                  </a:lnTo>
-                  <a:lnTo>
-                    <a:pt x="8761" y="0"/>
-                  </a:lnTo>
-                  <a:close/>
-                </a:path>
-              </a:pathLst>
-            </a:custGeom>
-            <a:solidFill>
-              <a:schemeClr val="tx2"/>
-            </a:solidFill>
-            <a:ln w="0">
-              <a:noFill/>
-              <a:prstDash val="solid"/>
-              <a:round/>
-              <a:headEnd/>
-              <a:tailEnd/>
-            </a:ln>
-          </p:spPr>
-        </p:sp>
-        <p:sp>
-          <p:nvSpPr>
-            <p:cNvPr id="14" name="Freeform 6">
-              <a:extLst>
-                <a:ext uri="{FF2B5EF4-FFF2-40B4-BE49-F238E27FC236}">
-                  <a16:creationId xmlns:a16="http://schemas.microsoft.com/office/drawing/2014/main" id="{339174D0-30E8-4BBF-BF81-5DDAC33C0C0E}"/>
-                </a:ext>
-                <a:ext uri="{C183D7F6-B498-43B3-948B-1728B52AA6E4}">
-                  <adec:decorative xmlns:adec="http://schemas.microsoft.com/office/drawing/2017/decorative" val="1"/>
-                </a:ext>
-              </a:extLst>
-            </p:cNvPr>
-            <p:cNvSpPr/>
-            <p:nvPr>
-              <p:extLst>
-                <p:ext uri="{386F3935-93C4-4BCD-93E2-E3B085C9AB24}">
-                  <p16:designElem xmlns:p16="http://schemas.microsoft.com/office/powerpoint/2015/main" val="1"/>
-                </p:ext>
-              </p:extLst>
-            </p:nvPr>
-          </p:nvSpPr>
-          <p:spPr bwMode="auto">
-            <a:xfrm flipH="1" flipV="1">
-              <a:off x="752858" y="744469"/>
-              <a:ext cx="3275668" cy="4408488"/>
-            </a:xfrm>
-            <a:custGeom>
-              <a:avLst/>
-              <a:gdLst/>
-              <a:ahLst/>
-              <a:cxnLst/>
-              <a:rect l="l" t="t" r="r" b="b"/>
-              <a:pathLst>
-                <a:path w="10002" h="10000">
-                  <a:moveTo>
-                    <a:pt x="8763" y="0"/>
-                  </a:moveTo>
-                  <a:lnTo>
-                    <a:pt x="10002" y="0"/>
-                  </a:lnTo>
-                  <a:lnTo>
-                    <a:pt x="10002" y="10000"/>
-                  </a:lnTo>
-                  <a:lnTo>
-                    <a:pt x="2" y="10000"/>
-                  </a:lnTo>
-                  <a:cubicBezTo>
-                    <a:pt x="-2" y="9698"/>
-                    <a:pt x="4" y="9427"/>
-                    <a:pt x="0" y="9125"/>
-                  </a:cubicBezTo>
-                  <a:lnTo>
-                    <a:pt x="8763" y="9128"/>
-                  </a:lnTo>
-                  <a:lnTo>
-                    <a:pt x="8763" y="0"/>
-                  </a:lnTo>
-                  <a:close/>
-                </a:path>
-              </a:pathLst>
-            </a:custGeom>
-            <a:solidFill>
-              <a:schemeClr val="tx2"/>
-            </a:solidFill>
-            <a:ln w="0">
-              <a:noFill/>
-              <a:prstDash val="solid"/>
-              <a:round/>
-              <a:headEnd/>
-              <a:tailEnd/>
-            </a:ln>
-          </p:spPr>
-        </p:sp>
-      </p:grpSp>
-      <p:sp useBgFill="1">
-        <p:nvSpPr>
-          <p:cNvPr id="16" name="Rectangle 15">
-            <a:extLst>
-              <a:ext uri="{FF2B5EF4-FFF2-40B4-BE49-F238E27FC236}">
-                <a16:creationId xmlns:a16="http://schemas.microsoft.com/office/drawing/2014/main" id="{7BB74091-09FE-44AF-8325-7FE6E175F727}"/>
-              </a:ext>
-              <a:ext uri="{C183D7F6-B498-43B3-948B-1728B52AA6E4}">
-                <adec:decorative xmlns:adec="http://schemas.microsoft.com/office/drawing/2017/decorative" val="1"/>
-              </a:ext>
-            </a:extLst>
-          </p:cNvPr>
-          <p:cNvSpPr>
-            <a:spLocks noGrp="1" noRot="1" noChangeAspect="1" noMove="1" noResize="1" noEditPoints="1" noAdjustHandles="1" noChangeArrowheads="1" noChangeShapeType="1" noTextEdit="1"/>
-          </p:cNvSpPr>
-          <p:nvPr>
-            <p:extLst>
-              <p:ext uri="{386F3935-93C4-4BCD-93E2-E3B085C9AB24}">
-                <p16:designElem xmlns:p16="http://schemas.microsoft.com/office/powerpoint/2015/main" val="1"/>
-              </p:ext>
-            </p:extLst>
-          </p:nvPr>
         </p:nvSpPr>
         <p:spPr>
           <a:xfrm>
             <a:off x="0" y="0"/>
-            <a:ext cx="12192000" cy="6858000"/>
+            <a:ext cx="12188952" cy="6858000"/>
           </a:xfrm>
           <a:prstGeom prst="rect">
             <a:avLst/>
@@ -7323,7 +6056,7 @@
           <p:cNvPr id="2" name="Заголовок 1">
             <a:extLst>
               <a:ext uri="{FF2B5EF4-FFF2-40B4-BE49-F238E27FC236}">
-                <a16:creationId xmlns:a16="http://schemas.microsoft.com/office/drawing/2014/main" id="{7D6E2838-ECAC-442F-A8A0-21FC54483705}"/>
+                <a16:creationId xmlns:a16="http://schemas.microsoft.com/office/drawing/2014/main" id="{565818D0-20A1-41A7-AB12-66BB87B28C93}"/>
               </a:ext>
             </a:extLst>
           </p:cNvPr>
@@ -7336,104 +6069,32 @@
         </p:nvSpPr>
         <p:spPr>
           <a:xfrm>
-            <a:off x="752858" y="4736961"/>
-            <a:ext cx="10720685" cy="953625"/>
-          </a:xfrm>
-        </p:spPr>
-        <p:txBody>
-          <a:bodyPr vert="horz" lIns="91440" tIns="45720" rIns="91440" bIns="45720" rtlCol="0" anchor="b">
+            <a:off x="1021750" y="4531058"/>
+            <a:ext cx="4913384" cy="1683474"/>
+          </a:xfrm>
+        </p:spPr>
+        <p:txBody>
+          <a:bodyPr>
             <a:normAutofit/>
           </a:bodyPr>
           <a:lstStyle/>
           <a:p>
-            <a:pPr algn="ctr"/>
-            <a:r>
-              <a:rPr lang="en-US" sz="4800" cap="all" dirty="0" err="1"/>
-              <a:t>Постановка</a:t>
-            </a:r>
-            <a:r>
-              <a:rPr lang="en-US" sz="4800" cap="all" dirty="0"/>
-              <a:t> </a:t>
-            </a:r>
-            <a:r>
-              <a:rPr lang="en-US" sz="4800" cap="all" dirty="0" err="1"/>
-              <a:t>задачи</a:t>
-            </a:r>
-            <a:endParaRPr lang="en-US" sz="4800" cap="all" dirty="0"/>
-          </a:p>
-        </p:txBody>
-      </p:sp>
-      <p:pic>
-        <p:nvPicPr>
-          <p:cNvPr id="7" name="Рисунок 6">
+            <a:r>
+              <a:rPr lang="ru-RU" dirty="0"/>
+              <a:t>Способы решения</a:t>
+            </a:r>
+          </a:p>
+        </p:txBody>
+      </p:sp>
+      <p:sp>
+        <p:nvSpPr>
+          <p:cNvPr id="21" name="Freeform: Shape 20">
             <a:extLst>
               <a:ext uri="{FF2B5EF4-FFF2-40B4-BE49-F238E27FC236}">
-                <a16:creationId xmlns:a16="http://schemas.microsoft.com/office/drawing/2014/main" id="{7DF9BEA0-DA9C-422D-93A5-7EC730E3796C}"/>
-              </a:ext>
-            </a:extLst>
-          </p:cNvPr>
-          <p:cNvPicPr>
-            <a:picLocks noChangeAspect="1"/>
-          </p:cNvPicPr>
-          <p:nvPr/>
-        </p:nvPicPr>
-        <p:blipFill>
-          <a:blip r:embed="rId2"/>
-          <a:stretch>
-            <a:fillRect/>
-          </a:stretch>
-        </p:blipFill>
-        <p:spPr>
-          <a:xfrm>
-            <a:off x="1028150" y="643467"/>
-            <a:ext cx="4361430" cy="3543662"/>
-          </a:xfrm>
-          <a:prstGeom prst="rect">
-            <a:avLst/>
-          </a:prstGeom>
-        </p:spPr>
-      </p:pic>
-      <p:pic>
-        <p:nvPicPr>
-          <p:cNvPr id="5" name="Объект 4">
-            <a:extLst>
-              <a:ext uri="{FF2B5EF4-FFF2-40B4-BE49-F238E27FC236}">
-                <a16:creationId xmlns:a16="http://schemas.microsoft.com/office/drawing/2014/main" id="{C6573ECD-8528-4C51-935A-9009C1686EC2}"/>
-              </a:ext>
-            </a:extLst>
-          </p:cNvPr>
-          <p:cNvPicPr>
-            <a:picLocks noGrp="1" noChangeAspect="1"/>
-          </p:cNvPicPr>
-          <p:nvPr>
-            <p:ph idx="1"/>
-          </p:nvPr>
-        </p:nvPicPr>
-        <p:blipFill>
-          <a:blip r:embed="rId3"/>
-          <a:stretch>
-            <a:fillRect/>
-          </a:stretch>
-        </p:blipFill>
-        <p:spPr>
-          <a:xfrm>
-            <a:off x="6417733" y="741375"/>
-            <a:ext cx="5130799" cy="3347846"/>
-          </a:xfrm>
-          <a:prstGeom prst="rect">
-            <a:avLst/>
-          </a:prstGeom>
-        </p:spPr>
-      </p:pic>
-      <p:sp>
-        <p:nvSpPr>
-          <p:cNvPr id="18" name="Freeform: Shape 17">
-            <a:extLst>
-              <a:ext uri="{FF2B5EF4-FFF2-40B4-BE49-F238E27FC236}">
-                <a16:creationId xmlns:a16="http://schemas.microsoft.com/office/drawing/2014/main" id="{0F30CCEB-94C4-4F72-BA5A-9CEA853022DA}"/>
+                <a16:creationId xmlns:a16="http://schemas.microsoft.com/office/drawing/2014/main" id="{5BFD4DBB-3229-4DF6-A68A-CD91F8325879}"/>
               </a:ext>
               <a:ext uri="{C183D7F6-B498-43B3-948B-1728B52AA6E4}">
-                <adec:decorative xmlns:adec="http://schemas.microsoft.com/office/drawing/2017/decorative" val="1"/>
+                <adec:decorative xmlns="" xmlns:adec="http://schemas.microsoft.com/office/drawing/2017/decorative" val="1"/>
               </a:ext>
             </a:extLst>
           </p:cNvPr>
@@ -7450,7 +6111,7 @@
         </p:nvSpPr>
         <p:spPr bwMode="auto">
           <a:xfrm flipH="1" flipV="1">
-            <a:off x="434936" y="4446551"/>
+            <a:off x="434936" y="4030294"/>
             <a:ext cx="1957171" cy="1103687"/>
           </a:xfrm>
           <a:custGeom>
@@ -7533,13 +6194,75 @@
       </p:sp>
       <p:sp>
         <p:nvSpPr>
-          <p:cNvPr id="20" name="Freeform: Shape 19">
+          <p:cNvPr id="3" name="Объект 2">
             <a:extLst>
               <a:ext uri="{FF2B5EF4-FFF2-40B4-BE49-F238E27FC236}">
-                <a16:creationId xmlns:a16="http://schemas.microsoft.com/office/drawing/2014/main" id="{0DE1A94F-CC8B-4954-97A7-ADD4F300D647}"/>
+                <a16:creationId xmlns:a16="http://schemas.microsoft.com/office/drawing/2014/main" id="{2385F0C0-A2DC-43F7-9488-2E875EF09B02}"/>
+              </a:ext>
+            </a:extLst>
+          </p:cNvPr>
+          <p:cNvSpPr>
+            <a:spLocks noGrp="1"/>
+          </p:cNvSpPr>
+          <p:nvPr>
+            <p:ph idx="1"/>
+          </p:nvPr>
+        </p:nvSpPr>
+        <p:spPr>
+          <a:xfrm>
+            <a:off x="6253810" y="4531059"/>
+            <a:ext cx="4718989" cy="1683474"/>
+          </a:xfrm>
+        </p:spPr>
+        <p:txBody>
+          <a:bodyPr>
+            <a:normAutofit/>
+          </a:bodyPr>
+          <a:lstStyle/>
+          <a:p>
+            <a:pPr marL="0" indent="0">
+              <a:buNone/>
+            </a:pPr>
+            <a:r>
+              <a:rPr lang="ru-RU" sz="1500"/>
+              <a:t>Движение- перемещение на 10 по выбранному пути </a:t>
+            </a:r>
+          </a:p>
+          <a:p>
+            <a:pPr marL="0" indent="0">
+              <a:buNone/>
+            </a:pPr>
+            <a:r>
+              <a:rPr lang="ru-RU" sz="1500"/>
+              <a:t>Метод- рисовка игрового тела заново и последующая закраска предыдущего </a:t>
+            </a:r>
+          </a:p>
+          <a:p>
+            <a:pPr marL="0" indent="0">
+              <a:buNone/>
+            </a:pPr>
+            <a:r>
+              <a:rPr lang="ru-RU" sz="1500"/>
+              <a:t>Местоположение объектов, дающих очки генерируется случайно </a:t>
+            </a:r>
+          </a:p>
+          <a:p>
+            <a:pPr marL="0" indent="0">
+              <a:buNone/>
+            </a:pPr>
+            <a:endParaRPr lang="ru-RU" sz="1500"/>
+          </a:p>
+        </p:txBody>
+      </p:sp>
+      <p:sp>
+        <p:nvSpPr>
+          <p:cNvPr id="23" name="Freeform: Shape 22">
+            <a:extLst>
+              <a:ext uri="{FF2B5EF4-FFF2-40B4-BE49-F238E27FC236}">
+                <a16:creationId xmlns:a16="http://schemas.microsoft.com/office/drawing/2014/main" id="{792979E5-1F93-4CE3-975E-3CAEC618BFB3}"/>
               </a:ext>
               <a:ext uri="{C183D7F6-B498-43B3-948B-1728B52AA6E4}">
-                <adec:decorative xmlns:adec="http://schemas.microsoft.com/office/drawing/2017/decorative" val="1"/>
+                <adec:decorative xmlns="" xmlns:adec="http://schemas.microsoft.com/office/drawing/2017/decorative" val="1"/>
               </a:ext>
             </a:extLst>
           </p:cNvPr>
@@ -7637,64 +6360,68 @@
           </a:ln>
         </p:spPr>
       </p:sp>
-      <p:sp>
-        <p:nvSpPr>
-          <p:cNvPr id="8" name="TextBox 7">
+      <p:pic>
+        <p:nvPicPr>
+          <p:cNvPr id="12" name="Рисунок 11">
             <a:extLst>
               <a:ext uri="{FF2B5EF4-FFF2-40B4-BE49-F238E27FC236}">
-                <a16:creationId xmlns:a16="http://schemas.microsoft.com/office/drawing/2014/main" id="{38ABBAF4-1E2A-4FA6-BC7D-9A60724F69E9}"/>
+                <a16:creationId xmlns:a16="http://schemas.microsoft.com/office/drawing/2014/main" id="{B953ABA5-1AF1-4AED-B488-77EDC92F9C01}"/>
               </a:ext>
             </a:extLst>
           </p:cNvPr>
-          <p:cNvSpPr txBox="1"/>
+          <p:cNvPicPr>
+            <a:picLocks noChangeAspect="1"/>
+          </p:cNvPicPr>
           <p:nvPr/>
-        </p:nvSpPr>
-        <p:spPr>
-          <a:xfrm>
-            <a:off x="2102665" y="5614368"/>
-            <a:ext cx="7572615" cy="1200329"/>
+        </p:nvPicPr>
+        <p:blipFill rotWithShape="1">
+          <a:blip r:embed="rId2"/>
+          <a:srcRect l="6582" t="9816" r="31081" b="8760"/>
+          <a:stretch/>
+        </p:blipFill>
+        <p:spPr>
+          <a:xfrm>
+            <a:off x="2967601" y="410011"/>
+            <a:ext cx="5732515" cy="3870665"/>
           </a:xfrm>
           <a:prstGeom prst="rect">
             <a:avLst/>
           </a:prstGeom>
-          <a:noFill/>
-        </p:spPr>
-        <p:txBody>
-          <a:bodyPr wrap="square" rtlCol="0">
-            <a:spAutoFit/>
-          </a:bodyPr>
-          <a:lstStyle/>
-          <a:p>
-            <a:r>
-              <a:rPr lang="ru-RU" dirty="0"/>
-              <a:t>Заданы два множества точек на плоскости. Построить пересечения и разность этих множеств.</a:t>
-            </a:r>
-          </a:p>
-          <a:p>
-            <a:br>
-              <a:rPr lang="ru-RU" dirty="0"/>
-            </a:br>
-            <a:endParaRPr lang="ru-RU" dirty="0"/>
-          </a:p>
-        </p:txBody>
-      </p:sp>
+        </p:spPr>
+      </p:pic>
     </p:spTree>
     <p:extLst>
       <p:ext uri="{BB962C8B-B14F-4D97-AF65-F5344CB8AC3E}">
-        <p14:creationId xmlns:p14="http://schemas.microsoft.com/office/powerpoint/2010/main" val="2160229761"/>
+        <p14:creationId xmlns:p14="http://schemas.microsoft.com/office/powerpoint/2010/main" val="3142795146"/>
       </p:ext>
     </p:extLst>
   </p:cSld>
   <p:clrMapOvr>
     <a:masterClrMapping/>
   </p:clrMapOvr>
-  <p:transition spd="slow">
-    <p:wipe/>
-  </p:transition>
+  <mc:AlternateContent xmlns:mc="http://schemas.openxmlformats.org/markup-compatibility/2006" xmlns:p14="http://schemas.microsoft.com/office/powerpoint/2010/main">
+    <mc:Choice Requires="p14">
+      <p:transition p14:dur="100">
+        <p:cut/>
+      </p:transition>
+    </mc:Choice>
+    <mc:Fallback xmlns="">
+      <p:transition>
+        <p:cut/>
+      </p:transition>
+    </mc:Fallback>
+  </mc:AlternateContent>
+  <p:timing>
+    <p:tnLst>
+      <p:par>
+        <p:cTn id="1" dur="indefinite" restart="never" nodeType="tmRoot"/>
+      </p:par>
+    </p:tnLst>
+  </p:timing>
 </p:sld>
 </file>
 
-<file path=ppt/slides/slide3.xml><?xml version="1.0" encoding="utf-8"?>
+<file path=ppt/slides/slide15.xml><?xml version="1.0" encoding="utf-8"?>
 <p:sld xmlns:a="http://schemas.openxmlformats.org/drawingml/2006/main" xmlns:r="http://schemas.openxmlformats.org/officeDocument/2006/relationships" xmlns:p="http://schemas.openxmlformats.org/presentationml/2006/main">
   <p:cSld>
     <p:bg>
@@ -7719,39 +6446,223 @@
           <a:chExt cx="0" cy="0"/>
         </a:xfrm>
       </p:grpSpPr>
-      <p:sp useBgFill="1">
-        <p:nvSpPr>
-          <p:cNvPr id="12" name="Rectangle 11">
+      <p:sp>
+        <p:nvSpPr>
+          <p:cNvPr id="2" name="Заголовок 1">
             <a:extLst>
               <a:ext uri="{FF2B5EF4-FFF2-40B4-BE49-F238E27FC236}">
-                <a16:creationId xmlns:a16="http://schemas.microsoft.com/office/drawing/2014/main" id="{1D868099-6145-4BC0-A5EA-74BEF1776BA9}"/>
-              </a:ext>
-              <a:ext uri="{C183D7F6-B498-43B3-948B-1728B52AA6E4}">
-                <adec:decorative xmlns:adec="http://schemas.microsoft.com/office/drawing/2017/decorative" val="1"/>
+                <a16:creationId xmlns:a16="http://schemas.microsoft.com/office/drawing/2014/main" id="{CECE1ADE-8A3A-4746-807B-37F4EF200795}"/>
               </a:ext>
             </a:extLst>
           </p:cNvPr>
           <p:cNvSpPr>
-            <a:spLocks noGrp="1" noRot="1" noChangeAspect="1" noMove="1" noResize="1" noEditPoints="1" noAdjustHandles="1" noChangeArrowheads="1" noChangeShapeType="1" noTextEdit="1"/>
+            <a:spLocks noGrp="1"/>
           </p:cNvSpPr>
           <p:nvPr>
-            <p:extLst>
-              <p:ext uri="{386F3935-93C4-4BCD-93E2-E3B085C9AB24}">
-                <p16:designElem xmlns:p16="http://schemas.microsoft.com/office/powerpoint/2015/main" val="1"/>
-              </p:ext>
-            </p:extLst>
-          </p:nvPr>
-        </p:nvSpPr>
-        <p:spPr>
-          <a:xfrm>
-            <a:off x="0" y="0"/>
-            <a:ext cx="12192000" cy="6858000"/>
+            <p:ph type="title"/>
+          </p:nvPr>
+        </p:nvSpPr>
+        <p:spPr>
+          <a:xfrm>
+            <a:off x="1371599" y="330693"/>
+            <a:ext cx="3282695" cy="1485900"/>
+          </a:xfrm>
+        </p:spPr>
+        <p:txBody>
+          <a:bodyPr>
+            <a:normAutofit/>
+          </a:bodyPr>
+          <a:lstStyle/>
+          <a:p>
+            <a:r>
+              <a:rPr lang="ru-RU" sz="3400" dirty="0"/>
+              <a:t>Проверка корректности работы </a:t>
+            </a:r>
+          </a:p>
+        </p:txBody>
+      </p:sp>
+      <p:sp>
+        <p:nvSpPr>
+          <p:cNvPr id="3" name="Объект 2">
+            <a:extLst>
+              <a:ext uri="{FF2B5EF4-FFF2-40B4-BE49-F238E27FC236}">
+                <a16:creationId xmlns:a16="http://schemas.microsoft.com/office/drawing/2014/main" id="{2CDFDABD-2D7D-45EC-A06A-5705C7E01A58}"/>
+              </a:ext>
+            </a:extLst>
+          </p:cNvPr>
+          <p:cNvSpPr>
+            <a:spLocks noGrp="1"/>
+          </p:cNvSpPr>
+          <p:nvPr>
+            <p:ph idx="1"/>
+          </p:nvPr>
+        </p:nvSpPr>
+        <p:spPr>
+          <a:xfrm>
+            <a:off x="1371599" y="2286000"/>
+            <a:ext cx="4265721" cy="3963880"/>
+          </a:xfrm>
+        </p:spPr>
+        <p:txBody>
+          <a:bodyPr>
+            <a:normAutofit/>
+          </a:bodyPr>
+          <a:lstStyle/>
+          <a:p>
+            <a:pPr marL="0" indent="0">
+              <a:buNone/>
+            </a:pPr>
+            <a:r>
+              <a:rPr lang="ru-RU" dirty="0"/>
+              <a:t>Игра конечна, так как она заканчивается при касание с краем игрового поля</a:t>
+            </a:r>
+          </a:p>
+          <a:p>
+            <a:pPr marL="0" indent="0">
+              <a:buNone/>
+            </a:pPr>
+            <a:endParaRPr lang="ru-RU" dirty="0"/>
+          </a:p>
+          <a:p>
+            <a:pPr marL="0" indent="0">
+              <a:buNone/>
+            </a:pPr>
+            <a:r>
+              <a:rPr lang="ru-RU" dirty="0"/>
+              <a:t>Можно отслеживать свой счет </a:t>
+            </a:r>
+          </a:p>
+          <a:p>
+            <a:pPr marL="0" indent="0">
+              <a:buNone/>
+            </a:pPr>
+            <a:endParaRPr lang="ru-RU" dirty="0"/>
+          </a:p>
+          <a:p>
+            <a:pPr marL="0" indent="0">
+              <a:buNone/>
+            </a:pPr>
+            <a:r>
+              <a:rPr lang="ru-RU" dirty="0"/>
+              <a:t>Есть возможность начать заново</a:t>
+            </a:r>
+          </a:p>
+          <a:p>
+            <a:pPr marL="0" indent="0">
+              <a:buNone/>
+            </a:pPr>
+            <a:endParaRPr lang="ru-RU" dirty="0"/>
+          </a:p>
+          <a:p>
+            <a:pPr marL="0" indent="0">
+              <a:buNone/>
+            </a:pPr>
+            <a:r>
+              <a:rPr lang="ru-RU" dirty="0"/>
+              <a:t>Есть возможность хранения лучшего результата</a:t>
+            </a:r>
+          </a:p>
+        </p:txBody>
+      </p:sp>
+      <p:pic>
+        <p:nvPicPr>
+          <p:cNvPr id="5" name="Рисунок 4">
+            <a:extLst>
+              <a:ext uri="{FF2B5EF4-FFF2-40B4-BE49-F238E27FC236}">
+                <a16:creationId xmlns:a16="http://schemas.microsoft.com/office/drawing/2014/main" id="{E7879CC2-8F0B-40A6-9A4C-EDD2A10F9240}"/>
+              </a:ext>
+            </a:extLst>
+          </p:cNvPr>
+          <p:cNvPicPr>
+            <a:picLocks noChangeAspect="1"/>
+          </p:cNvPicPr>
+          <p:nvPr/>
+        </p:nvPicPr>
+        <p:blipFill rotWithShape="1">
+          <a:blip r:embed="rId2"/>
+          <a:srcRect l="2350" t="6112" r="35449" b="14456"/>
+          <a:stretch/>
+        </p:blipFill>
+        <p:spPr>
+          <a:xfrm>
+            <a:off x="6229165" y="2403629"/>
+            <a:ext cx="5190725" cy="3728622"/>
           </a:xfrm>
           <a:prstGeom prst="rect">
             <a:avLst/>
           </a:prstGeom>
+        </p:spPr>
+      </p:pic>
+      <p:cxnSp>
+        <p:nvCxnSpPr>
+          <p:cNvPr id="7" name="Прямая соединительная линия 6">
+            <a:extLst>
+              <a:ext uri="{FF2B5EF4-FFF2-40B4-BE49-F238E27FC236}">
+                <a16:creationId xmlns:a16="http://schemas.microsoft.com/office/drawing/2014/main" id="{FE2F2F3D-D8E3-4AFA-9AB9-728464C70BE9}"/>
+              </a:ext>
+            </a:extLst>
+          </p:cNvPr>
+          <p:cNvCxnSpPr/>
+          <p:nvPr/>
+        </p:nvCxnSpPr>
+        <p:spPr>
+          <a:xfrm>
+            <a:off x="6729274" y="408373"/>
+            <a:ext cx="0" cy="1136342"/>
+          </a:xfrm>
+          <a:prstGeom prst="line">
+            <a:avLst/>
+          </a:prstGeom>
           <a:ln>
-            <a:noFill/>
+            <a:solidFill>
+              <a:schemeClr val="tx1"/>
+            </a:solidFill>
+          </a:ln>
+        </p:spPr>
+        <p:style>
+          <a:lnRef idx="1">
+            <a:schemeClr val="accent1"/>
+          </a:lnRef>
+          <a:fillRef idx="0">
+            <a:schemeClr val="accent1"/>
+          </a:fillRef>
+          <a:effectRef idx="0">
+            <a:schemeClr val="accent1"/>
+          </a:effectRef>
+          <a:fontRef idx="minor">
+            <a:schemeClr val="tx1"/>
+          </a:fontRef>
+        </p:style>
+      </p:cxnSp>
+      <p:sp>
+        <p:nvSpPr>
+          <p:cNvPr id="8" name="Овал 7">
+            <a:extLst>
+              <a:ext uri="{FF2B5EF4-FFF2-40B4-BE49-F238E27FC236}">
+                <a16:creationId xmlns:a16="http://schemas.microsoft.com/office/drawing/2014/main" id="{DEFF66E3-B2D9-489B-9EAB-244330B1F832}"/>
+              </a:ext>
+            </a:extLst>
+          </p:cNvPr>
+          <p:cNvSpPr/>
+          <p:nvPr/>
+        </p:nvSpPr>
+        <p:spPr>
+          <a:xfrm>
+            <a:off x="8469420" y="759041"/>
+            <a:ext cx="450364" cy="435006"/>
+          </a:xfrm>
+          <a:prstGeom prst="ellipse">
+            <a:avLst/>
+          </a:prstGeom>
+          <a:solidFill>
+            <a:srgbClr val="FF0000"/>
+          </a:solidFill>
+          <a:ln>
+            <a:solidFill>
+              <a:schemeClr val="accent6">
+                <a:lumMod val="75000"/>
+              </a:schemeClr>
+            </a:solidFill>
           </a:ln>
         </p:spPr>
         <p:style>
@@ -7775,304 +6686,85 @@
           <a:lstStyle/>
           <a:p>
             <a:pPr algn="ctr"/>
-            <a:endParaRPr lang="en-US"/>
-          </a:p>
-        </p:txBody>
-      </p:sp>
-      <p:sp>
-        <p:nvSpPr>
-          <p:cNvPr id="2" name="Заголовок 1">
+            <a:endParaRPr lang="ru-RU"/>
+          </a:p>
+        </p:txBody>
+      </p:sp>
+      <p:cxnSp>
+        <p:nvCxnSpPr>
+          <p:cNvPr id="10" name="Прямая со стрелкой 9">
             <a:extLst>
               <a:ext uri="{FF2B5EF4-FFF2-40B4-BE49-F238E27FC236}">
-                <a16:creationId xmlns:a16="http://schemas.microsoft.com/office/drawing/2014/main" id="{CECE1ADE-8A3A-4746-807B-37F4EF200795}"/>
+                <a16:creationId xmlns:a16="http://schemas.microsoft.com/office/drawing/2014/main" id="{87D2D15B-E61C-4F30-9EDB-FA33A4D63F76}"/>
               </a:ext>
             </a:extLst>
           </p:cNvPr>
-          <p:cNvSpPr>
-            <a:spLocks noGrp="1"/>
-          </p:cNvSpPr>
-          <p:nvPr>
-            <p:ph type="title"/>
-          </p:nvPr>
-        </p:nvSpPr>
-        <p:spPr>
-          <a:xfrm>
-            <a:off x="8471424" y="1110882"/>
-            <a:ext cx="3053039" cy="1060817"/>
-          </a:xfrm>
-        </p:spPr>
-        <p:txBody>
-          <a:bodyPr anchor="b">
-            <a:normAutofit/>
-          </a:bodyPr>
-          <a:lstStyle/>
-          <a:p>
-            <a:r>
-              <a:rPr lang="ru-RU" sz="2800"/>
-              <a:t>Математическая модель</a:t>
-            </a:r>
-          </a:p>
-        </p:txBody>
-      </p:sp>
-      <p:pic>
-        <p:nvPicPr>
-          <p:cNvPr id="5" name="Объект 4">
-            <a:extLst>
-              <a:ext uri="{FF2B5EF4-FFF2-40B4-BE49-F238E27FC236}">
-                <a16:creationId xmlns:a16="http://schemas.microsoft.com/office/drawing/2014/main" id="{C902690B-31D2-4B3A-B06E-AB9D7CBE2DA3}"/>
-              </a:ext>
-            </a:extLst>
-          </p:cNvPr>
-          <p:cNvPicPr>
-            <a:picLocks noChangeAspect="1"/>
-          </p:cNvPicPr>
+          <p:cNvCxnSpPr/>
           <p:nvPr/>
-        </p:nvPicPr>
-        <p:blipFill>
-          <a:blip r:embed="rId2"/>
-          <a:stretch>
-            <a:fillRect/>
-          </a:stretch>
-        </p:blipFill>
-        <p:spPr>
-          <a:xfrm>
-            <a:off x="667537" y="841357"/>
-            <a:ext cx="6900380" cy="5175285"/>
-          </a:xfrm>
-          <a:prstGeom prst="rect">
+        </p:nvCxnSpPr>
+        <p:spPr>
+          <a:xfrm flipH="1">
+            <a:off x="7128769" y="976544"/>
+            <a:ext cx="1012054" cy="0"/>
+          </a:xfrm>
+          <a:prstGeom prst="straightConnector1">
             <a:avLst/>
           </a:prstGeom>
-        </p:spPr>
-      </p:pic>
-      <p:sp>
-        <p:nvSpPr>
-          <p:cNvPr id="9" name="Content Placeholder 8">
-            <a:extLst>
-              <a:ext uri="{FF2B5EF4-FFF2-40B4-BE49-F238E27FC236}">
-                <a16:creationId xmlns:a16="http://schemas.microsoft.com/office/drawing/2014/main" id="{9BF0930E-CBBD-4179-98C2-1FF1F099CAF7}"/>
-              </a:ext>
-            </a:extLst>
-          </p:cNvPr>
-          <p:cNvSpPr>
-            <a:spLocks noGrp="1"/>
-          </p:cNvSpPr>
-          <p:nvPr>
-            <p:ph idx="1"/>
-          </p:nvPr>
-        </p:nvSpPr>
-        <p:spPr>
-          <a:xfrm>
-            <a:off x="8471423" y="2286000"/>
-            <a:ext cx="3053039" cy="3931920"/>
-          </a:xfrm>
-        </p:spPr>
-        <p:txBody>
-          <a:bodyPr>
-            <a:normAutofit/>
-          </a:bodyPr>
-          <a:lstStyle/>
-          <a:p>
-            <a:pPr marL="0" indent="0">
-              <a:buNone/>
-            </a:pPr>
-            <a:r>
-              <a:rPr lang="ru-RU" b="1" dirty="0">
-                <a:solidFill>
-                  <a:schemeClr val="accent6">
-                    <a:lumMod val="75000"/>
-                  </a:schemeClr>
-                </a:solidFill>
-              </a:rPr>
-              <a:t>Пересечение</a:t>
-            </a:r>
-            <a:r>
-              <a:rPr lang="ru-RU" dirty="0">
-                <a:solidFill>
-                  <a:schemeClr val="accent6">
-                    <a:lumMod val="75000"/>
-                  </a:schemeClr>
-                </a:solidFill>
-              </a:rPr>
-              <a:t> </a:t>
-            </a:r>
-            <a:r>
-              <a:rPr lang="ru-RU" b="1" dirty="0">
-                <a:solidFill>
-                  <a:schemeClr val="accent6">
-                    <a:lumMod val="75000"/>
-                  </a:schemeClr>
-                </a:solidFill>
-              </a:rPr>
-              <a:t>множеств</a:t>
-            </a:r>
-            <a:r>
-              <a:rPr lang="ru-RU" dirty="0"/>
-              <a:t> – </a:t>
-            </a:r>
-            <a:r>
-              <a:rPr lang="ru-RU" b="1" dirty="0"/>
-              <a:t>это</a:t>
-            </a:r>
-            <a:r>
-              <a:rPr lang="ru-RU" dirty="0"/>
-              <a:t> </a:t>
-            </a:r>
-            <a:r>
-              <a:rPr lang="ru-RU" b="1" dirty="0"/>
-              <a:t>множество</a:t>
-            </a:r>
-            <a:r>
-              <a:rPr lang="ru-RU" dirty="0"/>
-              <a:t>, которое состоит из всех общих элементов исходных </a:t>
-            </a:r>
-            <a:r>
-              <a:rPr lang="ru-RU" b="1" dirty="0"/>
-              <a:t>множеств</a:t>
-            </a:r>
-            <a:r>
-              <a:rPr lang="ru-RU" dirty="0"/>
-              <a:t>. </a:t>
-            </a:r>
-          </a:p>
-          <a:p>
-            <a:pPr marL="0" indent="0">
-              <a:buNone/>
-            </a:pPr>
-            <a:r>
-              <a:rPr lang="ru-RU" b="1" dirty="0">
-                <a:solidFill>
-                  <a:schemeClr val="accent6">
-                    <a:lumMod val="75000"/>
-                  </a:schemeClr>
-                </a:solidFill>
-              </a:rPr>
-              <a:t>Разностью</a:t>
-            </a:r>
-            <a:r>
-              <a:rPr lang="ru-RU" dirty="0">
-                <a:solidFill>
-                  <a:schemeClr val="accent6">
-                    <a:lumMod val="75000"/>
-                  </a:schemeClr>
-                </a:solidFill>
-              </a:rPr>
-              <a:t> </a:t>
-            </a:r>
-            <a:r>
-              <a:rPr lang="ru-RU" b="1" dirty="0">
-                <a:solidFill>
-                  <a:schemeClr val="accent6">
-                    <a:lumMod val="75000"/>
-                  </a:schemeClr>
-                </a:solidFill>
-              </a:rPr>
-              <a:t>множеств</a:t>
-            </a:r>
-            <a:r>
-              <a:rPr lang="ru-RU" dirty="0"/>
-              <a:t> X и Y называется </a:t>
-            </a:r>
-            <a:r>
-              <a:rPr lang="ru-RU" b="1" dirty="0"/>
-              <a:t>множество</a:t>
-            </a:r>
-            <a:r>
-              <a:rPr lang="ru-RU" dirty="0"/>
-              <a:t>, состоящее из всех тех и только тех элементов, которые принадлежат X и не принадлежат Y.</a:t>
-            </a:r>
-            <a:endParaRPr lang="en-US" sz="1600" dirty="0"/>
-          </a:p>
-        </p:txBody>
-      </p:sp>
-      <p:sp>
-        <p:nvSpPr>
-          <p:cNvPr id="20" name="Freeform 6">
-            <a:extLst>
-              <a:ext uri="{FF2B5EF4-FFF2-40B4-BE49-F238E27FC236}">
-                <a16:creationId xmlns:a16="http://schemas.microsoft.com/office/drawing/2014/main" id="{CC1026F7-DECB-49B4-A565-518BBA445471}"/>
-              </a:ext>
-              <a:ext uri="{C183D7F6-B498-43B3-948B-1728B52AA6E4}">
-                <adec:decorative xmlns:adec="http://schemas.microsoft.com/office/drawing/2017/decorative" val="1"/>
-              </a:ext>
-            </a:extLst>
-          </p:cNvPr>
-          <p:cNvSpPr>
-            <a:spLocks noGrp="1" noRot="1" noChangeAspect="1" noMove="1" noResize="1" noEditPoints="1" noAdjustHandles="1" noChangeArrowheads="1" noChangeShapeType="1" noTextEdit="1"/>
-          </p:cNvSpPr>
-          <p:nvPr>
-            <p:extLst>
-              <p:ext uri="{386F3935-93C4-4BCD-93E2-E3B085C9AB24}">
-                <p16:designElem xmlns:p16="http://schemas.microsoft.com/office/powerpoint/2015/main" val="1"/>
-              </p:ext>
-            </p:extLst>
-          </p:nvPr>
-        </p:nvSpPr>
-        <p:spPr bwMode="auto">
-          <a:xfrm flipH="1" flipV="1">
-            <a:off x="7983434" y="640080"/>
-            <a:ext cx="2296028" cy="3674981"/>
-          </a:xfrm>
-          <a:custGeom>
-            <a:avLst/>
-            <a:gdLst/>
-            <a:ahLst/>
-            <a:cxnLst/>
-            <a:rect l="l" t="t" r="r" b="b"/>
-            <a:pathLst>
-              <a:path w="10002" h="10000">
-                <a:moveTo>
-                  <a:pt x="8763" y="0"/>
-                </a:moveTo>
-                <a:lnTo>
-                  <a:pt x="10002" y="0"/>
-                </a:lnTo>
-                <a:lnTo>
-                  <a:pt x="10002" y="10000"/>
-                </a:lnTo>
-                <a:lnTo>
-                  <a:pt x="2" y="10000"/>
-                </a:lnTo>
-                <a:cubicBezTo>
-                  <a:pt x="-2" y="9698"/>
-                  <a:pt x="4" y="9427"/>
-                  <a:pt x="0" y="9125"/>
-                </a:cubicBezTo>
-                <a:lnTo>
-                  <a:pt x="8763" y="9128"/>
-                </a:lnTo>
-                <a:lnTo>
-                  <a:pt x="8763" y="0"/>
-                </a:lnTo>
-                <a:close/>
-              </a:path>
-            </a:pathLst>
-          </a:custGeom>
-          <a:solidFill>
-            <a:schemeClr val="tx2"/>
-          </a:solidFill>
-          <a:ln w="0">
-            <a:noFill/>
-            <a:prstDash val="solid"/>
-            <a:round/>
-            <a:headEnd/>
-            <a:tailEnd/>
+          <a:ln>
+            <a:solidFill>
+              <a:schemeClr val="tx1"/>
+            </a:solidFill>
+            <a:tailEnd type="triangle"/>
           </a:ln>
         </p:spPr>
-      </p:sp>
+        <p:style>
+          <a:lnRef idx="1">
+            <a:schemeClr val="accent1"/>
+          </a:lnRef>
+          <a:fillRef idx="0">
+            <a:schemeClr val="accent1"/>
+          </a:fillRef>
+          <a:effectRef idx="0">
+            <a:schemeClr val="accent1"/>
+          </a:effectRef>
+          <a:fontRef idx="minor">
+            <a:schemeClr val="tx1"/>
+          </a:fontRef>
+        </p:style>
+      </p:cxnSp>
     </p:spTree>
     <p:extLst>
       <p:ext uri="{BB962C8B-B14F-4D97-AF65-F5344CB8AC3E}">
-        <p14:creationId xmlns:p14="http://schemas.microsoft.com/office/powerpoint/2010/main" val="4083783788"/>
+        <p14:creationId xmlns:p14="http://schemas.microsoft.com/office/powerpoint/2010/main" val="489020691"/>
       </p:ext>
     </p:extLst>
   </p:cSld>
   <p:clrMapOvr>
     <a:masterClrMapping/>
   </p:clrMapOvr>
+  <mc:AlternateContent xmlns:mc="http://schemas.openxmlformats.org/markup-compatibility/2006" xmlns:p14="http://schemas.microsoft.com/office/powerpoint/2010/main">
+    <mc:Choice Requires="p14">
+      <p:transition spd="slow" p14:dur="3400">
+        <p14:reveal/>
+      </p:transition>
+    </mc:Choice>
+    <mc:Fallback xmlns="">
+      <p:transition spd="slow">
+        <p:fade/>
+      </p:transition>
+    </mc:Fallback>
+  </mc:AlternateContent>
+  <p:timing>
+    <p:tnLst>
+      <p:par>
+        <p:cTn id="1" dur="indefinite" restart="never" nodeType="tmRoot"/>
+      </p:par>
+    </p:tnLst>
+  </p:timing>
 </p:sld>
 </file>
 
-<file path=ppt/slides/slide4.xml><?xml version="1.0" encoding="utf-8"?>
+<file path=ppt/slides/slide16.xml><?xml version="1.0" encoding="utf-8"?>
 <p:sld xmlns:a="http://schemas.openxmlformats.org/drawingml/2006/main" xmlns:r="http://schemas.openxmlformats.org/officeDocument/2006/relationships" xmlns:p="http://schemas.openxmlformats.org/presentationml/2006/main">
   <p:cSld>
     <p:bg>
@@ -8099,13 +6791,13 @@
       </p:grpSpPr>
       <p:grpSp>
         <p:nvGrpSpPr>
-          <p:cNvPr id="13" name="Group 12">
+          <p:cNvPr id="22" name="Group 21">
             <a:extLst>
               <a:ext uri="{FF2B5EF4-FFF2-40B4-BE49-F238E27FC236}">
-                <a16:creationId xmlns:a16="http://schemas.microsoft.com/office/drawing/2014/main" id="{57500303-A207-4812-BEB9-51E132FEB73F}"/>
+                <a16:creationId xmlns:a16="http://schemas.microsoft.com/office/drawing/2014/main" id="{449BC34D-9C23-4D6D-8213-1F471AF85B3F}"/>
               </a:ext>
               <a:ext uri="{C183D7F6-B498-43B3-948B-1728B52AA6E4}">
-                <adec:decorative xmlns:adec="http://schemas.microsoft.com/office/drawing/2017/decorative" val="1"/>
+                <adec:decorative xmlns="" xmlns:adec="http://schemas.microsoft.com/office/drawing/2017/decorative" val="1"/>
               </a:ext>
             </a:extLst>
           </p:cNvPr>
@@ -8130,13 +6822,13 @@
         </p:grpSpPr>
         <p:sp>
           <p:nvSpPr>
-            <p:cNvPr id="14" name="Freeform 6">
+            <p:cNvPr id="23" name="Freeform 6">
               <a:extLst>
                 <a:ext uri="{FF2B5EF4-FFF2-40B4-BE49-F238E27FC236}">
-                  <a16:creationId xmlns:a16="http://schemas.microsoft.com/office/drawing/2014/main" id="{10118C91-C025-4776-BE95-E9926378E790}"/>
+                  <a16:creationId xmlns:a16="http://schemas.microsoft.com/office/drawing/2014/main" id="{FA0F5D6C-5025-4D7E-82DD-C2C6FDA1E759}"/>
                 </a:ext>
                 <a:ext uri="{C183D7F6-B498-43B3-948B-1728B52AA6E4}">
-                  <adec:decorative xmlns:adec="http://schemas.microsoft.com/office/drawing/2017/decorative" val="1"/>
+                  <adec:decorative xmlns="" xmlns:adec="http://schemas.microsoft.com/office/drawing/2017/decorative" val="1"/>
                 </a:ext>
               </a:extLst>
             </p:cNvPr>
@@ -8201,13 +6893,13 @@
         </p:sp>
         <p:sp>
           <p:nvSpPr>
-            <p:cNvPr id="15" name="Freeform 6">
+            <p:cNvPr id="24" name="Freeform 6">
               <a:extLst>
                 <a:ext uri="{FF2B5EF4-FFF2-40B4-BE49-F238E27FC236}">
-                  <a16:creationId xmlns:a16="http://schemas.microsoft.com/office/drawing/2014/main" id="{339174D0-30E8-4BBF-BF81-5DDAC33C0C0E}"/>
+                  <a16:creationId xmlns:a16="http://schemas.microsoft.com/office/drawing/2014/main" id="{E2AF2C17-4AB4-4402-B84B-129EF95D161C}"/>
                 </a:ext>
                 <a:ext uri="{C183D7F6-B498-43B3-948B-1728B52AA6E4}">
-                  <adec:decorative xmlns:adec="http://schemas.microsoft.com/office/drawing/2017/decorative" val="1"/>
+                  <adec:decorative xmlns="" xmlns:adec="http://schemas.microsoft.com/office/drawing/2017/decorative" val="1"/>
                 </a:ext>
               </a:extLst>
             </p:cNvPr>
@@ -8275,13 +6967,569 @@
       </p:grpSp>
       <p:sp useBgFill="1">
         <p:nvSpPr>
-          <p:cNvPr id="17" name="Rectangle 16">
+          <p:cNvPr id="26" name="Rectangle 25">
+            <a:extLst>
+              <a:ext uri="{FF2B5EF4-FFF2-40B4-BE49-F238E27FC236}">
+                <a16:creationId xmlns:a16="http://schemas.microsoft.com/office/drawing/2014/main" id="{46433AC8-8A78-46AB-B013-07DC9D75258C}"/>
+              </a:ext>
+              <a:ext uri="{C183D7F6-B498-43B3-948B-1728B52AA6E4}">
+                <adec:decorative xmlns="" xmlns:adec="http://schemas.microsoft.com/office/drawing/2017/decorative" val="1"/>
+              </a:ext>
+            </a:extLst>
+          </p:cNvPr>
+          <p:cNvSpPr>
+            <a:spLocks noGrp="1" noRot="1" noChangeAspect="1" noMove="1" noResize="1" noEditPoints="1" noAdjustHandles="1" noChangeArrowheads="1" noChangeShapeType="1" noTextEdit="1"/>
+          </p:cNvSpPr>
+          <p:nvPr>
+            <p:extLst>
+              <p:ext uri="{386F3935-93C4-4BCD-93E2-E3B085C9AB24}">
+                <p16:designElem xmlns:p16="http://schemas.microsoft.com/office/powerpoint/2015/main" val="1"/>
+              </p:ext>
+            </p:extLst>
+          </p:nvPr>
+        </p:nvSpPr>
+        <p:spPr>
+          <a:xfrm>
+            <a:off x="0" y="0"/>
+            <a:ext cx="12192000" cy="6858000"/>
+          </a:xfrm>
+          <a:prstGeom prst="rect">
+            <a:avLst/>
+          </a:prstGeom>
+          <a:ln>
+            <a:noFill/>
+          </a:ln>
+        </p:spPr>
+        <p:style>
+          <a:lnRef idx="2">
+            <a:schemeClr val="accent1">
+              <a:shade val="50000"/>
+            </a:schemeClr>
+          </a:lnRef>
+          <a:fillRef idx="1001">
+            <a:schemeClr val="lt2"/>
+          </a:fillRef>
+          <a:effectRef idx="0">
+            <a:schemeClr val="accent1"/>
+          </a:effectRef>
+          <a:fontRef idx="minor">
+            <a:schemeClr val="lt1"/>
+          </a:fontRef>
+        </p:style>
+        <p:txBody>
+          <a:bodyPr rtlCol="0" anchor="ctr"/>
+          <a:lstStyle/>
+          <a:p>
+            <a:pPr algn="ctr"/>
+            <a:endParaRPr lang="en-US"/>
+          </a:p>
+        </p:txBody>
+      </p:sp>
+      <p:sp>
+        <p:nvSpPr>
+          <p:cNvPr id="2" name="Заголовок 1">
+            <a:extLst>
+              <a:ext uri="{FF2B5EF4-FFF2-40B4-BE49-F238E27FC236}">
+                <a16:creationId xmlns:a16="http://schemas.microsoft.com/office/drawing/2014/main" id="{5CD66DEB-6B6C-4EC1-BC00-F7C012BD2F51}"/>
+              </a:ext>
+            </a:extLst>
+          </p:cNvPr>
+          <p:cNvSpPr>
+            <a:spLocks noGrp="1"/>
+          </p:cNvSpPr>
+          <p:nvPr>
+            <p:ph type="title"/>
+          </p:nvPr>
+        </p:nvSpPr>
+        <p:spPr>
+          <a:xfrm>
+            <a:off x="5307291" y="634028"/>
+            <a:ext cx="6221689" cy="3732835"/>
+          </a:xfrm>
+        </p:spPr>
+        <p:txBody>
+          <a:bodyPr vert="horz" lIns="91440" tIns="45720" rIns="91440" bIns="45720" rtlCol="0" anchor="b">
+            <a:normAutofit/>
+          </a:bodyPr>
+          <a:lstStyle/>
+          <a:p>
+            <a:pPr algn="ctr"/>
+            <a:r>
+              <a:rPr lang="en-US" sz="7200" cap="all"/>
+              <a:t>Спасибо за внимание</a:t>
+            </a:r>
+          </a:p>
+        </p:txBody>
+      </p:sp>
+      <p:sp>
+        <p:nvSpPr>
+          <p:cNvPr id="28" name="Freeform 6">
+            <a:extLst>
+              <a:ext uri="{FF2B5EF4-FFF2-40B4-BE49-F238E27FC236}">
+                <a16:creationId xmlns:a16="http://schemas.microsoft.com/office/drawing/2014/main" id="{37E10E69-B2A5-4F8D-A7C0-F958BB7B47C1}"/>
+              </a:ext>
+              <a:ext uri="{C183D7F6-B498-43B3-948B-1728B52AA6E4}">
+                <adec:decorative xmlns="" xmlns:adec="http://schemas.microsoft.com/office/drawing/2017/decorative" val="1"/>
+              </a:ext>
+            </a:extLst>
+          </p:cNvPr>
+          <p:cNvSpPr>
+            <a:spLocks noGrp="1" noRot="1" noChangeAspect="1" noMove="1" noResize="1" noEditPoints="1" noAdjustHandles="1" noChangeArrowheads="1" noChangeShapeType="1" noTextEdit="1"/>
+          </p:cNvSpPr>
+          <p:nvPr>
+            <p:extLst>
+              <p:ext uri="{386F3935-93C4-4BCD-93E2-E3B085C9AB24}">
+                <p16:designElem xmlns:p16="http://schemas.microsoft.com/office/powerpoint/2015/main" val="1"/>
+              </p:ext>
+            </p:extLst>
+          </p:nvPr>
+        </p:nvSpPr>
+        <p:spPr bwMode="auto">
+          <a:xfrm>
+            <a:off x="1542142" y="2016617"/>
+            <a:ext cx="3275013" cy="4408488"/>
+          </a:xfrm>
+          <a:custGeom>
+            <a:avLst/>
+            <a:gdLst/>
+            <a:ahLst/>
+            <a:cxnLst/>
+            <a:rect l="l" t="t" r="r" b="b"/>
+            <a:pathLst>
+              <a:path w="10000" h="10000">
+                <a:moveTo>
+                  <a:pt x="8761" y="0"/>
+                </a:moveTo>
+                <a:lnTo>
+                  <a:pt x="10000" y="0"/>
+                </a:lnTo>
+                <a:lnTo>
+                  <a:pt x="10000" y="10000"/>
+                </a:lnTo>
+                <a:lnTo>
+                  <a:pt x="0" y="10000"/>
+                </a:lnTo>
+                <a:lnTo>
+                  <a:pt x="0" y="9126"/>
+                </a:lnTo>
+                <a:lnTo>
+                  <a:pt x="8761" y="9127"/>
+                </a:lnTo>
+                <a:lnTo>
+                  <a:pt x="8761" y="0"/>
+                </a:lnTo>
+                <a:close/>
+              </a:path>
+            </a:pathLst>
+          </a:custGeom>
+          <a:solidFill>
+            <a:schemeClr val="tx2"/>
+          </a:solidFill>
+          <a:ln w="0">
+            <a:noFill/>
+            <a:prstDash val="solid"/>
+            <a:round/>
+            <a:headEnd/>
+            <a:tailEnd/>
+          </a:ln>
+        </p:spPr>
+      </p:sp>
+      <p:sp>
+        <p:nvSpPr>
+          <p:cNvPr id="30" name="Freeform 6">
+            <a:extLst>
+              <a:ext uri="{FF2B5EF4-FFF2-40B4-BE49-F238E27FC236}">
+                <a16:creationId xmlns:a16="http://schemas.microsoft.com/office/drawing/2014/main" id="{2E4B17F2-7877-4CC5-B6F6-F4147FE7B290}"/>
+              </a:ext>
+              <a:ext uri="{C183D7F6-B498-43B3-948B-1728B52AA6E4}">
+                <adec:decorative xmlns="" xmlns:adec="http://schemas.microsoft.com/office/drawing/2017/decorative" val="1"/>
+              </a:ext>
+            </a:extLst>
+          </p:cNvPr>
+          <p:cNvSpPr>
+            <a:spLocks noGrp="1" noRot="1" noChangeAspect="1" noMove="1" noResize="1" noEditPoints="1" noAdjustHandles="1" noChangeArrowheads="1" noChangeShapeType="1" noTextEdit="1"/>
+          </p:cNvSpPr>
+          <p:nvPr>
+            <p:extLst>
+              <p:ext uri="{386F3935-93C4-4BCD-93E2-E3B085C9AB24}">
+                <p16:designElem xmlns:p16="http://schemas.microsoft.com/office/powerpoint/2015/main" val="1"/>
+              </p:ext>
+            </p:extLst>
+          </p:nvPr>
+        </p:nvSpPr>
+        <p:spPr bwMode="auto">
+          <a:xfrm flipH="1" flipV="1">
+            <a:off x="649163" y="634028"/>
+            <a:ext cx="3275668" cy="4408488"/>
+          </a:xfrm>
+          <a:custGeom>
+            <a:avLst/>
+            <a:gdLst/>
+            <a:ahLst/>
+            <a:cxnLst/>
+            <a:rect l="l" t="t" r="r" b="b"/>
+            <a:pathLst>
+              <a:path w="10002" h="10000">
+                <a:moveTo>
+                  <a:pt x="8763" y="0"/>
+                </a:moveTo>
+                <a:lnTo>
+                  <a:pt x="10002" y="0"/>
+                </a:lnTo>
+                <a:lnTo>
+                  <a:pt x="10002" y="10000"/>
+                </a:lnTo>
+                <a:lnTo>
+                  <a:pt x="2" y="10000"/>
+                </a:lnTo>
+                <a:cubicBezTo>
+                  <a:pt x="-2" y="9698"/>
+                  <a:pt x="4" y="9427"/>
+                  <a:pt x="0" y="9125"/>
+                </a:cubicBezTo>
+                <a:lnTo>
+                  <a:pt x="8763" y="9128"/>
+                </a:lnTo>
+                <a:lnTo>
+                  <a:pt x="8763" y="0"/>
+                </a:lnTo>
+                <a:close/>
+              </a:path>
+            </a:pathLst>
+          </a:custGeom>
+          <a:solidFill>
+            <a:schemeClr val="tx2"/>
+          </a:solidFill>
+          <a:ln w="0">
+            <a:noFill/>
+            <a:prstDash val="solid"/>
+            <a:round/>
+            <a:headEnd/>
+            <a:tailEnd/>
+          </a:ln>
+        </p:spPr>
+      </p:sp>
+      <p:pic>
+        <p:nvPicPr>
+          <p:cNvPr id="4" name="Рисунок 3" descr="Змея">
+            <a:extLst>
+              <a:ext uri="{FF2B5EF4-FFF2-40B4-BE49-F238E27FC236}">
+                <a16:creationId xmlns:a16="http://schemas.microsoft.com/office/drawing/2014/main" id="{1856ED2E-F328-4DCF-8CAC-9EA0656A58BD}"/>
+              </a:ext>
+            </a:extLst>
+          </p:cNvPr>
+          <p:cNvPicPr>
+            <a:picLocks noChangeAspect="1"/>
+          </p:cNvPicPr>
+          <p:nvPr/>
+        </p:nvPicPr>
+        <p:blipFill>
+          <a:blip r:embed="rId2">
+            <a:extLst>
+              <a:ext uri="{96DAC541-7B7A-43D3-8B79-37D633B846F1}">
+                <asvg:svgBlip xmlns="" xmlns:asvg="http://schemas.microsoft.com/office/drawing/2016/SVG/main" r:embed="rId3"/>
+              </a:ext>
+            </a:extLst>
+          </a:blip>
+          <a:stretch>
+            <a:fillRect/>
+          </a:stretch>
+        </p:blipFill>
+        <p:spPr>
+          <a:xfrm>
+            <a:off x="1371403" y="2169078"/>
+            <a:ext cx="2719859" cy="2719859"/>
+          </a:xfrm>
+          <a:prstGeom prst="rect">
+            <a:avLst/>
+          </a:prstGeom>
+        </p:spPr>
+      </p:pic>
+      <p:sp>
+        <p:nvSpPr>
+          <p:cNvPr id="3" name="TextBox 2">
+            <a:extLst>
+              <a:ext uri="{FF2B5EF4-FFF2-40B4-BE49-F238E27FC236}">
+                <a16:creationId xmlns:a16="http://schemas.microsoft.com/office/drawing/2014/main" id="{D68DFCC1-218B-4DFF-ACEC-A7D7D9F8BD89}"/>
+              </a:ext>
+            </a:extLst>
+          </p:cNvPr>
+          <p:cNvSpPr txBox="1"/>
+          <p:nvPr/>
+        </p:nvSpPr>
+        <p:spPr>
+          <a:xfrm>
+            <a:off x="8753382" y="6223972"/>
+            <a:ext cx="3355759" cy="369332"/>
+          </a:xfrm>
+          <a:prstGeom prst="rect">
+            <a:avLst/>
+          </a:prstGeom>
+          <a:noFill/>
+        </p:spPr>
+        <p:txBody>
+          <a:bodyPr wrap="square" rtlCol="0">
+            <a:spAutoFit/>
+          </a:bodyPr>
+          <a:lstStyle/>
+          <a:p>
+            <a:r>
+              <a:rPr lang="ru-RU" dirty="0"/>
+              <a:t>Докладчик</a:t>
+            </a:r>
+            <a:r>
+              <a:rPr lang="en-US" dirty="0"/>
+              <a:t>: </a:t>
+            </a:r>
+            <a:r>
+              <a:rPr lang="ru-RU" dirty="0"/>
+              <a:t>Власова Алла 10-3</a:t>
+            </a:r>
+          </a:p>
+        </p:txBody>
+      </p:sp>
+    </p:spTree>
+    <p:extLst>
+      <p:ext uri="{BB962C8B-B14F-4D97-AF65-F5344CB8AC3E}">
+        <p14:creationId xmlns:p14="http://schemas.microsoft.com/office/powerpoint/2010/main" val="1767930825"/>
+      </p:ext>
+    </p:extLst>
+  </p:cSld>
+  <p:clrMapOvr>
+    <a:masterClrMapping/>
+  </p:clrMapOvr>
+  <mc:AlternateContent xmlns:mc="http://schemas.openxmlformats.org/markup-compatibility/2006" xmlns:p159="http://schemas.microsoft.com/office/powerpoint/2015/09/main">
+    <mc:Choice Requires="p159">
+      <p:transition xmlns:p14="http://schemas.microsoft.com/office/powerpoint/2010/main" spd="slow" p14:dur="2000">
+        <p159:morph option="byObject"/>
+      </p:transition>
+    </mc:Choice>
+    <mc:Fallback xmlns="">
+      <p:transition spd="slow">
+        <p:fade/>
+      </p:transition>
+    </mc:Fallback>
+  </mc:AlternateContent>
+  <p:timing>
+    <p:tnLst>
+      <p:par>
+        <p:cTn id="1" dur="indefinite" restart="never" nodeType="tmRoot"/>
+      </p:par>
+    </p:tnLst>
+  </p:timing>
+</p:sld>
+</file>
+
+<file path=ppt/slides/slide2.xml><?xml version="1.0" encoding="utf-8"?>
+<p:sld xmlns:a="http://schemas.openxmlformats.org/drawingml/2006/main" xmlns:r="http://schemas.openxmlformats.org/officeDocument/2006/relationships" xmlns:p="http://schemas.openxmlformats.org/presentationml/2006/main">
+  <p:cSld>
+    <p:bg>
+      <p:bgPr>
+        <a:solidFill>
+          <a:schemeClr val="bg2"/>
+        </a:solidFill>
+        <a:effectLst/>
+      </p:bgPr>
+    </p:bg>
+    <p:spTree>
+      <p:nvGrpSpPr>
+        <p:cNvPr id="1" name=""/>
+        <p:cNvGrpSpPr/>
+        <p:nvPr/>
+      </p:nvGrpSpPr>
+      <p:grpSpPr>
+        <a:xfrm>
+          <a:off x="0" y="0"/>
+          <a:ext cx="0" cy="0"/>
+          <a:chOff x="0" y="0"/>
+          <a:chExt cx="0" cy="0"/>
+        </a:xfrm>
+      </p:grpSpPr>
+      <p:grpSp>
+        <p:nvGrpSpPr>
+          <p:cNvPr id="12" name="Group 11">
+            <a:extLst>
+              <a:ext uri="{FF2B5EF4-FFF2-40B4-BE49-F238E27FC236}">
+                <a16:creationId xmlns:a16="http://schemas.microsoft.com/office/drawing/2014/main" id="{57500303-A207-4812-BEB9-51E132FEB73F}"/>
+              </a:ext>
+              <a:ext uri="{C183D7F6-B498-43B3-948B-1728B52AA6E4}">
+                <adec:decorative xmlns="" xmlns:adec="http://schemas.microsoft.com/office/drawing/2017/decorative" val="1"/>
+              </a:ext>
+            </a:extLst>
+          </p:cNvPr>
+          <p:cNvGrpSpPr>
+            <a:grpSpLocks noGrp="1" noUngrp="1" noRot="1" noChangeAspect="1" noMove="1" noResize="1"/>
+          </p:cNvGrpSpPr>
+          <p:nvPr>
+            <p:extLst>
+              <p:ext uri="{386F3935-93C4-4BCD-93E2-E3B085C9AB24}">
+                <p16:designElem xmlns:p16="http://schemas.microsoft.com/office/powerpoint/2015/main" val="1"/>
+              </p:ext>
+            </p:extLst>
+          </p:nvPr>
+        </p:nvGrpSpPr>
+        <p:grpSpPr>
+          <a:xfrm>
+            <a:off x="752858" y="744469"/>
+            <a:ext cx="10674117" cy="5349671"/>
+            <a:chOff x="752858" y="744469"/>
+            <a:chExt cx="10674117" cy="5349671"/>
+          </a:xfrm>
+        </p:grpSpPr>
+        <p:sp>
+          <p:nvSpPr>
+            <p:cNvPr id="13" name="Freeform 6">
+              <a:extLst>
+                <a:ext uri="{FF2B5EF4-FFF2-40B4-BE49-F238E27FC236}">
+                  <a16:creationId xmlns:a16="http://schemas.microsoft.com/office/drawing/2014/main" id="{10118C91-C025-4776-BE95-E9926378E790}"/>
+                </a:ext>
+                <a:ext uri="{C183D7F6-B498-43B3-948B-1728B52AA6E4}">
+                  <adec:decorative xmlns="" xmlns:adec="http://schemas.microsoft.com/office/drawing/2017/decorative" val="1"/>
+                </a:ext>
+              </a:extLst>
+            </p:cNvPr>
+            <p:cNvSpPr/>
+            <p:nvPr>
+              <p:extLst>
+                <p:ext uri="{386F3935-93C4-4BCD-93E2-E3B085C9AB24}">
+                  <p16:designElem xmlns:p16="http://schemas.microsoft.com/office/powerpoint/2015/main" val="1"/>
+                </p:ext>
+              </p:extLst>
+            </p:nvPr>
+          </p:nvSpPr>
+          <p:spPr bwMode="auto">
+            <a:xfrm>
+              <a:off x="8151962" y="1685652"/>
+              <a:ext cx="3275013" cy="4408488"/>
+            </a:xfrm>
+            <a:custGeom>
+              <a:avLst/>
+              <a:gdLst/>
+              <a:ahLst/>
+              <a:cxnLst/>
+              <a:rect l="l" t="t" r="r" b="b"/>
+              <a:pathLst>
+                <a:path w="10000" h="10000">
+                  <a:moveTo>
+                    <a:pt x="8761" y="0"/>
+                  </a:moveTo>
+                  <a:lnTo>
+                    <a:pt x="10000" y="0"/>
+                  </a:lnTo>
+                  <a:lnTo>
+                    <a:pt x="10000" y="10000"/>
+                  </a:lnTo>
+                  <a:lnTo>
+                    <a:pt x="0" y="10000"/>
+                  </a:lnTo>
+                  <a:lnTo>
+                    <a:pt x="0" y="9126"/>
+                  </a:lnTo>
+                  <a:lnTo>
+                    <a:pt x="8761" y="9127"/>
+                  </a:lnTo>
+                  <a:lnTo>
+                    <a:pt x="8761" y="0"/>
+                  </a:lnTo>
+                  <a:close/>
+                </a:path>
+              </a:pathLst>
+            </a:custGeom>
+            <a:solidFill>
+              <a:schemeClr val="tx2"/>
+            </a:solidFill>
+            <a:ln w="0">
+              <a:noFill/>
+              <a:prstDash val="solid"/>
+              <a:round/>
+              <a:headEnd/>
+              <a:tailEnd/>
+            </a:ln>
+          </p:spPr>
+        </p:sp>
+        <p:sp>
+          <p:nvSpPr>
+            <p:cNvPr id="14" name="Freeform 6">
+              <a:extLst>
+                <a:ext uri="{FF2B5EF4-FFF2-40B4-BE49-F238E27FC236}">
+                  <a16:creationId xmlns:a16="http://schemas.microsoft.com/office/drawing/2014/main" id="{339174D0-30E8-4BBF-BF81-5DDAC33C0C0E}"/>
+                </a:ext>
+                <a:ext uri="{C183D7F6-B498-43B3-948B-1728B52AA6E4}">
+                  <adec:decorative xmlns="" xmlns:adec="http://schemas.microsoft.com/office/drawing/2017/decorative" val="1"/>
+                </a:ext>
+              </a:extLst>
+            </p:cNvPr>
+            <p:cNvSpPr/>
+            <p:nvPr>
+              <p:extLst>
+                <p:ext uri="{386F3935-93C4-4BCD-93E2-E3B085C9AB24}">
+                  <p16:designElem xmlns:p16="http://schemas.microsoft.com/office/powerpoint/2015/main" val="1"/>
+                </p:ext>
+              </p:extLst>
+            </p:nvPr>
+          </p:nvSpPr>
+          <p:spPr bwMode="auto">
+            <a:xfrm flipH="1" flipV="1">
+              <a:off x="752858" y="744469"/>
+              <a:ext cx="3275668" cy="4408488"/>
+            </a:xfrm>
+            <a:custGeom>
+              <a:avLst/>
+              <a:gdLst/>
+              <a:ahLst/>
+              <a:cxnLst/>
+              <a:rect l="l" t="t" r="r" b="b"/>
+              <a:pathLst>
+                <a:path w="10002" h="10000">
+                  <a:moveTo>
+                    <a:pt x="8763" y="0"/>
+                  </a:moveTo>
+                  <a:lnTo>
+                    <a:pt x="10002" y="0"/>
+                  </a:lnTo>
+                  <a:lnTo>
+                    <a:pt x="10002" y="10000"/>
+                  </a:lnTo>
+                  <a:lnTo>
+                    <a:pt x="2" y="10000"/>
+                  </a:lnTo>
+                  <a:cubicBezTo>
+                    <a:pt x="-2" y="9698"/>
+                    <a:pt x="4" y="9427"/>
+                    <a:pt x="0" y="9125"/>
+                  </a:cubicBezTo>
+                  <a:lnTo>
+                    <a:pt x="8763" y="9128"/>
+                  </a:lnTo>
+                  <a:lnTo>
+                    <a:pt x="8763" y="0"/>
+                  </a:lnTo>
+                  <a:close/>
+                </a:path>
+              </a:pathLst>
+            </a:custGeom>
+            <a:solidFill>
+              <a:schemeClr val="tx2"/>
+            </a:solidFill>
+            <a:ln w="0">
+              <a:noFill/>
+              <a:prstDash val="solid"/>
+              <a:round/>
+              <a:headEnd/>
+              <a:tailEnd/>
+            </a:ln>
+          </p:spPr>
+        </p:sp>
+      </p:grpSp>
+      <p:sp useBgFill="1">
+        <p:nvSpPr>
+          <p:cNvPr id="16" name="Rectangle 15">
             <a:extLst>
               <a:ext uri="{FF2B5EF4-FFF2-40B4-BE49-F238E27FC236}">
                 <a16:creationId xmlns:a16="http://schemas.microsoft.com/office/drawing/2014/main" id="{7BB74091-09FE-44AF-8325-7FE6E175F727}"/>
               </a:ext>
               <a:ext uri="{C183D7F6-B498-43B3-948B-1728B52AA6E4}">
-                <adec:decorative xmlns:adec="http://schemas.microsoft.com/office/drawing/2017/decorative" val="1"/>
+                <adec:decorative xmlns="" xmlns:adec="http://schemas.microsoft.com/office/drawing/2017/decorative" val="1"/>
               </a:ext>
             </a:extLst>
           </p:cNvPr>
@@ -8338,7 +7586,7 @@
           <p:cNvPr id="2" name="Заголовок 1">
             <a:extLst>
               <a:ext uri="{FF2B5EF4-FFF2-40B4-BE49-F238E27FC236}">
-                <a16:creationId xmlns:a16="http://schemas.microsoft.com/office/drawing/2014/main" id="{DB315652-5B29-4054-876A-406BA4913978}"/>
+                <a16:creationId xmlns:a16="http://schemas.microsoft.com/office/drawing/2014/main" id="{7D6E2838-ECAC-442F-A8A0-21FC54483705}"/>
               </a:ext>
             </a:extLst>
           </p:cNvPr>
@@ -8352,7 +7600,7 @@
         <p:spPr>
           <a:xfrm>
             <a:off x="752858" y="4736961"/>
-            <a:ext cx="10720685" cy="936769"/>
+            <a:ext cx="10720685" cy="953625"/>
           </a:xfrm>
         </p:spPr>
         <p:txBody>
@@ -8363,18 +7611,27 @@
           <a:p>
             <a:pPr algn="ctr"/>
             <a:r>
-              <a:rPr lang="en-US" sz="4800" cap="all"/>
-              <a:t>Постановка задачи</a:t>
-            </a:r>
+              <a:rPr lang="en-US" sz="4800" cap="all" dirty="0" err="1"/>
+              <a:t>Постановка</a:t>
+            </a:r>
+            <a:r>
+              <a:rPr lang="en-US" sz="4800" cap="all" dirty="0"/>
+              <a:t> </a:t>
+            </a:r>
+            <a:r>
+              <a:rPr lang="en-US" sz="4800" cap="all" dirty="0" err="1"/>
+              <a:t>задачи</a:t>
+            </a:r>
+            <a:endParaRPr lang="en-US" sz="4800" cap="all" dirty="0"/>
           </a:p>
         </p:txBody>
       </p:sp>
       <p:pic>
         <p:nvPicPr>
-          <p:cNvPr id="6" name="Объект 5">
+          <p:cNvPr id="7" name="Рисунок 6">
             <a:extLst>
               <a:ext uri="{FF2B5EF4-FFF2-40B4-BE49-F238E27FC236}">
-                <a16:creationId xmlns:a16="http://schemas.microsoft.com/office/drawing/2014/main" id="{E5DCA966-827E-4AE9-BEEA-75E37F0815D3}"/>
+                <a16:creationId xmlns:a16="http://schemas.microsoft.com/office/drawing/2014/main" id="{7DF9BEA0-DA9C-422D-93A5-7EC730E3796C}"/>
               </a:ext>
             </a:extLst>
           </p:cNvPr>
@@ -8391,23 +7648,55 @@
         </p:blipFill>
         <p:spPr>
           <a:xfrm>
-            <a:off x="640061" y="138026"/>
-            <a:ext cx="5635775" cy="4255010"/>
+            <a:off x="1028150" y="643467"/>
+            <a:ext cx="4361430" cy="3543662"/>
           </a:xfrm>
           <a:prstGeom prst="rect">
             <a:avLst/>
           </a:prstGeom>
         </p:spPr>
       </p:pic>
-      <p:sp>
-        <p:nvSpPr>
-          <p:cNvPr id="19" name="Freeform: Shape 18">
+      <p:pic>
+        <p:nvPicPr>
+          <p:cNvPr id="5" name="Объект 4">
+            <a:extLst>
+              <a:ext uri="{FF2B5EF4-FFF2-40B4-BE49-F238E27FC236}">
+                <a16:creationId xmlns:a16="http://schemas.microsoft.com/office/drawing/2014/main" id="{C6573ECD-8528-4C51-935A-9009C1686EC2}"/>
+              </a:ext>
+            </a:extLst>
+          </p:cNvPr>
+          <p:cNvPicPr>
+            <a:picLocks noGrp="1" noChangeAspect="1"/>
+          </p:cNvPicPr>
+          <p:nvPr>
+            <p:ph idx="1"/>
+          </p:nvPr>
+        </p:nvPicPr>
+        <p:blipFill>
+          <a:blip r:embed="rId3"/>
+          <a:stretch>
+            <a:fillRect/>
+          </a:stretch>
+        </p:blipFill>
+        <p:spPr>
+          <a:xfrm>
+            <a:off x="6417733" y="741375"/>
+            <a:ext cx="5130799" cy="3347846"/>
+          </a:xfrm>
+          <a:prstGeom prst="rect">
+            <a:avLst/>
+          </a:prstGeom>
+        </p:spPr>
+      </p:pic>
+      <p:sp>
+        <p:nvSpPr>
+          <p:cNvPr id="18" name="Freeform: Shape 17">
             <a:extLst>
               <a:ext uri="{FF2B5EF4-FFF2-40B4-BE49-F238E27FC236}">
                 <a16:creationId xmlns:a16="http://schemas.microsoft.com/office/drawing/2014/main" id="{0F30CCEB-94C4-4F72-BA5A-9CEA853022DA}"/>
               </a:ext>
               <a:ext uri="{C183D7F6-B498-43B3-948B-1728B52AA6E4}">
-                <adec:decorative xmlns:adec="http://schemas.microsoft.com/office/drawing/2017/decorative" val="1"/>
+                <adec:decorative xmlns="" xmlns:adec="http://schemas.microsoft.com/office/drawing/2017/decorative" val="1"/>
               </a:ext>
             </a:extLst>
           </p:cNvPr>
@@ -8507,13 +7796,13 @@
       </p:sp>
       <p:sp>
         <p:nvSpPr>
-          <p:cNvPr id="21" name="Freeform: Shape 20">
+          <p:cNvPr id="20" name="Freeform: Shape 19">
             <a:extLst>
               <a:ext uri="{FF2B5EF4-FFF2-40B4-BE49-F238E27FC236}">
                 <a16:creationId xmlns:a16="http://schemas.microsoft.com/office/drawing/2014/main" id="{0DE1A94F-CC8B-4954-97A7-ADD4F300D647}"/>
               </a:ext>
               <a:ext uri="{C183D7F6-B498-43B3-948B-1728B52AA6E4}">
-                <adec:decorative xmlns:adec="http://schemas.microsoft.com/office/drawing/2017/decorative" val="1"/>
+                <adec:decorative xmlns="" xmlns:adec="http://schemas.microsoft.com/office/drawing/2017/decorative" val="1"/>
               </a:ext>
             </a:extLst>
           </p:cNvPr>
@@ -8613,10 +7902,10 @@
       </p:sp>
       <p:sp>
         <p:nvSpPr>
-          <p:cNvPr id="3" name="TextBox 2">
+          <p:cNvPr id="8" name="TextBox 7">
             <a:extLst>
               <a:ext uri="{FF2B5EF4-FFF2-40B4-BE49-F238E27FC236}">
-                <a16:creationId xmlns:a16="http://schemas.microsoft.com/office/drawing/2014/main" id="{8FC07ED4-6091-488B-AE37-6E2485DEAEAF}"/>
+                <a16:creationId xmlns:a16="http://schemas.microsoft.com/office/drawing/2014/main" id="{38ABBAF4-1E2A-4FA6-BC7D-9A60724F69E9}"/>
               </a:ext>
             </a:extLst>
           </p:cNvPr>
@@ -8625,8 +7914,8 @@
         </p:nvSpPr>
         <p:spPr>
           <a:xfrm>
-            <a:off x="7102136" y="2485748"/>
-            <a:ext cx="4514267" cy="923330"/>
+            <a:off x="2102665" y="5614368"/>
+            <a:ext cx="7572615" cy="1200329"/>
           </a:xfrm>
           <a:prstGeom prst="rect">
             <a:avLst/>
@@ -8641,40 +7930,103 @@
           <a:p>
             <a:r>
               <a:rPr lang="ru-RU" dirty="0"/>
-              <a:t>Создание игры по типу змейки</a:t>
+              <a:t>Заданы два множества точек на плоскости. Построить пересечения и разность этих множеств.</a:t>
             </a:r>
           </a:p>
           <a:p>
             <a:r>
               <a:rPr lang="ru-RU" dirty="0"/>
-              <a:t>Т.е. игровое тело должно управляться с клавиатуры</a:t>
-            </a:r>
-          </a:p>
-        </p:txBody>
-      </p:sp>
-      <p:sp>
-        <p:nvSpPr>
-          <p:cNvPr id="8" name="Стрелка: вправо 7">
+              <a:t/>
+            </a:r>
+            <a:br>
+              <a:rPr lang="ru-RU" dirty="0"/>
+            </a:br>
+            <a:endParaRPr lang="ru-RU" dirty="0"/>
+          </a:p>
+        </p:txBody>
+      </p:sp>
+    </p:spTree>
+    <p:extLst>
+      <p:ext uri="{BB962C8B-B14F-4D97-AF65-F5344CB8AC3E}">
+        <p14:creationId xmlns:p14="http://schemas.microsoft.com/office/powerpoint/2010/main" val="2160229761"/>
+      </p:ext>
+    </p:extLst>
+  </p:cSld>
+  <p:clrMapOvr>
+    <a:masterClrMapping/>
+  </p:clrMapOvr>
+  <p:transition spd="slow">
+    <p:wipe/>
+  </p:transition>
+  <p:timing>
+    <p:tnLst>
+      <p:par>
+        <p:cTn id="1" dur="indefinite" restart="never" nodeType="tmRoot"/>
+      </p:par>
+    </p:tnLst>
+  </p:timing>
+</p:sld>
+</file>
+
+<file path=ppt/slides/slide3.xml><?xml version="1.0" encoding="utf-8"?>
+<p:sld xmlns:a="http://schemas.openxmlformats.org/drawingml/2006/main" xmlns:r="http://schemas.openxmlformats.org/officeDocument/2006/relationships" xmlns:p="http://schemas.openxmlformats.org/presentationml/2006/main">
+  <p:cSld>
+    <p:bg>
+      <p:bgPr>
+        <a:solidFill>
+          <a:schemeClr val="bg2"/>
+        </a:solidFill>
+        <a:effectLst/>
+      </p:bgPr>
+    </p:bg>
+    <p:spTree>
+      <p:nvGrpSpPr>
+        <p:cNvPr id="1" name=""/>
+        <p:cNvGrpSpPr/>
+        <p:nvPr/>
+      </p:nvGrpSpPr>
+      <p:grpSpPr>
+        <a:xfrm>
+          <a:off x="0" y="0"/>
+          <a:ext cx="0" cy="0"/>
+          <a:chOff x="0" y="0"/>
+          <a:chExt cx="0" cy="0"/>
+        </a:xfrm>
+      </p:grpSpPr>
+      <p:sp useBgFill="1">
+        <p:nvSpPr>
+          <p:cNvPr id="12" name="Rectangle 11">
             <a:extLst>
               <a:ext uri="{FF2B5EF4-FFF2-40B4-BE49-F238E27FC236}">
-                <a16:creationId xmlns:a16="http://schemas.microsoft.com/office/drawing/2014/main" id="{724644CF-6515-49E8-B74D-A22DA3359EE9}"/>
+                <a16:creationId xmlns:a16="http://schemas.microsoft.com/office/drawing/2014/main" id="{1D868099-6145-4BC0-A5EA-74BEF1776BA9}"/>
+              </a:ext>
+              <a:ext uri="{C183D7F6-B498-43B3-948B-1728B52AA6E4}">
+                <adec:decorative xmlns="" xmlns:adec="http://schemas.microsoft.com/office/drawing/2017/decorative" val="1"/>
               </a:ext>
             </a:extLst>
           </p:cNvPr>
-          <p:cNvSpPr/>
-          <p:nvPr/>
-        </p:nvSpPr>
-        <p:spPr>
-          <a:xfrm rot="9334358">
-            <a:off x="3627543" y="1442434"/>
-            <a:ext cx="2914021" cy="177802"/>
-          </a:xfrm>
-          <a:prstGeom prst="rightArrow">
-            <a:avLst>
-              <a:gd name="adj1" fmla="val 0"/>
-              <a:gd name="adj2" fmla="val 50000"/>
-            </a:avLst>
+          <p:cNvSpPr>
+            <a:spLocks noGrp="1" noRot="1" noChangeAspect="1" noMove="1" noResize="1" noEditPoints="1" noAdjustHandles="1" noChangeArrowheads="1" noChangeShapeType="1" noTextEdit="1"/>
+          </p:cNvSpPr>
+          <p:nvPr>
+            <p:extLst>
+              <p:ext uri="{386F3935-93C4-4BCD-93E2-E3B085C9AB24}">
+                <p16:designElem xmlns:p16="http://schemas.microsoft.com/office/powerpoint/2015/main" val="1"/>
+              </p:ext>
+            </p:extLst>
+          </p:nvPr>
+        </p:nvSpPr>
+        <p:spPr>
+          <a:xfrm>
+            <a:off x="0" y="0"/>
+            <a:ext cx="12192000" cy="6858000"/>
+          </a:xfrm>
+          <a:prstGeom prst="rect">
+            <a:avLst/>
           </a:prstGeom>
+          <a:ln>
+            <a:noFill/>
+          </a:ln>
         </p:spPr>
         <p:style>
           <a:lnRef idx="2">
@@ -8697,16 +8049,390 @@
           <a:lstStyle/>
           <a:p>
             <a:pPr algn="ctr"/>
-            <a:endParaRPr lang="ru-RU"/>
-          </a:p>
-        </p:txBody>
-      </p:sp>
-      <p:sp>
-        <p:nvSpPr>
-          <p:cNvPr id="9" name="Овал 8">
+            <a:endParaRPr lang="en-US"/>
+          </a:p>
+        </p:txBody>
+      </p:sp>
+      <p:sp>
+        <p:nvSpPr>
+          <p:cNvPr id="2" name="Заголовок 1">
             <a:extLst>
               <a:ext uri="{FF2B5EF4-FFF2-40B4-BE49-F238E27FC236}">
-                <a16:creationId xmlns:a16="http://schemas.microsoft.com/office/drawing/2014/main" id="{C4969652-453E-47AD-858C-142052C24208}"/>
+                <a16:creationId xmlns:a16="http://schemas.microsoft.com/office/drawing/2014/main" id="{CECE1ADE-8A3A-4746-807B-37F4EF200795}"/>
+              </a:ext>
+            </a:extLst>
+          </p:cNvPr>
+          <p:cNvSpPr>
+            <a:spLocks noGrp="1"/>
+          </p:cNvSpPr>
+          <p:nvPr>
+            <p:ph type="title"/>
+          </p:nvPr>
+        </p:nvSpPr>
+        <p:spPr>
+          <a:xfrm>
+            <a:off x="8471424" y="1110882"/>
+            <a:ext cx="3053039" cy="1060817"/>
+          </a:xfrm>
+        </p:spPr>
+        <p:txBody>
+          <a:bodyPr anchor="b">
+            <a:normAutofit/>
+          </a:bodyPr>
+          <a:lstStyle/>
+          <a:p>
+            <a:r>
+              <a:rPr lang="ru-RU" sz="2800"/>
+              <a:t>Математическая модель</a:t>
+            </a:r>
+          </a:p>
+        </p:txBody>
+      </p:sp>
+      <p:pic>
+        <p:nvPicPr>
+          <p:cNvPr id="5" name="Объект 4">
+            <a:extLst>
+              <a:ext uri="{FF2B5EF4-FFF2-40B4-BE49-F238E27FC236}">
+                <a16:creationId xmlns:a16="http://schemas.microsoft.com/office/drawing/2014/main" id="{C902690B-31D2-4B3A-B06E-AB9D7CBE2DA3}"/>
+              </a:ext>
+            </a:extLst>
+          </p:cNvPr>
+          <p:cNvPicPr>
+            <a:picLocks noChangeAspect="1"/>
+          </p:cNvPicPr>
+          <p:nvPr/>
+        </p:nvPicPr>
+        <p:blipFill>
+          <a:blip r:embed="rId2"/>
+          <a:stretch>
+            <a:fillRect/>
+          </a:stretch>
+        </p:blipFill>
+        <p:spPr>
+          <a:xfrm>
+            <a:off x="667537" y="841357"/>
+            <a:ext cx="6900380" cy="5175285"/>
+          </a:xfrm>
+          <a:prstGeom prst="rect">
+            <a:avLst/>
+          </a:prstGeom>
+        </p:spPr>
+      </p:pic>
+      <p:sp>
+        <p:nvSpPr>
+          <p:cNvPr id="9" name="Content Placeholder 8">
+            <a:extLst>
+              <a:ext uri="{FF2B5EF4-FFF2-40B4-BE49-F238E27FC236}">
+                <a16:creationId xmlns:a16="http://schemas.microsoft.com/office/drawing/2014/main" id="{9BF0930E-CBBD-4179-98C2-1FF1F099CAF7}"/>
+              </a:ext>
+            </a:extLst>
+          </p:cNvPr>
+          <p:cNvSpPr>
+            <a:spLocks noGrp="1"/>
+          </p:cNvSpPr>
+          <p:nvPr>
+            <p:ph idx="1"/>
+          </p:nvPr>
+        </p:nvSpPr>
+        <p:spPr>
+          <a:xfrm>
+            <a:off x="8471423" y="2286000"/>
+            <a:ext cx="3053039" cy="3931920"/>
+          </a:xfrm>
+        </p:spPr>
+        <p:txBody>
+          <a:bodyPr>
+            <a:normAutofit/>
+          </a:bodyPr>
+          <a:lstStyle/>
+          <a:p>
+            <a:pPr marL="0" indent="0">
+              <a:buNone/>
+            </a:pPr>
+            <a:r>
+              <a:rPr lang="ru-RU" b="1" dirty="0">
+                <a:solidFill>
+                  <a:schemeClr val="accent6">
+                    <a:lumMod val="75000"/>
+                  </a:schemeClr>
+                </a:solidFill>
+              </a:rPr>
+              <a:t>Пересечение</a:t>
+            </a:r>
+            <a:r>
+              <a:rPr lang="ru-RU" dirty="0">
+                <a:solidFill>
+                  <a:schemeClr val="accent6">
+                    <a:lumMod val="75000"/>
+                  </a:schemeClr>
+                </a:solidFill>
+              </a:rPr>
+              <a:t> </a:t>
+            </a:r>
+            <a:r>
+              <a:rPr lang="ru-RU" b="1" dirty="0">
+                <a:solidFill>
+                  <a:schemeClr val="accent6">
+                    <a:lumMod val="75000"/>
+                  </a:schemeClr>
+                </a:solidFill>
+              </a:rPr>
+              <a:t>множеств</a:t>
+            </a:r>
+            <a:r>
+              <a:rPr lang="ru-RU" dirty="0"/>
+              <a:t> – </a:t>
+            </a:r>
+            <a:r>
+              <a:rPr lang="ru-RU" b="1" dirty="0"/>
+              <a:t>это</a:t>
+            </a:r>
+            <a:r>
+              <a:rPr lang="ru-RU" dirty="0"/>
+              <a:t> </a:t>
+            </a:r>
+            <a:r>
+              <a:rPr lang="ru-RU" b="1" dirty="0"/>
+              <a:t>множество</a:t>
+            </a:r>
+            <a:r>
+              <a:rPr lang="ru-RU" dirty="0"/>
+              <a:t>, которое состоит из всех общих элементов исходных </a:t>
+            </a:r>
+            <a:r>
+              <a:rPr lang="ru-RU" b="1" dirty="0"/>
+              <a:t>множеств</a:t>
+            </a:r>
+            <a:r>
+              <a:rPr lang="ru-RU" dirty="0"/>
+              <a:t>. </a:t>
+            </a:r>
+          </a:p>
+          <a:p>
+            <a:pPr marL="0" indent="0">
+              <a:buNone/>
+            </a:pPr>
+            <a:r>
+              <a:rPr lang="ru-RU" b="1" dirty="0">
+                <a:solidFill>
+                  <a:schemeClr val="accent6">
+                    <a:lumMod val="75000"/>
+                  </a:schemeClr>
+                </a:solidFill>
+              </a:rPr>
+              <a:t>Разностью</a:t>
+            </a:r>
+            <a:r>
+              <a:rPr lang="ru-RU" dirty="0">
+                <a:solidFill>
+                  <a:schemeClr val="accent6">
+                    <a:lumMod val="75000"/>
+                  </a:schemeClr>
+                </a:solidFill>
+              </a:rPr>
+              <a:t> </a:t>
+            </a:r>
+            <a:r>
+              <a:rPr lang="ru-RU" b="1" dirty="0">
+                <a:solidFill>
+                  <a:schemeClr val="accent6">
+                    <a:lumMod val="75000"/>
+                  </a:schemeClr>
+                </a:solidFill>
+              </a:rPr>
+              <a:t>множеств</a:t>
+            </a:r>
+            <a:r>
+              <a:rPr lang="ru-RU" dirty="0"/>
+              <a:t> X и Y называется </a:t>
+            </a:r>
+            <a:r>
+              <a:rPr lang="ru-RU" b="1" dirty="0"/>
+              <a:t>множество</a:t>
+            </a:r>
+            <a:r>
+              <a:rPr lang="ru-RU" dirty="0"/>
+              <a:t>, состоящее из всех тех и только тех элементов, которые принадлежат X и не принадлежат Y.</a:t>
+            </a:r>
+            <a:endParaRPr lang="en-US" sz="1600" dirty="0"/>
+          </a:p>
+        </p:txBody>
+      </p:sp>
+      <p:sp>
+        <p:nvSpPr>
+          <p:cNvPr id="20" name="Freeform 6">
+            <a:extLst>
+              <a:ext uri="{FF2B5EF4-FFF2-40B4-BE49-F238E27FC236}">
+                <a16:creationId xmlns:a16="http://schemas.microsoft.com/office/drawing/2014/main" id="{CC1026F7-DECB-49B4-A565-518BBA445471}"/>
+              </a:ext>
+              <a:ext uri="{C183D7F6-B498-43B3-948B-1728B52AA6E4}">
+                <adec:decorative xmlns="" xmlns:adec="http://schemas.microsoft.com/office/drawing/2017/decorative" val="1"/>
+              </a:ext>
+            </a:extLst>
+          </p:cNvPr>
+          <p:cNvSpPr>
+            <a:spLocks noGrp="1" noRot="1" noChangeAspect="1" noMove="1" noResize="1" noEditPoints="1" noAdjustHandles="1" noChangeArrowheads="1" noChangeShapeType="1" noTextEdit="1"/>
+          </p:cNvSpPr>
+          <p:nvPr>
+            <p:extLst>
+              <p:ext uri="{386F3935-93C4-4BCD-93E2-E3B085C9AB24}">
+                <p16:designElem xmlns:p16="http://schemas.microsoft.com/office/powerpoint/2015/main" val="1"/>
+              </p:ext>
+            </p:extLst>
+          </p:nvPr>
+        </p:nvSpPr>
+        <p:spPr bwMode="auto">
+          <a:xfrm flipH="1" flipV="1">
+            <a:off x="7983434" y="640080"/>
+            <a:ext cx="2296028" cy="3674981"/>
+          </a:xfrm>
+          <a:custGeom>
+            <a:avLst/>
+            <a:gdLst/>
+            <a:ahLst/>
+            <a:cxnLst/>
+            <a:rect l="l" t="t" r="r" b="b"/>
+            <a:pathLst>
+              <a:path w="10002" h="10000">
+                <a:moveTo>
+                  <a:pt x="8763" y="0"/>
+                </a:moveTo>
+                <a:lnTo>
+                  <a:pt x="10002" y="0"/>
+                </a:lnTo>
+                <a:lnTo>
+                  <a:pt x="10002" y="10000"/>
+                </a:lnTo>
+                <a:lnTo>
+                  <a:pt x="2" y="10000"/>
+                </a:lnTo>
+                <a:cubicBezTo>
+                  <a:pt x="-2" y="9698"/>
+                  <a:pt x="4" y="9427"/>
+                  <a:pt x="0" y="9125"/>
+                </a:cubicBezTo>
+                <a:lnTo>
+                  <a:pt x="8763" y="9128"/>
+                </a:lnTo>
+                <a:lnTo>
+                  <a:pt x="8763" y="0"/>
+                </a:lnTo>
+                <a:close/>
+              </a:path>
+            </a:pathLst>
+          </a:custGeom>
+          <a:solidFill>
+            <a:schemeClr val="tx2"/>
+          </a:solidFill>
+          <a:ln w="0">
+            <a:noFill/>
+            <a:prstDash val="solid"/>
+            <a:round/>
+            <a:headEnd/>
+            <a:tailEnd/>
+          </a:ln>
+        </p:spPr>
+      </p:sp>
+    </p:spTree>
+    <p:extLst>
+      <p:ext uri="{BB962C8B-B14F-4D97-AF65-F5344CB8AC3E}">
+        <p14:creationId xmlns:p14="http://schemas.microsoft.com/office/powerpoint/2010/main" val="4083783788"/>
+      </p:ext>
+    </p:extLst>
+  </p:cSld>
+  <p:clrMapOvr>
+    <a:masterClrMapping/>
+  </p:clrMapOvr>
+  <p:timing>
+    <p:tnLst>
+      <p:par>
+        <p:cTn id="1" dur="indefinite" restart="never" nodeType="tmRoot"/>
+      </p:par>
+    </p:tnLst>
+  </p:timing>
+</p:sld>
+</file>
+
+<file path=ppt/slides/slide4.xml><?xml version="1.0" encoding="utf-8"?>
+<p:sld xmlns:a="http://schemas.openxmlformats.org/drawingml/2006/main" xmlns:r="http://schemas.openxmlformats.org/officeDocument/2006/relationships" xmlns:p="http://schemas.openxmlformats.org/presentationml/2006/main">
+  <p:cSld>
+    <p:spTree>
+      <p:nvGrpSpPr>
+        <p:cNvPr id="1" name=""/>
+        <p:cNvGrpSpPr/>
+        <p:nvPr/>
+      </p:nvGrpSpPr>
+      <p:grpSpPr>
+        <a:xfrm>
+          <a:off x="0" y="0"/>
+          <a:ext cx="0" cy="0"/>
+          <a:chOff x="0" y="0"/>
+          <a:chExt cx="0" cy="0"/>
+        </a:xfrm>
+      </p:grpSpPr>
+      <p:pic>
+        <p:nvPicPr>
+          <p:cNvPr id="11" name="Рисунок 10"/>
+          <p:cNvPicPr>
+            <a:picLocks noChangeAspect="1"/>
+          </p:cNvPicPr>
+          <p:nvPr/>
+        </p:nvPicPr>
+        <p:blipFill>
+          <a:blip r:embed="rId2"/>
+          <a:stretch>
+            <a:fillRect/>
+          </a:stretch>
+        </p:blipFill>
+        <p:spPr>
+          <a:xfrm>
+            <a:off x="1869309" y="1452358"/>
+            <a:ext cx="8500985" cy="4870085"/>
+          </a:xfrm>
+          <a:prstGeom prst="rect">
+            <a:avLst/>
+          </a:prstGeom>
+        </p:spPr>
+      </p:pic>
+      <p:sp>
+        <p:nvSpPr>
+          <p:cNvPr id="2" name="Заголовок 1">
+            <a:extLst>
+              <a:ext uri="{FF2B5EF4-FFF2-40B4-BE49-F238E27FC236}">
+                <a16:creationId xmlns:a16="http://schemas.microsoft.com/office/drawing/2014/main" id="{8E228A32-1B26-4974-B210-9D44A4C84807}"/>
+              </a:ext>
+            </a:extLst>
+          </p:cNvPr>
+          <p:cNvSpPr>
+            <a:spLocks noGrp="1"/>
+          </p:cNvSpPr>
+          <p:nvPr>
+            <p:ph type="title"/>
+          </p:nvPr>
+        </p:nvSpPr>
+        <p:spPr>
+          <a:xfrm>
+            <a:off x="2723226" y="169927"/>
+            <a:ext cx="8392558" cy="1485900"/>
+          </a:xfrm>
+        </p:spPr>
+        <p:txBody>
+          <a:bodyPr/>
+          <a:lstStyle/>
+          <a:p>
+            <a:r>
+              <a:rPr lang="ru-RU" dirty="0"/>
+              <a:t>Входные и выходные данные</a:t>
+            </a:r>
+          </a:p>
+        </p:txBody>
+      </p:sp>
+      <p:sp>
+        <p:nvSpPr>
+          <p:cNvPr id="4" name="Овал 3" descr="двойное нажатие на панель&#10;">
+            <a:extLst>
+              <a:ext uri="{FF2B5EF4-FFF2-40B4-BE49-F238E27FC236}">
+                <a16:creationId xmlns:a16="http://schemas.microsoft.com/office/drawing/2014/main" id="{E78634E4-735E-4B50-8FB3-1FEC70ED0CF0}"/>
               </a:ext>
             </a:extLst>
           </p:cNvPr>
@@ -8715,14 +8441,17 @@
         </p:nvSpPr>
         <p:spPr>
           <a:xfrm>
-            <a:off x="3278229" y="2183658"/>
-            <a:ext cx="167172" cy="160048"/>
+            <a:off x="10000922" y="1531987"/>
+            <a:ext cx="2148396" cy="1225119"/>
           </a:xfrm>
           <a:prstGeom prst="ellipse">
             <a:avLst/>
           </a:prstGeom>
           <a:solidFill>
-            <a:srgbClr val="FF0000"/>
+            <a:schemeClr val="accent6">
+              <a:lumMod val="60000"/>
+              <a:lumOff val="40000"/>
+            </a:schemeClr>
           </a:solidFill>
         </p:spPr>
         <p:style>
@@ -8746,16 +8475,23 @@
           <a:lstStyle/>
           <a:p>
             <a:pPr algn="ctr"/>
-            <a:endParaRPr lang="ru-RU"/>
-          </a:p>
-        </p:txBody>
-      </p:sp>
-      <p:sp>
-        <p:nvSpPr>
-          <p:cNvPr id="11" name="Овал 10">
+            <a:r>
+              <a:rPr lang="ru-RU" dirty="0">
+                <a:solidFill>
+                  <a:schemeClr val="tx1"/>
+                </a:solidFill>
+              </a:rPr>
+              <a:t>Двойное нажатие на панель</a:t>
+            </a:r>
+          </a:p>
+        </p:txBody>
+      </p:sp>
+      <p:sp>
+        <p:nvSpPr>
+          <p:cNvPr id="5" name="Овал 4">
             <a:extLst>
               <a:ext uri="{FF2B5EF4-FFF2-40B4-BE49-F238E27FC236}">
-                <a16:creationId xmlns:a16="http://schemas.microsoft.com/office/drawing/2014/main" id="{5974482A-8BBE-4FA2-9DB2-C0A331AA6EBA}"/>
+                <a16:creationId xmlns:a16="http://schemas.microsoft.com/office/drawing/2014/main" id="{B2642655-6B1B-4BBD-A40D-7F5419C81450}"/>
               </a:ext>
             </a:extLst>
           </p:cNvPr>
@@ -8764,14 +8500,14 @@
         </p:nvSpPr>
         <p:spPr>
           <a:xfrm>
-            <a:off x="2710868" y="1600761"/>
-            <a:ext cx="174375" cy="169781"/>
+            <a:off x="663607" y="176478"/>
+            <a:ext cx="2059619" cy="1225119"/>
           </a:xfrm>
           <a:prstGeom prst="ellipse">
             <a:avLst/>
           </a:prstGeom>
           <a:solidFill>
-            <a:srgbClr val="0070C0"/>
+            <a:schemeClr val="bg1"/>
           </a:solidFill>
         </p:spPr>
         <p:style>
@@ -8795,287 +8531,6 @@
           <a:lstStyle/>
           <a:p>
             <a:pPr algn="ctr"/>
-            <a:endParaRPr lang="ru-RU"/>
-          </a:p>
-        </p:txBody>
-      </p:sp>
-      <p:sp>
-        <p:nvSpPr>
-          <p:cNvPr id="12" name="TextBox 11">
-            <a:extLst>
-              <a:ext uri="{FF2B5EF4-FFF2-40B4-BE49-F238E27FC236}">
-                <a16:creationId xmlns:a16="http://schemas.microsoft.com/office/drawing/2014/main" id="{E6909C60-28F3-40D1-AA24-DC33370F8A25}"/>
-              </a:ext>
-            </a:extLst>
-          </p:cNvPr>
-          <p:cNvSpPr txBox="1"/>
-          <p:nvPr/>
-        </p:nvSpPr>
-        <p:spPr>
-          <a:xfrm>
-            <a:off x="6444596" y="715215"/>
-            <a:ext cx="3746376" cy="369332"/>
-          </a:xfrm>
-          <a:prstGeom prst="rect">
-            <a:avLst/>
-          </a:prstGeom>
-          <a:noFill/>
-        </p:spPr>
-        <p:txBody>
-          <a:bodyPr wrap="square" rtlCol="0">
-            <a:spAutoFit/>
-          </a:bodyPr>
-          <a:lstStyle/>
-          <a:p>
-            <a:r>
-              <a:rPr lang="ru-RU" dirty="0"/>
-              <a:t>Игровое тело </a:t>
-            </a:r>
-          </a:p>
-        </p:txBody>
-      </p:sp>
-      <p:pic>
-        <p:nvPicPr>
-          <p:cNvPr id="24" name="Рисунок 23" descr="Змея">
-            <a:extLst>
-              <a:ext uri="{FF2B5EF4-FFF2-40B4-BE49-F238E27FC236}">
-                <a16:creationId xmlns:a16="http://schemas.microsoft.com/office/drawing/2014/main" id="{A833C220-02E4-4AAB-9365-514BF123F6E5}"/>
-              </a:ext>
-            </a:extLst>
-          </p:cNvPr>
-          <p:cNvPicPr>
-            <a:picLocks noChangeAspect="1"/>
-          </p:cNvPicPr>
-          <p:nvPr/>
-        </p:nvPicPr>
-        <p:blipFill>
-          <a:blip r:embed="rId3">
-            <a:extLst>
-              <a:ext uri="{96DAC541-7B7A-43D3-8B79-37D633B846F1}">
-                <asvg:svgBlip xmlns:asvg="http://schemas.microsoft.com/office/drawing/2016/SVG/main" r:embed="rId4"/>
-              </a:ext>
-            </a:extLst>
-          </a:blip>
-          <a:stretch>
-            <a:fillRect/>
-          </a:stretch>
-        </p:blipFill>
-        <p:spPr>
-          <a:xfrm>
-            <a:off x="1795629" y="4757503"/>
-            <a:ext cx="914400" cy="914400"/>
-          </a:xfrm>
-          <a:prstGeom prst="rect">
-            <a:avLst/>
-          </a:prstGeom>
-        </p:spPr>
-      </p:pic>
-      <p:pic>
-        <p:nvPicPr>
-          <p:cNvPr id="26" name="Рисунок 25" descr="Вопросы">
-            <a:extLst>
-              <a:ext uri="{FF2B5EF4-FFF2-40B4-BE49-F238E27FC236}">
-                <a16:creationId xmlns:a16="http://schemas.microsoft.com/office/drawing/2014/main" id="{73531944-368E-4C3B-954F-476A979D7224}"/>
-              </a:ext>
-            </a:extLst>
-          </p:cNvPr>
-          <p:cNvPicPr>
-            <a:picLocks noChangeAspect="1"/>
-          </p:cNvPicPr>
-          <p:nvPr/>
-        </p:nvPicPr>
-        <p:blipFill>
-          <a:blip r:embed="rId5">
-            <a:extLst>
-              <a:ext uri="{96DAC541-7B7A-43D3-8B79-37D633B846F1}">
-                <asvg:svgBlip xmlns:asvg="http://schemas.microsoft.com/office/drawing/2016/SVG/main" r:embed="rId6"/>
-              </a:ext>
-            </a:extLst>
-          </a:blip>
-          <a:stretch>
-            <a:fillRect/>
-          </a:stretch>
-        </p:blipFill>
-        <p:spPr>
-          <a:xfrm>
-            <a:off x="10466773" y="392533"/>
-            <a:ext cx="960202" cy="960202"/>
-          </a:xfrm>
-          <a:prstGeom prst="rect">
-            <a:avLst/>
-          </a:prstGeom>
-        </p:spPr>
-      </p:pic>
-    </p:spTree>
-    <p:extLst>
-      <p:ext uri="{BB962C8B-B14F-4D97-AF65-F5344CB8AC3E}">
-        <p14:creationId xmlns:p14="http://schemas.microsoft.com/office/powerpoint/2010/main" val="3522406349"/>
-      </p:ext>
-    </p:extLst>
-  </p:cSld>
-  <p:clrMapOvr>
-    <a:masterClrMapping/>
-  </p:clrMapOvr>
-  <p:transition spd="slow">
-    <p:push dir="u"/>
-  </p:transition>
-</p:sld>
-</file>
-
-<file path=ppt/slides/slide5.xml><?xml version="1.0" encoding="utf-8"?>
-<p:sld xmlns:a="http://schemas.openxmlformats.org/drawingml/2006/main" xmlns:r="http://schemas.openxmlformats.org/officeDocument/2006/relationships" xmlns:p="http://schemas.openxmlformats.org/presentationml/2006/main">
-  <p:cSld>
-    <p:spTree>
-      <p:nvGrpSpPr>
-        <p:cNvPr id="1" name=""/>
-        <p:cNvGrpSpPr/>
-        <p:nvPr/>
-      </p:nvGrpSpPr>
-      <p:grpSpPr>
-        <a:xfrm>
-          <a:off x="0" y="0"/>
-          <a:ext cx="0" cy="0"/>
-          <a:chOff x="0" y="0"/>
-          <a:chExt cx="0" cy="0"/>
-        </a:xfrm>
-      </p:grpSpPr>
-      <p:sp>
-        <p:nvSpPr>
-          <p:cNvPr id="2" name="Заголовок 1">
-            <a:extLst>
-              <a:ext uri="{FF2B5EF4-FFF2-40B4-BE49-F238E27FC236}">
-                <a16:creationId xmlns:a16="http://schemas.microsoft.com/office/drawing/2014/main" id="{8E228A32-1B26-4974-B210-9D44A4C84807}"/>
-              </a:ext>
-            </a:extLst>
-          </p:cNvPr>
-          <p:cNvSpPr>
-            <a:spLocks noGrp="1"/>
-          </p:cNvSpPr>
-          <p:nvPr>
-            <p:ph type="title"/>
-          </p:nvPr>
-        </p:nvSpPr>
-        <p:spPr>
-          <a:xfrm>
-            <a:off x="2723226" y="169927"/>
-            <a:ext cx="8392558" cy="1485900"/>
-          </a:xfrm>
-        </p:spPr>
-        <p:txBody>
-          <a:bodyPr/>
-          <a:lstStyle/>
-          <a:p>
-            <a:r>
-              <a:rPr lang="ru-RU" dirty="0"/>
-              <a:t>Входные и выходные данные</a:t>
-            </a:r>
-          </a:p>
-        </p:txBody>
-      </p:sp>
-      <p:sp>
-        <p:nvSpPr>
-          <p:cNvPr id="4" name="Овал 3" descr="двойное нажатие на панель&#10;">
-            <a:extLst>
-              <a:ext uri="{FF2B5EF4-FFF2-40B4-BE49-F238E27FC236}">
-                <a16:creationId xmlns:a16="http://schemas.microsoft.com/office/drawing/2014/main" id="{E78634E4-735E-4B50-8FB3-1FEC70ED0CF0}"/>
-              </a:ext>
-            </a:extLst>
-          </p:cNvPr>
-          <p:cNvSpPr/>
-          <p:nvPr/>
-        </p:nvSpPr>
-        <p:spPr>
-          <a:xfrm>
-            <a:off x="9576585" y="1134845"/>
-            <a:ext cx="2148396" cy="1225119"/>
-          </a:xfrm>
-          <a:prstGeom prst="ellipse">
-            <a:avLst/>
-          </a:prstGeom>
-          <a:solidFill>
-            <a:schemeClr val="accent6">
-              <a:lumMod val="60000"/>
-              <a:lumOff val="40000"/>
-            </a:schemeClr>
-          </a:solidFill>
-        </p:spPr>
-        <p:style>
-          <a:lnRef idx="2">
-            <a:schemeClr val="accent1">
-              <a:shade val="50000"/>
-            </a:schemeClr>
-          </a:lnRef>
-          <a:fillRef idx="1">
-            <a:schemeClr val="accent1"/>
-          </a:fillRef>
-          <a:effectRef idx="0">
-            <a:schemeClr val="accent1"/>
-          </a:effectRef>
-          <a:fontRef idx="minor">
-            <a:schemeClr val="lt1"/>
-          </a:fontRef>
-        </p:style>
-        <p:txBody>
-          <a:bodyPr rtlCol="0" anchor="ctr"/>
-          <a:lstStyle/>
-          <a:p>
-            <a:pPr algn="ctr"/>
-            <a:r>
-              <a:rPr lang="ru-RU" dirty="0">
-                <a:solidFill>
-                  <a:schemeClr val="tx1"/>
-                </a:solidFill>
-              </a:rPr>
-              <a:t>Двойное нажатие на панель</a:t>
-            </a:r>
-          </a:p>
-        </p:txBody>
-      </p:sp>
-      <p:sp>
-        <p:nvSpPr>
-          <p:cNvPr id="5" name="Овал 4">
-            <a:extLst>
-              <a:ext uri="{FF2B5EF4-FFF2-40B4-BE49-F238E27FC236}">
-                <a16:creationId xmlns:a16="http://schemas.microsoft.com/office/drawing/2014/main" id="{B2642655-6B1B-4BBD-A40D-7F5419C81450}"/>
-              </a:ext>
-            </a:extLst>
-          </p:cNvPr>
-          <p:cNvSpPr/>
-          <p:nvPr/>
-        </p:nvSpPr>
-        <p:spPr>
-          <a:xfrm>
-            <a:off x="1076216" y="1134845"/>
-            <a:ext cx="2059619" cy="1225119"/>
-          </a:xfrm>
-          <a:prstGeom prst="ellipse">
-            <a:avLst/>
-          </a:prstGeom>
-          <a:solidFill>
-            <a:schemeClr val="bg1"/>
-          </a:solidFill>
-        </p:spPr>
-        <p:style>
-          <a:lnRef idx="2">
-            <a:schemeClr val="accent1">
-              <a:shade val="50000"/>
-            </a:schemeClr>
-          </a:lnRef>
-          <a:fillRef idx="1">
-            <a:schemeClr val="accent1"/>
-          </a:fillRef>
-          <a:effectRef idx="0">
-            <a:schemeClr val="accent1"/>
-          </a:effectRef>
-          <a:fontRef idx="minor">
-            <a:schemeClr val="lt1"/>
-          </a:fontRef>
-        </p:style>
-        <p:txBody>
-          <a:bodyPr rtlCol="0" anchor="ctr"/>
-          <a:lstStyle/>
-          <a:p>
-            <a:pPr algn="ctr"/>
             <a:r>
               <a:rPr lang="ru-RU" dirty="0"/>
               <a:t> </a:t>
@@ -9098,35 +8553,6 @@
           </a:p>
         </p:txBody>
       </p:sp>
-      <p:pic>
-        <p:nvPicPr>
-          <p:cNvPr id="8" name="Рисунок 7">
-            <a:extLst>
-              <a:ext uri="{FF2B5EF4-FFF2-40B4-BE49-F238E27FC236}">
-                <a16:creationId xmlns:a16="http://schemas.microsoft.com/office/drawing/2014/main" id="{53CC39E2-354E-44DC-BFAD-CBA010D68F66}"/>
-              </a:ext>
-            </a:extLst>
-          </p:cNvPr>
-          <p:cNvPicPr>
-            <a:picLocks noChangeAspect="1"/>
-          </p:cNvPicPr>
-          <p:nvPr/>
-        </p:nvPicPr>
-        <p:blipFill rotWithShape="1">
-          <a:blip r:embed="rId2"/>
-          <a:srcRect l="4747" t="5426" r="2048" b="10068"/>
-          <a:stretch/>
-        </p:blipFill>
-        <p:spPr>
-          <a:xfrm>
-            <a:off x="2741916" y="2747780"/>
-            <a:ext cx="6650251" cy="3821587"/>
-          </a:xfrm>
-          <a:prstGeom prst="rect">
-            <a:avLst/>
-          </a:prstGeom>
-        </p:spPr>
-      </p:pic>
       <p:sp>
         <p:nvSpPr>
           <p:cNvPr id="6" name="Стрелка: вправо 5">
@@ -9141,7 +8567,7 @@
         </p:nvSpPr>
         <p:spPr>
           <a:xfrm rot="2724992">
-            <a:off x="2359171" y="2710251"/>
+            <a:off x="2137539" y="1615940"/>
             <a:ext cx="1553327" cy="330692"/>
           </a:xfrm>
           <a:prstGeom prst="rightArrow">
@@ -9253,10 +8679,17 @@
       </p:transition>
     </mc:Fallback>
   </mc:AlternateContent>
+  <p:timing>
+    <p:tnLst>
+      <p:par>
+        <p:cTn id="1" dur="indefinite" restart="never" nodeType="tmRoot"/>
+      </p:par>
+    </p:tnLst>
+  </p:timing>
 </p:sld>
 </file>
 
-<file path=ppt/slides/slide6.xml><?xml version="1.0" encoding="utf-8"?>
+<file path=ppt/slides/slide5.xml><?xml version="1.0" encoding="utf-8"?>
 <p:sld xmlns:a="http://schemas.openxmlformats.org/drawingml/2006/main" xmlns:r="http://schemas.openxmlformats.org/officeDocument/2006/relationships" xmlns:p="http://schemas.openxmlformats.org/presentationml/2006/main">
   <p:cSld>
     <p:bg>
@@ -9289,7 +8722,7 @@
                 <a16:creationId xmlns:a16="http://schemas.microsoft.com/office/drawing/2014/main" id="{449BC34D-9C23-4D6D-8213-1F471AF85B3F}"/>
               </a:ext>
               <a:ext uri="{C183D7F6-B498-43B3-948B-1728B52AA6E4}">
-                <adec:decorative xmlns:adec="http://schemas.microsoft.com/office/drawing/2017/decorative" val="1"/>
+                <adec:decorative xmlns="" xmlns:adec="http://schemas.microsoft.com/office/drawing/2017/decorative" val="1"/>
               </a:ext>
             </a:extLst>
           </p:cNvPr>
@@ -9320,7 +8753,7 @@
                   <a16:creationId xmlns:a16="http://schemas.microsoft.com/office/drawing/2014/main" id="{FA0F5D6C-5025-4D7E-82DD-C2C6FDA1E759}"/>
                 </a:ext>
                 <a:ext uri="{C183D7F6-B498-43B3-948B-1728B52AA6E4}">
-                  <adec:decorative xmlns:adec="http://schemas.microsoft.com/office/drawing/2017/decorative" val="1"/>
+                  <adec:decorative xmlns="" xmlns:adec="http://schemas.microsoft.com/office/drawing/2017/decorative" val="1"/>
                 </a:ext>
               </a:extLst>
             </p:cNvPr>
@@ -9391,7 +8824,7 @@
                   <a16:creationId xmlns:a16="http://schemas.microsoft.com/office/drawing/2014/main" id="{E2AF2C17-4AB4-4402-B84B-129EF95D161C}"/>
                 </a:ext>
                 <a:ext uri="{C183D7F6-B498-43B3-948B-1728B52AA6E4}">
-                  <adec:decorative xmlns:adec="http://schemas.microsoft.com/office/drawing/2017/decorative" val="1"/>
+                  <adec:decorative xmlns="" xmlns:adec="http://schemas.microsoft.com/office/drawing/2017/decorative" val="1"/>
                 </a:ext>
               </a:extLst>
             </p:cNvPr>
@@ -9465,7 +8898,7 @@
                 <a16:creationId xmlns:a16="http://schemas.microsoft.com/office/drawing/2014/main" id="{1F9A0C1C-8ABC-401B-8FE9-AC9327C4C587}"/>
               </a:ext>
               <a:ext uri="{C183D7F6-B498-43B3-948B-1728B52AA6E4}">
-                <adec:decorative xmlns:adec="http://schemas.microsoft.com/office/drawing/2017/decorative" val="1"/>
+                <adec:decorative xmlns="" xmlns:adec="http://schemas.microsoft.com/office/drawing/2017/decorative" val="1"/>
               </a:ext>
             </a:extLst>
           </p:cNvPr>
@@ -9608,7 +9041,7 @@
                 <a16:creationId xmlns:a16="http://schemas.microsoft.com/office/drawing/2014/main" id="{BA5783C3-2F96-40A7-A24F-30CB07AA3928}"/>
               </a:ext>
               <a:ext uri="{C183D7F6-B498-43B3-948B-1728B52AA6E4}">
-                <adec:decorative xmlns:adec="http://schemas.microsoft.com/office/drawing/2017/decorative" val="1"/>
+                <adec:decorative xmlns="" xmlns:adec="http://schemas.microsoft.com/office/drawing/2017/decorative" val="1"/>
               </a:ext>
             </a:extLst>
           </p:cNvPr>
@@ -9683,7 +9116,7 @@
                 <a16:creationId xmlns:a16="http://schemas.microsoft.com/office/drawing/2014/main" id="{A9D08DBA-0326-4C4E-ACFB-576F3ABDD2D0}"/>
               </a:ext>
               <a:ext uri="{C183D7F6-B498-43B3-948B-1728B52AA6E4}">
-                <adec:decorative xmlns:adec="http://schemas.microsoft.com/office/drawing/2017/decorative" val="1"/>
+                <adec:decorative xmlns="" xmlns:adec="http://schemas.microsoft.com/office/drawing/2017/decorative" val="1"/>
               </a:ext>
             </a:extLst>
           </p:cNvPr>
@@ -9790,10 +9223,17 @@
   <p:transition spd="slow">
     <p:randomBar dir="vert"/>
   </p:transition>
+  <p:timing>
+    <p:tnLst>
+      <p:par>
+        <p:cTn id="1" dur="indefinite" restart="never" nodeType="tmRoot"/>
+      </p:par>
+    </p:tnLst>
+  </p:timing>
 </p:sld>
 </file>
 
-<file path=ppt/slides/slide7.xml><?xml version="1.0" encoding="utf-8"?>
+<file path=ppt/slides/slide6.xml><?xml version="1.0" encoding="utf-8"?>
 <p:sld xmlns:a="http://schemas.openxmlformats.org/drawingml/2006/main" xmlns:r="http://schemas.openxmlformats.org/officeDocument/2006/relationships" xmlns:p="http://schemas.openxmlformats.org/presentationml/2006/main">
   <p:cSld>
     <p:spTree>
@@ -10454,6 +9894,233 @@
       </p:transition>
     </mc:Fallback>
   </mc:AlternateContent>
+  <p:timing>
+    <p:tnLst>
+      <p:par>
+        <p:cTn id="1" dur="indefinite" restart="never" nodeType="tmRoot"/>
+      </p:par>
+    </p:tnLst>
+  </p:timing>
+</p:sld>
+</file>
+
+<file path=ppt/slides/slide7.xml><?xml version="1.0" encoding="utf-8"?>
+<p:sld xmlns:a="http://schemas.openxmlformats.org/drawingml/2006/main" xmlns:r="http://schemas.openxmlformats.org/officeDocument/2006/relationships" xmlns:p="http://schemas.openxmlformats.org/presentationml/2006/main">
+  <p:cSld>
+    <p:spTree>
+      <p:nvGrpSpPr>
+        <p:cNvPr id="1" name=""/>
+        <p:cNvGrpSpPr/>
+        <p:nvPr/>
+      </p:nvGrpSpPr>
+      <p:grpSpPr>
+        <a:xfrm>
+          <a:off x="0" y="0"/>
+          <a:ext cx="0" cy="0"/>
+          <a:chOff x="0" y="0"/>
+          <a:chExt cx="0" cy="0"/>
+        </a:xfrm>
+      </p:grpSpPr>
+      <p:sp>
+        <p:nvSpPr>
+          <p:cNvPr id="2" name="Заголовок 1">
+            <a:extLst>
+              <a:ext uri="{FF2B5EF4-FFF2-40B4-BE49-F238E27FC236}">
+                <a16:creationId xmlns:a16="http://schemas.microsoft.com/office/drawing/2014/main" id="{84FD5444-9FE6-4B94-94A2-B621CE3FCFE9}"/>
+              </a:ext>
+            </a:extLst>
+          </p:cNvPr>
+          <p:cNvSpPr>
+            <a:spLocks noGrp="1"/>
+          </p:cNvSpPr>
+          <p:nvPr>
+            <p:ph type="title"/>
+          </p:nvPr>
+        </p:nvSpPr>
+        <p:spPr>
+          <a:xfrm>
+            <a:off x="2658862" y="0"/>
+            <a:ext cx="7967709" cy="742950"/>
+          </a:xfrm>
+        </p:spPr>
+        <p:txBody>
+          <a:bodyPr/>
+          <a:lstStyle/>
+          <a:p>
+            <a:r>
+              <a:rPr lang="ru-RU" dirty="0"/>
+              <a:t>Пример работы программы </a:t>
+            </a:r>
+          </a:p>
+        </p:txBody>
+      </p:sp>
+      <p:sp>
+        <p:nvSpPr>
+          <p:cNvPr id="12" name="Стрелка: вправо 11">
+            <a:extLst>
+              <a:ext uri="{FF2B5EF4-FFF2-40B4-BE49-F238E27FC236}">
+                <a16:creationId xmlns:a16="http://schemas.microsoft.com/office/drawing/2014/main" id="{37373473-D075-4C8C-BFE2-1E8E61A7F6E5}"/>
+              </a:ext>
+            </a:extLst>
+          </p:cNvPr>
+          <p:cNvSpPr/>
+          <p:nvPr/>
+        </p:nvSpPr>
+        <p:spPr>
+          <a:xfrm>
+            <a:off x="5125930" y="3259722"/>
+            <a:ext cx="1979721" cy="563656"/>
+          </a:xfrm>
+          <a:prstGeom prst="rightArrow">
+            <a:avLst/>
+          </a:prstGeom>
+          <a:solidFill>
+            <a:schemeClr val="accent2">
+              <a:lumMod val="40000"/>
+              <a:lumOff val="60000"/>
+            </a:schemeClr>
+          </a:solidFill>
+        </p:spPr>
+        <p:style>
+          <a:lnRef idx="2">
+            <a:schemeClr val="accent1">
+              <a:shade val="50000"/>
+            </a:schemeClr>
+          </a:lnRef>
+          <a:fillRef idx="1">
+            <a:schemeClr val="accent1"/>
+          </a:fillRef>
+          <a:effectRef idx="0">
+            <a:schemeClr val="accent1"/>
+          </a:effectRef>
+          <a:fontRef idx="minor">
+            <a:schemeClr val="lt1"/>
+          </a:fontRef>
+        </p:style>
+        <p:txBody>
+          <a:bodyPr rtlCol="0" anchor="ctr"/>
+          <a:lstStyle/>
+          <a:p>
+            <a:pPr algn="ctr"/>
+            <a:endParaRPr lang="ru-RU"/>
+          </a:p>
+        </p:txBody>
+      </p:sp>
+      <p:pic>
+        <p:nvPicPr>
+          <p:cNvPr id="3" name="Рисунок 2"/>
+          <p:cNvPicPr>
+            <a:picLocks noChangeAspect="1"/>
+          </p:cNvPicPr>
+          <p:nvPr/>
+        </p:nvPicPr>
+        <p:blipFill>
+          <a:blip r:embed="rId2"/>
+          <a:stretch>
+            <a:fillRect/>
+          </a:stretch>
+        </p:blipFill>
+        <p:spPr>
+          <a:xfrm>
+            <a:off x="1291828" y="643205"/>
+            <a:ext cx="3356500" cy="3180173"/>
+          </a:xfrm>
+          <a:prstGeom prst="rect">
+            <a:avLst/>
+          </a:prstGeom>
+        </p:spPr>
+      </p:pic>
+      <p:pic>
+        <p:nvPicPr>
+          <p:cNvPr id="4" name="Рисунок 3"/>
+          <p:cNvPicPr>
+            <a:picLocks noChangeAspect="1"/>
+          </p:cNvPicPr>
+          <p:nvPr/>
+        </p:nvPicPr>
+        <p:blipFill>
+          <a:blip r:embed="rId3"/>
+          <a:stretch>
+            <a:fillRect/>
+          </a:stretch>
+        </p:blipFill>
+        <p:spPr>
+          <a:xfrm>
+            <a:off x="1291828" y="3608847"/>
+            <a:ext cx="3356500" cy="3191841"/>
+          </a:xfrm>
+          <a:prstGeom prst="rect">
+            <a:avLst/>
+          </a:prstGeom>
+        </p:spPr>
+      </p:pic>
+      <p:pic>
+        <p:nvPicPr>
+          <p:cNvPr id="6" name="Рисунок 5"/>
+          <p:cNvPicPr>
+            <a:picLocks noChangeAspect="1"/>
+          </p:cNvPicPr>
+          <p:nvPr/>
+        </p:nvPicPr>
+        <p:blipFill rotWithShape="1">
+          <a:blip r:embed="rId4"/>
+          <a:srcRect l="2994"/>
+          <a:stretch/>
+        </p:blipFill>
+        <p:spPr>
+          <a:xfrm>
+            <a:off x="7636306" y="764554"/>
+            <a:ext cx="3628444" cy="3158568"/>
+          </a:xfrm>
+          <a:prstGeom prst="rect">
+            <a:avLst/>
+          </a:prstGeom>
+        </p:spPr>
+      </p:pic>
+      <p:pic>
+        <p:nvPicPr>
+          <p:cNvPr id="10" name="Рисунок 9"/>
+          <p:cNvPicPr>
+            <a:picLocks noChangeAspect="1"/>
+          </p:cNvPicPr>
+          <p:nvPr/>
+        </p:nvPicPr>
+        <p:blipFill>
+          <a:blip r:embed="rId5"/>
+          <a:stretch>
+            <a:fillRect/>
+          </a:stretch>
+        </p:blipFill>
+        <p:spPr>
+          <a:xfrm>
+            <a:off x="7583253" y="3541550"/>
+            <a:ext cx="3575391" cy="3199369"/>
+          </a:xfrm>
+          <a:prstGeom prst="rect">
+            <a:avLst/>
+          </a:prstGeom>
+        </p:spPr>
+      </p:pic>
+    </p:spTree>
+    <p:extLst>
+      <p:ext uri="{BB962C8B-B14F-4D97-AF65-F5344CB8AC3E}">
+        <p14:creationId xmlns:p14="http://schemas.microsoft.com/office/powerpoint/2010/main" val="235503500"/>
+      </p:ext>
+    </p:extLst>
+  </p:cSld>
+  <p:clrMapOvr>
+    <a:masterClrMapping/>
+  </p:clrMapOvr>
+  <p:transition spd="med">
+    <p:pull/>
+  </p:transition>
+  <p:timing>
+    <p:tnLst>
+      <p:par>
+        <p:cTn id="1" dur="indefinite" restart="never" nodeType="tmRoot"/>
+      </p:par>
+    </p:tnLst>
+  </p:timing>
 </p:sld>
 </file>
 
@@ -10492,12 +10159,14 @@
         </p:nvSpPr>
         <p:spPr>
           <a:xfrm>
-            <a:off x="2658862" y="0"/>
-            <a:ext cx="7967709" cy="742950"/>
-          </a:xfrm>
-        </p:spPr>
-        <p:txBody>
-          <a:bodyPr/>
+            <a:off x="2298113" y="8877"/>
+            <a:ext cx="7168719" cy="627552"/>
+          </a:xfrm>
+        </p:spPr>
+        <p:txBody>
+          <a:bodyPr>
+            <a:normAutofit fontScale="90000"/>
+          </a:bodyPr>
           <a:lstStyle/>
           <a:p>
             <a:r>
@@ -10507,132 +10176,12 @@
           </a:p>
         </p:txBody>
       </p:sp>
-      <p:pic>
-        <p:nvPicPr>
-          <p:cNvPr id="5" name="Рисунок 4">
+      <p:sp>
+        <p:nvSpPr>
+          <p:cNvPr id="8" name="Стрелка: вправо 7">
             <a:extLst>
               <a:ext uri="{FF2B5EF4-FFF2-40B4-BE49-F238E27FC236}">
-                <a16:creationId xmlns:a16="http://schemas.microsoft.com/office/drawing/2014/main" id="{1DEDD840-1165-4BAF-8E00-2CCBC8F60046}"/>
-              </a:ext>
-            </a:extLst>
-          </p:cNvPr>
-          <p:cNvPicPr>
-            <a:picLocks noChangeAspect="1"/>
-          </p:cNvPicPr>
-          <p:nvPr/>
-        </p:nvPicPr>
-        <p:blipFill>
-          <a:blip r:embed="rId2"/>
-          <a:stretch>
-            <a:fillRect/>
-          </a:stretch>
-        </p:blipFill>
-        <p:spPr>
-          <a:xfrm>
-            <a:off x="809975" y="784801"/>
-            <a:ext cx="3875437" cy="2644198"/>
-          </a:xfrm>
-          <a:prstGeom prst="rect">
-            <a:avLst/>
-          </a:prstGeom>
-        </p:spPr>
-      </p:pic>
-      <p:pic>
-        <p:nvPicPr>
-          <p:cNvPr id="7" name="Рисунок 6">
-            <a:extLst>
-              <a:ext uri="{FF2B5EF4-FFF2-40B4-BE49-F238E27FC236}">
-                <a16:creationId xmlns:a16="http://schemas.microsoft.com/office/drawing/2014/main" id="{D73EB623-FB78-440B-B60B-A623F8F74C0F}"/>
-              </a:ext>
-            </a:extLst>
-          </p:cNvPr>
-          <p:cNvPicPr>
-            <a:picLocks noChangeAspect="1"/>
-          </p:cNvPicPr>
-          <p:nvPr/>
-        </p:nvPicPr>
-        <p:blipFill>
-          <a:blip r:embed="rId3"/>
-          <a:stretch>
-            <a:fillRect/>
-          </a:stretch>
-        </p:blipFill>
-        <p:spPr>
-          <a:xfrm>
-            <a:off x="791111" y="3541550"/>
-            <a:ext cx="4050659" cy="3150031"/>
-          </a:xfrm>
-          <a:prstGeom prst="rect">
-            <a:avLst/>
-          </a:prstGeom>
-        </p:spPr>
-      </p:pic>
-      <p:pic>
-        <p:nvPicPr>
-          <p:cNvPr id="9" name="Рисунок 8">
-            <a:extLst>
-              <a:ext uri="{FF2B5EF4-FFF2-40B4-BE49-F238E27FC236}">
-                <a16:creationId xmlns:a16="http://schemas.microsoft.com/office/drawing/2014/main" id="{9F048B88-3E67-476A-AB71-23AD266F804B}"/>
-              </a:ext>
-            </a:extLst>
-          </p:cNvPr>
-          <p:cNvPicPr>
-            <a:picLocks noChangeAspect="1"/>
-          </p:cNvPicPr>
-          <p:nvPr/>
-        </p:nvPicPr>
-        <p:blipFill>
-          <a:blip r:embed="rId4"/>
-          <a:stretch>
-            <a:fillRect/>
-          </a:stretch>
-        </p:blipFill>
-        <p:spPr>
-          <a:xfrm>
-            <a:off x="7389812" y="742950"/>
-            <a:ext cx="4612612" cy="2615552"/>
-          </a:xfrm>
-          <a:prstGeom prst="rect">
-            <a:avLst/>
-          </a:prstGeom>
-        </p:spPr>
-      </p:pic>
-      <p:pic>
-        <p:nvPicPr>
-          <p:cNvPr id="11" name="Рисунок 10">
-            <a:extLst>
-              <a:ext uri="{FF2B5EF4-FFF2-40B4-BE49-F238E27FC236}">
-                <a16:creationId xmlns:a16="http://schemas.microsoft.com/office/drawing/2014/main" id="{5ABC509D-1D88-487F-84F4-10C521E68244}"/>
-              </a:ext>
-            </a:extLst>
-          </p:cNvPr>
-          <p:cNvPicPr>
-            <a:picLocks noChangeAspect="1"/>
-          </p:cNvPicPr>
-          <p:nvPr/>
-        </p:nvPicPr>
-        <p:blipFill>
-          <a:blip r:embed="rId5"/>
-          <a:stretch>
-            <a:fillRect/>
-          </a:stretch>
-        </p:blipFill>
-        <p:spPr>
-          <a:xfrm>
-            <a:off x="7389812" y="3591094"/>
-            <a:ext cx="4612612" cy="3050945"/>
-          </a:xfrm>
-          <a:prstGeom prst="rect">
-            <a:avLst/>
-          </a:prstGeom>
-        </p:spPr>
-      </p:pic>
-      <p:sp>
-        <p:nvSpPr>
-          <p:cNvPr id="12" name="Стрелка: вправо 11">
-            <a:extLst>
-              <a:ext uri="{FF2B5EF4-FFF2-40B4-BE49-F238E27FC236}">
-                <a16:creationId xmlns:a16="http://schemas.microsoft.com/office/drawing/2014/main" id="{37373473-D075-4C8C-BFE2-1E8E61A7F6E5}"/>
+                <a16:creationId xmlns:a16="http://schemas.microsoft.com/office/drawing/2014/main" id="{2370DD64-7728-41CC-B3F0-A6E9D2A4F5B3}"/>
               </a:ext>
             </a:extLst>
           </p:cNvPr>
@@ -10641,8 +10190,8 @@
         </p:nvSpPr>
         <p:spPr>
           <a:xfrm>
-            <a:off x="5125930" y="3259722"/>
-            <a:ext cx="1979721" cy="563656"/>
+            <a:off x="5203794" y="3205924"/>
+            <a:ext cx="1784412" cy="610340"/>
           </a:xfrm>
           <a:prstGeom prst="rightArrow">
             <a:avLst/>
@@ -10679,19 +10228,121 @@
           </a:p>
         </p:txBody>
       </p:sp>
+      <p:pic>
+        <p:nvPicPr>
+          <p:cNvPr id="3" name="Рисунок 2"/>
+          <p:cNvPicPr>
+            <a:picLocks noChangeAspect="1"/>
+          </p:cNvPicPr>
+          <p:nvPr/>
+        </p:nvPicPr>
+        <p:blipFill rotWithShape="1">
+          <a:blip r:embed="rId2"/>
+          <a:srcRect l="4467" t="5843" b="1792"/>
+          <a:stretch/>
+        </p:blipFill>
+        <p:spPr>
+          <a:xfrm>
+            <a:off x="893019" y="611731"/>
+            <a:ext cx="3393989" cy="3229232"/>
+          </a:xfrm>
+          <a:prstGeom prst="rect">
+            <a:avLst/>
+          </a:prstGeom>
+        </p:spPr>
+      </p:pic>
+      <p:pic>
+        <p:nvPicPr>
+          <p:cNvPr id="4" name="Рисунок 3"/>
+          <p:cNvPicPr>
+            <a:picLocks noChangeAspect="1"/>
+          </p:cNvPicPr>
+          <p:nvPr/>
+        </p:nvPicPr>
+        <p:blipFill>
+          <a:blip r:embed="rId3"/>
+          <a:stretch>
+            <a:fillRect/>
+          </a:stretch>
+        </p:blipFill>
+        <p:spPr>
+          <a:xfrm>
+            <a:off x="1037968" y="3816264"/>
+            <a:ext cx="3104093" cy="2983601"/>
+          </a:xfrm>
+          <a:prstGeom prst="rect">
+            <a:avLst/>
+          </a:prstGeom>
+        </p:spPr>
+      </p:pic>
+      <p:pic>
+        <p:nvPicPr>
+          <p:cNvPr id="6" name="Рисунок 5"/>
+          <p:cNvPicPr>
+            <a:picLocks noChangeAspect="1"/>
+          </p:cNvPicPr>
+          <p:nvPr/>
+        </p:nvPicPr>
+        <p:blipFill>
+          <a:blip r:embed="rId4"/>
+          <a:stretch>
+            <a:fillRect/>
+          </a:stretch>
+        </p:blipFill>
+        <p:spPr>
+          <a:xfrm>
+            <a:off x="7800600" y="456967"/>
+            <a:ext cx="3789982" cy="3243968"/>
+          </a:xfrm>
+          <a:prstGeom prst="rect">
+            <a:avLst/>
+          </a:prstGeom>
+        </p:spPr>
+      </p:pic>
+      <p:pic>
+        <p:nvPicPr>
+          <p:cNvPr id="9" name="Рисунок 8"/>
+          <p:cNvPicPr>
+            <a:picLocks noChangeAspect="1"/>
+          </p:cNvPicPr>
+          <p:nvPr/>
+        </p:nvPicPr>
+        <p:blipFill>
+          <a:blip r:embed="rId5"/>
+          <a:stretch>
+            <a:fillRect/>
+          </a:stretch>
+        </p:blipFill>
+        <p:spPr>
+          <a:xfrm>
+            <a:off x="7800600" y="3511094"/>
+            <a:ext cx="3688998" cy="3237547"/>
+          </a:xfrm>
+          <a:prstGeom prst="rect">
+            <a:avLst/>
+          </a:prstGeom>
+        </p:spPr>
+      </p:pic>
     </p:spTree>
     <p:extLst>
       <p:ext uri="{BB962C8B-B14F-4D97-AF65-F5344CB8AC3E}">
-        <p14:creationId xmlns:p14="http://schemas.microsoft.com/office/powerpoint/2010/main" val="235503500"/>
+        <p14:creationId xmlns:p14="http://schemas.microsoft.com/office/powerpoint/2010/main" val="2763344580"/>
       </p:ext>
     </p:extLst>
   </p:cSld>
   <p:clrMapOvr>
     <a:masterClrMapping/>
   </p:clrMapOvr>
-  <p:transition spd="med">
-    <p:pull/>
+  <p:transition spd="slow">
+    <p:wipe/>
   </p:transition>
+  <p:timing>
+    <p:tnLst>
+      <p:par>
+        <p:cTn id="1" dur="indefinite" restart="never" nodeType="tmRoot"/>
+      </p:par>
+    </p:tnLst>
+  </p:timing>
 </p:sld>
 </file>
 
@@ -10717,7 +10368,7 @@
           <p:cNvPr id="2" name="Заголовок 1">
             <a:extLst>
               <a:ext uri="{FF2B5EF4-FFF2-40B4-BE49-F238E27FC236}">
-                <a16:creationId xmlns:a16="http://schemas.microsoft.com/office/drawing/2014/main" id="{84FD5444-9FE6-4B94-94A2-B621CE3FCFE9}"/>
+                <a16:creationId xmlns:a16="http://schemas.microsoft.com/office/drawing/2014/main" id="{CECE1ADE-8A3A-4746-807B-37F4EF200795}"/>
               </a:ext>
             </a:extLst>
           </p:cNvPr>
@@ -10730,108 +10381,88 @@
         </p:nvSpPr>
         <p:spPr>
           <a:xfrm>
-            <a:off x="2298113" y="8877"/>
-            <a:ext cx="7168719" cy="627552"/>
-          </a:xfrm>
-        </p:spPr>
-        <p:txBody>
-          <a:bodyPr>
-            <a:normAutofit fontScale="90000"/>
-          </a:bodyPr>
+            <a:off x="1611297" y="0"/>
+            <a:ext cx="9601200" cy="1485900"/>
+          </a:xfrm>
+        </p:spPr>
+        <p:txBody>
+          <a:bodyPr/>
           <a:lstStyle/>
           <a:p>
             <a:r>
               <a:rPr lang="ru-RU" dirty="0"/>
-              <a:t>Пример работы программы </a:t>
-            </a:r>
-          </a:p>
-        </p:txBody>
-      </p:sp>
-      <p:pic>
-        <p:nvPicPr>
-          <p:cNvPr id="5" name="Рисунок 4">
+              <a:t>Проверка корректности работы </a:t>
+            </a:r>
+          </a:p>
+        </p:txBody>
+      </p:sp>
+      <p:sp>
+        <p:nvSpPr>
+          <p:cNvPr id="3" name="Объект 2">
             <a:extLst>
               <a:ext uri="{FF2B5EF4-FFF2-40B4-BE49-F238E27FC236}">
-                <a16:creationId xmlns:a16="http://schemas.microsoft.com/office/drawing/2014/main" id="{676070DC-D687-43FB-9358-10A8AF5FCF1A}"/>
+                <a16:creationId xmlns:a16="http://schemas.microsoft.com/office/drawing/2014/main" id="{2CDFDABD-2D7D-45EC-A06A-5705C7E01A58}"/>
               </a:ext>
             </a:extLst>
           </p:cNvPr>
-          <p:cNvPicPr>
-            <a:picLocks noChangeAspect="1"/>
-          </p:cNvPicPr>
+          <p:cNvSpPr>
+            <a:spLocks noGrp="1"/>
+          </p:cNvSpPr>
+          <p:nvPr>
+            <p:ph idx="1"/>
+          </p:nvPr>
+        </p:nvSpPr>
+        <p:spPr>
+          <a:xfrm>
+            <a:off x="1371600" y="1287262"/>
+            <a:ext cx="4301231" cy="1935332"/>
+          </a:xfrm>
+        </p:spPr>
+        <p:txBody>
+          <a:bodyPr/>
+          <a:lstStyle/>
+          <a:p>
+            <a:pPr marL="0" indent="0">
+              <a:buNone/>
+            </a:pPr>
+            <a:r>
+              <a:rPr lang="ru-RU" dirty="0"/>
+              <a:t>Ввод ограничен размерами панели </a:t>
+            </a:r>
+          </a:p>
+          <a:p>
+            <a:pPr marL="0" indent="0">
+              <a:buNone/>
+            </a:pPr>
+            <a:r>
+              <a:rPr lang="ru-RU" dirty="0"/>
+              <a:t>Есть проверка вводимых данных</a:t>
+            </a:r>
+          </a:p>
+        </p:txBody>
+      </p:sp>
+      <p:sp>
+        <p:nvSpPr>
+          <p:cNvPr id="5" name="Прямоугольник 4">
+            <a:extLst>
+              <a:ext uri="{FF2B5EF4-FFF2-40B4-BE49-F238E27FC236}">
+                <a16:creationId xmlns:a16="http://schemas.microsoft.com/office/drawing/2014/main" id="{EEABCEE6-EED0-4E07-A196-9CE1E014F900}"/>
+              </a:ext>
+            </a:extLst>
+          </p:cNvPr>
+          <p:cNvSpPr/>
           <p:nvPr/>
-        </p:nvPicPr>
-        <p:blipFill>
-          <a:blip r:embed="rId2"/>
-          <a:stretch>
-            <a:fillRect/>
-          </a:stretch>
-        </p:blipFill>
-        <p:spPr>
-          <a:xfrm>
-            <a:off x="714652" y="627552"/>
-            <a:ext cx="5167821" cy="2664386"/>
+        </p:nvSpPr>
+        <p:spPr>
+          <a:xfrm>
+            <a:off x="6209931" y="2325950"/>
+            <a:ext cx="4456590" cy="2769833"/>
           </a:xfrm>
           <a:prstGeom prst="rect">
             <a:avLst/>
           </a:prstGeom>
-        </p:spPr>
-      </p:pic>
-      <p:pic>
-        <p:nvPicPr>
-          <p:cNvPr id="7" name="Рисунок 6">
-            <a:extLst>
-              <a:ext uri="{FF2B5EF4-FFF2-40B4-BE49-F238E27FC236}">
-                <a16:creationId xmlns:a16="http://schemas.microsoft.com/office/drawing/2014/main" id="{64AFF19C-F0D7-4728-B0E7-19E3E2B1C503}"/>
-              </a:ext>
-            </a:extLst>
-          </p:cNvPr>
-          <p:cNvPicPr>
-            <a:picLocks noChangeAspect="1"/>
-          </p:cNvPicPr>
-          <p:nvPr/>
-        </p:nvPicPr>
-        <p:blipFill>
-          <a:blip r:embed="rId3"/>
-          <a:stretch>
-            <a:fillRect/>
-          </a:stretch>
-        </p:blipFill>
-        <p:spPr>
-          <a:xfrm>
-            <a:off x="768381" y="4039340"/>
-            <a:ext cx="5247720" cy="2809783"/>
-          </a:xfrm>
-          <a:prstGeom prst="rect">
-            <a:avLst/>
-          </a:prstGeom>
-        </p:spPr>
-      </p:pic>
-      <p:sp>
-        <p:nvSpPr>
-          <p:cNvPr id="8" name="Стрелка: вправо 7">
-            <a:extLst>
-              <a:ext uri="{FF2B5EF4-FFF2-40B4-BE49-F238E27FC236}">
-                <a16:creationId xmlns:a16="http://schemas.microsoft.com/office/drawing/2014/main" id="{2370DD64-7728-41CC-B3F0-A6E9D2A4F5B3}"/>
-              </a:ext>
-            </a:extLst>
-          </p:cNvPr>
-          <p:cNvSpPr/>
-          <p:nvPr/>
-        </p:nvSpPr>
-        <p:spPr>
-          <a:xfrm>
-            <a:off x="5203794" y="3205924"/>
-            <a:ext cx="1784412" cy="610340"/>
-          </a:xfrm>
-          <a:prstGeom prst="rightArrow">
-            <a:avLst/>
-          </a:prstGeom>
           <a:solidFill>
-            <a:schemeClr val="accent2">
-              <a:lumMod val="40000"/>
-              <a:lumOff val="60000"/>
-            </a:schemeClr>
+            <a:srgbClr val="BD71EB"/>
           </a:solidFill>
         </p:spPr>
         <p:style>
@@ -10859,79 +10490,509 @@
           </a:p>
         </p:txBody>
       </p:sp>
-      <p:pic>
-        <p:nvPicPr>
-          <p:cNvPr id="10" name="Рисунок 9">
+      <p:sp>
+        <p:nvSpPr>
+          <p:cNvPr id="6" name="Прямоугольник 5">
             <a:extLst>
               <a:ext uri="{FF2B5EF4-FFF2-40B4-BE49-F238E27FC236}">
-                <a16:creationId xmlns:a16="http://schemas.microsoft.com/office/drawing/2014/main" id="{7ABCDFEC-6624-460C-844E-5B72EA8D11D7}"/>
+                <a16:creationId xmlns:a16="http://schemas.microsoft.com/office/drawing/2014/main" id="{C79434C4-DA93-4C89-8E4E-29EAF11DA2A2}"/>
               </a:ext>
             </a:extLst>
           </p:cNvPr>
-          <p:cNvPicPr>
-            <a:picLocks noChangeAspect="1"/>
-          </p:cNvPicPr>
+          <p:cNvSpPr/>
           <p:nvPr/>
-        </p:nvPicPr>
-        <p:blipFill>
-          <a:blip r:embed="rId4"/>
-          <a:stretch>
-            <a:fillRect/>
-          </a:stretch>
-        </p:blipFill>
-        <p:spPr>
-          <a:xfrm>
-            <a:off x="7191989" y="519331"/>
-            <a:ext cx="4898851" cy="2938509"/>
+        </p:nvSpPr>
+        <p:spPr>
+          <a:xfrm>
+            <a:off x="2600557" y="4337420"/>
+            <a:ext cx="1687358" cy="369332"/>
           </a:xfrm>
           <a:prstGeom prst="rect">
             <a:avLst/>
           </a:prstGeom>
-        </p:spPr>
-      </p:pic>
-      <p:pic>
-        <p:nvPicPr>
-          <p:cNvPr id="12" name="Рисунок 11">
+          <a:solidFill>
+            <a:schemeClr val="bg1"/>
+          </a:solidFill>
+        </p:spPr>
+        <p:style>
+          <a:lnRef idx="2">
+            <a:schemeClr val="accent1">
+              <a:shade val="50000"/>
+            </a:schemeClr>
+          </a:lnRef>
+          <a:fillRef idx="1">
+            <a:schemeClr val="accent1"/>
+          </a:fillRef>
+          <a:effectRef idx="0">
+            <a:schemeClr val="accent1"/>
+          </a:effectRef>
+          <a:fontRef idx="minor">
+            <a:schemeClr val="lt1"/>
+          </a:fontRef>
+        </p:style>
+        <p:txBody>
+          <a:bodyPr rtlCol="0" anchor="ctr"/>
+          <a:lstStyle/>
+          <a:p>
+            <a:pPr algn="ctr"/>
+            <a:endParaRPr lang="ru-RU"/>
+          </a:p>
+        </p:txBody>
+      </p:sp>
+      <p:sp>
+        <p:nvSpPr>
+          <p:cNvPr id="7" name="Стрелка: влево 6">
             <a:extLst>
               <a:ext uri="{FF2B5EF4-FFF2-40B4-BE49-F238E27FC236}">
-                <a16:creationId xmlns:a16="http://schemas.microsoft.com/office/drawing/2014/main" id="{44E43E48-EC3A-495A-BA37-EDA4D27262DF}"/>
+                <a16:creationId xmlns:a16="http://schemas.microsoft.com/office/drawing/2014/main" id="{60EE90B5-FCBC-4469-93CE-D25759B5A455}"/>
               </a:ext>
             </a:extLst>
           </p:cNvPr>
-          <p:cNvPicPr>
-            <a:picLocks noChangeAspect="1"/>
-          </p:cNvPicPr>
+          <p:cNvSpPr/>
           <p:nvPr/>
-        </p:nvPicPr>
-        <p:blipFill>
-          <a:blip r:embed="rId5"/>
-          <a:stretch>
-            <a:fillRect/>
-          </a:stretch>
-        </p:blipFill>
-        <p:spPr>
-          <a:xfrm>
-            <a:off x="7191989" y="3849580"/>
-            <a:ext cx="5063495" cy="2900409"/>
+        </p:nvSpPr>
+        <p:spPr>
+          <a:xfrm rot="18739153">
+            <a:off x="3417903" y="3535732"/>
+            <a:ext cx="1447061" cy="324036"/>
+          </a:xfrm>
+          <a:prstGeom prst="leftArrow">
+            <a:avLst/>
+          </a:prstGeom>
+          <a:solidFill>
+            <a:schemeClr val="accent2">
+              <a:lumMod val="60000"/>
+              <a:lumOff val="40000"/>
+            </a:schemeClr>
+          </a:solidFill>
+        </p:spPr>
+        <p:style>
+          <a:lnRef idx="2">
+            <a:schemeClr val="accent1">
+              <a:shade val="50000"/>
+            </a:schemeClr>
+          </a:lnRef>
+          <a:fillRef idx="1">
+            <a:schemeClr val="accent1"/>
+          </a:fillRef>
+          <a:effectRef idx="0">
+            <a:schemeClr val="accent1"/>
+          </a:effectRef>
+          <a:fontRef idx="minor">
+            <a:schemeClr val="lt1"/>
+          </a:fontRef>
+        </p:style>
+        <p:txBody>
+          <a:bodyPr rtlCol="0" anchor="ctr"/>
+          <a:lstStyle/>
+          <a:p>
+            <a:pPr algn="ctr"/>
+            <a:endParaRPr lang="ru-RU"/>
+          </a:p>
+        </p:txBody>
+      </p:sp>
+      <p:sp>
+        <p:nvSpPr>
+          <p:cNvPr id="8" name="TextBox 7">
+            <a:extLst>
+              <a:ext uri="{FF2B5EF4-FFF2-40B4-BE49-F238E27FC236}">
+                <a16:creationId xmlns:a16="http://schemas.microsoft.com/office/drawing/2014/main" id="{0345086C-76C7-43C9-9C59-838BE4ABFAC4}"/>
+              </a:ext>
+            </a:extLst>
+          </p:cNvPr>
+          <p:cNvSpPr txBox="1"/>
+          <p:nvPr/>
+        </p:nvSpPr>
+        <p:spPr>
+          <a:xfrm>
+            <a:off x="4416640" y="2790918"/>
+            <a:ext cx="1198486" cy="369332"/>
           </a:xfrm>
           <a:prstGeom prst="rect">
             <a:avLst/>
           </a:prstGeom>
-        </p:spPr>
-      </p:pic>
+          <a:noFill/>
+        </p:spPr>
+        <p:txBody>
+          <a:bodyPr wrap="square" rtlCol="0">
+            <a:spAutoFit/>
+          </a:bodyPr>
+          <a:lstStyle/>
+          <a:p>
+            <a:r>
+              <a:rPr lang="ru-RU" dirty="0"/>
+              <a:t>Только </a:t>
+            </a:r>
+            <a:r>
+              <a:rPr lang="en-US" dirty="0"/>
+              <a:t>int</a:t>
+            </a:r>
+            <a:endParaRPr lang="ru-RU" dirty="0"/>
+          </a:p>
+        </p:txBody>
+      </p:sp>
+      <p:sp>
+        <p:nvSpPr>
+          <p:cNvPr id="9" name="TextBox 8">
+            <a:extLst>
+              <a:ext uri="{FF2B5EF4-FFF2-40B4-BE49-F238E27FC236}">
+                <a16:creationId xmlns:a16="http://schemas.microsoft.com/office/drawing/2014/main" id="{4ABFBF93-9D8F-4D6E-80BB-0E5E465DB257}"/>
+              </a:ext>
+            </a:extLst>
+          </p:cNvPr>
+          <p:cNvSpPr txBox="1"/>
+          <p:nvPr/>
+        </p:nvSpPr>
+        <p:spPr>
+          <a:xfrm>
+            <a:off x="1100230" y="4341813"/>
+            <a:ext cx="1500327" cy="369332"/>
+          </a:xfrm>
+          <a:prstGeom prst="rect">
+            <a:avLst/>
+          </a:prstGeom>
+          <a:noFill/>
+        </p:spPr>
+        <p:txBody>
+          <a:bodyPr wrap="square" rtlCol="0">
+            <a:spAutoFit/>
+          </a:bodyPr>
+          <a:lstStyle/>
+          <a:p>
+            <a:r>
+              <a:rPr lang="ru-RU" dirty="0"/>
+              <a:t>Введите Х</a:t>
+            </a:r>
+          </a:p>
+        </p:txBody>
+      </p:sp>
+      <p:cxnSp>
+        <p:nvCxnSpPr>
+          <p:cNvPr id="11" name="Прямая соединительная линия 10">
+            <a:extLst>
+              <a:ext uri="{FF2B5EF4-FFF2-40B4-BE49-F238E27FC236}">
+                <a16:creationId xmlns:a16="http://schemas.microsoft.com/office/drawing/2014/main" id="{ACFC4687-0114-487C-A2CF-59BF5584CC2D}"/>
+              </a:ext>
+            </a:extLst>
+          </p:cNvPr>
+          <p:cNvCxnSpPr/>
+          <p:nvPr/>
+        </p:nvCxnSpPr>
+        <p:spPr>
+          <a:xfrm>
+            <a:off x="10715348" y="2325950"/>
+            <a:ext cx="1216240" cy="0"/>
+          </a:xfrm>
+          <a:prstGeom prst="line">
+            <a:avLst/>
+          </a:prstGeom>
+        </p:spPr>
+        <p:style>
+          <a:lnRef idx="1">
+            <a:schemeClr val="accent1"/>
+          </a:lnRef>
+          <a:fillRef idx="0">
+            <a:schemeClr val="accent1"/>
+          </a:fillRef>
+          <a:effectRef idx="0">
+            <a:schemeClr val="accent1"/>
+          </a:effectRef>
+          <a:fontRef idx="minor">
+            <a:schemeClr val="tx1"/>
+          </a:fontRef>
+        </p:style>
+      </p:cxnSp>
+      <p:cxnSp>
+        <p:nvCxnSpPr>
+          <p:cNvPr id="13" name="Прямая соединительная линия 12">
+            <a:extLst>
+              <a:ext uri="{FF2B5EF4-FFF2-40B4-BE49-F238E27FC236}">
+                <a16:creationId xmlns:a16="http://schemas.microsoft.com/office/drawing/2014/main" id="{8835261C-2D78-4E53-9582-2E2B911463EE}"/>
+              </a:ext>
+            </a:extLst>
+          </p:cNvPr>
+          <p:cNvCxnSpPr/>
+          <p:nvPr/>
+        </p:nvCxnSpPr>
+        <p:spPr>
+          <a:xfrm>
+            <a:off x="10715348" y="5095783"/>
+            <a:ext cx="1216240" cy="0"/>
+          </a:xfrm>
+          <a:prstGeom prst="line">
+            <a:avLst/>
+          </a:prstGeom>
+        </p:spPr>
+        <p:style>
+          <a:lnRef idx="1">
+            <a:schemeClr val="accent1"/>
+          </a:lnRef>
+          <a:fillRef idx="0">
+            <a:schemeClr val="accent1"/>
+          </a:fillRef>
+          <a:effectRef idx="0">
+            <a:schemeClr val="accent1"/>
+          </a:effectRef>
+          <a:fontRef idx="minor">
+            <a:schemeClr val="tx1"/>
+          </a:fontRef>
+        </p:style>
+      </p:cxnSp>
+      <p:cxnSp>
+        <p:nvCxnSpPr>
+          <p:cNvPr id="15" name="Прямая соединительная линия 14">
+            <a:extLst>
+              <a:ext uri="{FF2B5EF4-FFF2-40B4-BE49-F238E27FC236}">
+                <a16:creationId xmlns:a16="http://schemas.microsoft.com/office/drawing/2014/main" id="{F273227A-BA5A-4C2F-9916-6059026B3985}"/>
+              </a:ext>
+            </a:extLst>
+          </p:cNvPr>
+          <p:cNvCxnSpPr/>
+          <p:nvPr/>
+        </p:nvCxnSpPr>
+        <p:spPr>
+          <a:xfrm>
+            <a:off x="6209931" y="5095783"/>
+            <a:ext cx="0" cy="870011"/>
+          </a:xfrm>
+          <a:prstGeom prst="line">
+            <a:avLst/>
+          </a:prstGeom>
+        </p:spPr>
+        <p:style>
+          <a:lnRef idx="1">
+            <a:schemeClr val="accent1"/>
+          </a:lnRef>
+          <a:fillRef idx="0">
+            <a:schemeClr val="accent1"/>
+          </a:fillRef>
+          <a:effectRef idx="0">
+            <a:schemeClr val="accent1"/>
+          </a:effectRef>
+          <a:fontRef idx="minor">
+            <a:schemeClr val="tx1"/>
+          </a:fontRef>
+        </p:style>
+      </p:cxnSp>
+      <p:cxnSp>
+        <p:nvCxnSpPr>
+          <p:cNvPr id="17" name="Прямая соединительная линия 16">
+            <a:extLst>
+              <a:ext uri="{FF2B5EF4-FFF2-40B4-BE49-F238E27FC236}">
+                <a16:creationId xmlns:a16="http://schemas.microsoft.com/office/drawing/2014/main" id="{603F179A-C76D-4B00-9C5B-1290087BF6FF}"/>
+              </a:ext>
+            </a:extLst>
+          </p:cNvPr>
+          <p:cNvCxnSpPr/>
+          <p:nvPr/>
+        </p:nvCxnSpPr>
+        <p:spPr>
+          <a:xfrm>
+            <a:off x="10666521" y="5095783"/>
+            <a:ext cx="0" cy="887767"/>
+          </a:xfrm>
+          <a:prstGeom prst="line">
+            <a:avLst/>
+          </a:prstGeom>
+        </p:spPr>
+        <p:style>
+          <a:lnRef idx="1">
+            <a:schemeClr val="accent1"/>
+          </a:lnRef>
+          <a:fillRef idx="0">
+            <a:schemeClr val="accent1"/>
+          </a:fillRef>
+          <a:effectRef idx="0">
+            <a:schemeClr val="accent1"/>
+          </a:effectRef>
+          <a:fontRef idx="minor">
+            <a:schemeClr val="tx1"/>
+          </a:fontRef>
+        </p:style>
+      </p:cxnSp>
+      <p:cxnSp>
+        <p:nvCxnSpPr>
+          <p:cNvPr id="19" name="Прямая со стрелкой 18">
+            <a:extLst>
+              <a:ext uri="{FF2B5EF4-FFF2-40B4-BE49-F238E27FC236}">
+                <a16:creationId xmlns:a16="http://schemas.microsoft.com/office/drawing/2014/main" id="{18AE8931-C66A-4795-BAC4-F8F2CAB0F249}"/>
+              </a:ext>
+            </a:extLst>
+          </p:cNvPr>
+          <p:cNvCxnSpPr>
+            <a:cxnSpLocks/>
+          </p:cNvCxnSpPr>
+          <p:nvPr/>
+        </p:nvCxnSpPr>
+        <p:spPr>
+          <a:xfrm>
+            <a:off x="11323468" y="2325950"/>
+            <a:ext cx="0" cy="2769833"/>
+          </a:xfrm>
+          <a:prstGeom prst="straightConnector1">
+            <a:avLst/>
+          </a:prstGeom>
+          <a:ln>
+            <a:headEnd type="triangle"/>
+            <a:tailEnd type="triangle"/>
+          </a:ln>
+        </p:spPr>
+        <p:style>
+          <a:lnRef idx="1">
+            <a:schemeClr val="accent1"/>
+          </a:lnRef>
+          <a:fillRef idx="0">
+            <a:schemeClr val="accent1"/>
+          </a:fillRef>
+          <a:effectRef idx="0">
+            <a:schemeClr val="accent1"/>
+          </a:effectRef>
+          <a:fontRef idx="minor">
+            <a:schemeClr val="tx1"/>
+          </a:fontRef>
+        </p:style>
+      </p:cxnSp>
+      <p:cxnSp>
+        <p:nvCxnSpPr>
+          <p:cNvPr id="23" name="Прямая со стрелкой 22">
+            <a:extLst>
+              <a:ext uri="{FF2B5EF4-FFF2-40B4-BE49-F238E27FC236}">
+                <a16:creationId xmlns:a16="http://schemas.microsoft.com/office/drawing/2014/main" id="{6486013A-3CCB-4CA3-9E06-C39435D0D202}"/>
+              </a:ext>
+            </a:extLst>
+          </p:cNvPr>
+          <p:cNvCxnSpPr/>
+          <p:nvPr/>
+        </p:nvCxnSpPr>
+        <p:spPr>
+          <a:xfrm>
+            <a:off x="6209931" y="5539666"/>
+            <a:ext cx="4456590" cy="0"/>
+          </a:xfrm>
+          <a:prstGeom prst="straightConnector1">
+            <a:avLst/>
+          </a:prstGeom>
+          <a:ln>
+            <a:headEnd type="triangle"/>
+            <a:tailEnd type="triangle"/>
+          </a:ln>
+        </p:spPr>
+        <p:style>
+          <a:lnRef idx="1">
+            <a:schemeClr val="accent1"/>
+          </a:lnRef>
+          <a:fillRef idx="0">
+            <a:schemeClr val="accent1"/>
+          </a:fillRef>
+          <a:effectRef idx="0">
+            <a:schemeClr val="accent1"/>
+          </a:effectRef>
+          <a:fontRef idx="minor">
+            <a:schemeClr val="tx1"/>
+          </a:fontRef>
+        </p:style>
+      </p:cxnSp>
+      <p:sp>
+        <p:nvSpPr>
+          <p:cNvPr id="24" name="TextBox 23">
+            <a:extLst>
+              <a:ext uri="{FF2B5EF4-FFF2-40B4-BE49-F238E27FC236}">
+                <a16:creationId xmlns:a16="http://schemas.microsoft.com/office/drawing/2014/main" id="{AD3FEB10-9CD7-4072-8E09-7E9BFB8259F2}"/>
+              </a:ext>
+            </a:extLst>
+          </p:cNvPr>
+          <p:cNvSpPr txBox="1"/>
+          <p:nvPr/>
+        </p:nvSpPr>
+        <p:spPr>
+          <a:xfrm>
+            <a:off x="8078680" y="5530788"/>
+            <a:ext cx="1491449" cy="369332"/>
+          </a:xfrm>
+          <a:prstGeom prst="rect">
+            <a:avLst/>
+          </a:prstGeom>
+          <a:noFill/>
+        </p:spPr>
+        <p:txBody>
+          <a:bodyPr wrap="square" rtlCol="0">
+            <a:spAutoFit/>
+          </a:bodyPr>
+          <a:lstStyle/>
+          <a:p>
+            <a:r>
+              <a:rPr lang="en-US" dirty="0"/>
+              <a:t>width</a:t>
+            </a:r>
+            <a:endParaRPr lang="ru-RU" dirty="0"/>
+          </a:p>
+        </p:txBody>
+      </p:sp>
+      <p:sp>
+        <p:nvSpPr>
+          <p:cNvPr id="25" name="TextBox 24">
+            <a:extLst>
+              <a:ext uri="{FF2B5EF4-FFF2-40B4-BE49-F238E27FC236}">
+                <a16:creationId xmlns:a16="http://schemas.microsoft.com/office/drawing/2014/main" id="{8531DD12-ED06-46C6-A04A-A589AE925807}"/>
+              </a:ext>
+            </a:extLst>
+          </p:cNvPr>
+          <p:cNvSpPr txBox="1"/>
+          <p:nvPr/>
+        </p:nvSpPr>
+        <p:spPr>
+          <a:xfrm rot="16200000">
+            <a:off x="11042056" y="3557472"/>
+            <a:ext cx="932155" cy="369332"/>
+          </a:xfrm>
+          <a:prstGeom prst="rect">
+            <a:avLst/>
+          </a:prstGeom>
+          <a:noFill/>
+        </p:spPr>
+        <p:txBody>
+          <a:bodyPr wrap="square" rtlCol="0">
+            <a:spAutoFit/>
+          </a:bodyPr>
+          <a:lstStyle/>
+          <a:p>
+            <a:r>
+              <a:rPr lang="en-US" dirty="0"/>
+              <a:t>height</a:t>
+            </a:r>
+            <a:endParaRPr lang="ru-RU" dirty="0"/>
+          </a:p>
+        </p:txBody>
+      </p:sp>
     </p:spTree>
     <p:extLst>
       <p:ext uri="{BB962C8B-B14F-4D97-AF65-F5344CB8AC3E}">
-        <p14:creationId xmlns:p14="http://schemas.microsoft.com/office/powerpoint/2010/main" val="2763344580"/>
+        <p14:creationId xmlns:p14="http://schemas.microsoft.com/office/powerpoint/2010/main" val="3675188200"/>
       </p:ext>
     </p:extLst>
   </p:cSld>
   <p:clrMapOvr>
     <a:masterClrMapping/>
   </p:clrMapOvr>
-  <p:transition spd="slow">
-    <p:wipe/>
-  </p:transition>
+  <mc:AlternateContent xmlns:mc="http://schemas.openxmlformats.org/markup-compatibility/2006" xmlns:p14="http://schemas.microsoft.com/office/powerpoint/2010/main">
+    <mc:Choice Requires="p14">
+      <p:transition spd="slow" p14:dur="3400">
+        <p14:reveal/>
+      </p:transition>
+    </mc:Choice>
+    <mc:Fallback xmlns="">
+      <p:transition spd="slow">
+        <p:fade/>
+      </p:transition>
+    </mc:Fallback>
+  </mc:AlternateContent>
+  <p:timing>
+    <p:tnLst>
+      <p:par>
+        <p:cTn id="1" dur="indefinite" restart="never" nodeType="tmRoot"/>
+      </p:par>
+    </p:tnLst>
+  </p:timing>
 </p:sld>
 </file>
 
